--- a/fuentes/contenidos/grado09/guion13/mapa tema 13.pptx
+++ b/fuentes/contenidos/grado09/guion13/mapa tema 13.pptx
@@ -106,7 +106,7 @@
   </p:defaultTextStyle>
   <p:extLst>
     <p:ext uri="{EFAFB233-063F-42B5-8137-9DF3F51BA10A}">
-      <p15:sldGuideLst xmlns:p15="http://schemas.microsoft.com/office/powerpoint/2012/main" xmlns="">
+      <p15:sldGuideLst xmlns:p15="http://schemas.microsoft.com/office/powerpoint/2012/main">
         <p15:guide id="1" orient="horz" pos="2495" userDrawn="1">
           <p15:clr>
             <a:srgbClr val="A4A3A4"/>
@@ -165,7 +165,7 @@
           </a:lstStyle>
           <a:p>
             <a:r>
-              <a:rPr lang="es-ES" smtClean="0"/>
+              <a:rPr lang="es-ES"/>
               <a:t>Haga clic para modificar el estilo de título del patrón</a:t>
             </a:r>
             <a:endParaRPr lang="en-US" dirty="0"/>
@@ -230,7 +230,7 @@
           </a:lstStyle>
           <a:p>
             <a:r>
-              <a:rPr lang="es-ES" smtClean="0"/>
+              <a:rPr lang="es-ES"/>
               <a:t>Haga clic para editar el estilo de subtítulo del patrón</a:t>
             </a:r>
             <a:endParaRPr lang="en-US" dirty="0"/>
@@ -255,7 +255,7 @@
             <a:fld id="{C764DE79-268F-4C1A-8933-263129D2AF90}" type="datetimeFigureOut">
               <a:rPr lang="en-US" smtClean="0"/>
               <a:pPr/>
-              <a:t>3/2/2016</a:t>
+              <a:t>4/15/2016</a:t>
             </a:fld>
             <a:endParaRPr lang="en-US" dirty="0"/>
           </a:p>
@@ -307,7 +307,7 @@
     </p:spTree>
     <p:extLst>
       <p:ext uri="{BB962C8B-B14F-4D97-AF65-F5344CB8AC3E}">
-        <p14:creationId xmlns:p14="http://schemas.microsoft.com/office/powerpoint/2010/main" xmlns="" val="2521214690"/>
+        <p14:creationId xmlns:p14="http://schemas.microsoft.com/office/powerpoint/2010/main" val="2521214690"/>
       </p:ext>
     </p:extLst>
   </p:cSld>
@@ -350,7 +350,7 @@
           <a:lstStyle/>
           <a:p>
             <a:r>
-              <a:rPr lang="es-ES" smtClean="0"/>
+              <a:rPr lang="es-ES"/>
               <a:t>Haga clic para modificar el estilo de título del patrón</a:t>
             </a:r>
             <a:endParaRPr lang="en-US" dirty="0"/>
@@ -374,35 +374,35 @@
           <a:p>
             <a:pPr lvl="0"/>
             <a:r>
-              <a:rPr lang="es-ES" smtClean="0"/>
+              <a:rPr lang="es-ES"/>
               <a:t>Editar el estilo de texto del patrón</a:t>
             </a:r>
           </a:p>
           <a:p>
             <a:pPr lvl="1"/>
             <a:r>
-              <a:rPr lang="es-ES" smtClean="0"/>
+              <a:rPr lang="es-ES"/>
               <a:t>Segundo nivel</a:t>
             </a:r>
           </a:p>
           <a:p>
             <a:pPr lvl="2"/>
             <a:r>
-              <a:rPr lang="es-ES" smtClean="0"/>
+              <a:rPr lang="es-ES"/>
               <a:t>Tercer nivel</a:t>
             </a:r>
           </a:p>
           <a:p>
             <a:pPr lvl="3"/>
             <a:r>
-              <a:rPr lang="es-ES" smtClean="0"/>
+              <a:rPr lang="es-ES"/>
               <a:t>Cuarto nivel</a:t>
             </a:r>
           </a:p>
           <a:p>
             <a:pPr lvl="4"/>
             <a:r>
-              <a:rPr lang="es-ES" smtClean="0"/>
+              <a:rPr lang="es-ES"/>
               <a:t>Quinto nivel</a:t>
             </a:r>
             <a:endParaRPr lang="en-US" dirty="0"/>
@@ -427,7 +427,7 @@
             <a:fld id="{C764DE79-268F-4C1A-8933-263129D2AF90}" type="datetimeFigureOut">
               <a:rPr lang="en-US" smtClean="0"/>
               <a:pPr/>
-              <a:t>3/2/2016</a:t>
+              <a:t>4/15/2016</a:t>
             </a:fld>
             <a:endParaRPr lang="en-US" dirty="0"/>
           </a:p>
@@ -479,7 +479,7 @@
     </p:spTree>
     <p:extLst>
       <p:ext uri="{BB962C8B-B14F-4D97-AF65-F5344CB8AC3E}">
-        <p14:creationId xmlns:p14="http://schemas.microsoft.com/office/powerpoint/2010/main" xmlns="" val="3179416425"/>
+        <p14:creationId xmlns:p14="http://schemas.microsoft.com/office/powerpoint/2010/main" val="3179416425"/>
       </p:ext>
     </p:extLst>
   </p:cSld>
@@ -527,7 +527,7 @@
           <a:lstStyle/>
           <a:p>
             <a:r>
-              <a:rPr lang="es-ES" smtClean="0"/>
+              <a:rPr lang="es-ES"/>
               <a:t>Haga clic para modificar el estilo de título del patrón</a:t>
             </a:r>
             <a:endParaRPr lang="en-US" dirty="0"/>
@@ -556,35 +556,35 @@
           <a:p>
             <a:pPr lvl="0"/>
             <a:r>
-              <a:rPr lang="es-ES" smtClean="0"/>
+              <a:rPr lang="es-ES"/>
               <a:t>Editar el estilo de texto del patrón</a:t>
             </a:r>
           </a:p>
           <a:p>
             <a:pPr lvl="1"/>
             <a:r>
-              <a:rPr lang="es-ES" smtClean="0"/>
+              <a:rPr lang="es-ES"/>
               <a:t>Segundo nivel</a:t>
             </a:r>
           </a:p>
           <a:p>
             <a:pPr lvl="2"/>
             <a:r>
-              <a:rPr lang="es-ES" smtClean="0"/>
+              <a:rPr lang="es-ES"/>
               <a:t>Tercer nivel</a:t>
             </a:r>
           </a:p>
           <a:p>
             <a:pPr lvl="3"/>
             <a:r>
-              <a:rPr lang="es-ES" smtClean="0"/>
+              <a:rPr lang="es-ES"/>
               <a:t>Cuarto nivel</a:t>
             </a:r>
           </a:p>
           <a:p>
             <a:pPr lvl="4"/>
             <a:r>
-              <a:rPr lang="es-ES" smtClean="0"/>
+              <a:rPr lang="es-ES"/>
               <a:t>Quinto nivel</a:t>
             </a:r>
             <a:endParaRPr lang="en-US" dirty="0"/>
@@ -609,7 +609,7 @@
             <a:fld id="{C764DE79-268F-4C1A-8933-263129D2AF90}" type="datetimeFigureOut">
               <a:rPr lang="en-US" smtClean="0"/>
               <a:pPr/>
-              <a:t>3/2/2016</a:t>
+              <a:t>4/15/2016</a:t>
             </a:fld>
             <a:endParaRPr lang="en-US" dirty="0"/>
           </a:p>
@@ -661,7 +661,7 @@
     </p:spTree>
     <p:extLst>
       <p:ext uri="{BB962C8B-B14F-4D97-AF65-F5344CB8AC3E}">
-        <p14:creationId xmlns:p14="http://schemas.microsoft.com/office/powerpoint/2010/main" xmlns="" val="3508458710"/>
+        <p14:creationId xmlns:p14="http://schemas.microsoft.com/office/powerpoint/2010/main" val="3508458710"/>
       </p:ext>
     </p:extLst>
   </p:cSld>
@@ -691,20 +691,13 @@
     </p:spTree>
     <p:extLst>
       <p:ext uri="{BB962C8B-B14F-4D97-AF65-F5344CB8AC3E}">
-        <p14:creationId xmlns:p14="http://schemas.microsoft.com/office/powerpoint/2010/main" xmlns="" val="2000257042"/>
+        <p14:creationId xmlns:p14="http://schemas.microsoft.com/office/powerpoint/2010/main" val="2000257042"/>
       </p:ext>
     </p:extLst>
   </p:cSld>
   <p:clrMapOvr>
     <a:masterClrMapping/>
   </p:clrMapOvr>
-  <p:timing>
-    <p:tnLst>
-      <p:par>
-        <p:cTn id="1" dur="indefinite" restart="never" nodeType="tmRoot"/>
-      </p:par>
-    </p:tnLst>
-  </p:timing>
 </p:sldLayout>
 </file>
 
@@ -728,20 +721,13 @@
     </p:spTree>
     <p:extLst>
       <p:ext uri="{BB962C8B-B14F-4D97-AF65-F5344CB8AC3E}">
-        <p14:creationId xmlns:p14="http://schemas.microsoft.com/office/powerpoint/2010/main" xmlns="" val="3239374206"/>
+        <p14:creationId xmlns:p14="http://schemas.microsoft.com/office/powerpoint/2010/main" val="3239374206"/>
       </p:ext>
     </p:extLst>
   </p:cSld>
   <p:clrMapOvr>
     <a:masterClrMapping/>
   </p:clrMapOvr>
-  <p:timing>
-    <p:tnLst>
-      <p:par>
-        <p:cTn id="1" dur="indefinite" restart="never" nodeType="tmRoot"/>
-      </p:par>
-    </p:tnLst>
-  </p:timing>
 </p:sldLayout>
 </file>
 
@@ -765,20 +751,13 @@
     </p:spTree>
     <p:extLst>
       <p:ext uri="{BB962C8B-B14F-4D97-AF65-F5344CB8AC3E}">
-        <p14:creationId xmlns:p14="http://schemas.microsoft.com/office/powerpoint/2010/main" xmlns="" val="307310304"/>
+        <p14:creationId xmlns:p14="http://schemas.microsoft.com/office/powerpoint/2010/main" val="307310304"/>
       </p:ext>
     </p:extLst>
   </p:cSld>
   <p:clrMapOvr>
     <a:masterClrMapping/>
   </p:clrMapOvr>
-  <p:timing>
-    <p:tnLst>
-      <p:par>
-        <p:cTn id="1" dur="indefinite" restart="never" nodeType="tmRoot"/>
-      </p:par>
-    </p:tnLst>
-  </p:timing>
 </p:sldLayout>
 </file>
 
@@ -802,20 +781,13 @@
     </p:spTree>
     <p:extLst>
       <p:ext uri="{BB962C8B-B14F-4D97-AF65-F5344CB8AC3E}">
-        <p14:creationId xmlns:p14="http://schemas.microsoft.com/office/powerpoint/2010/main" xmlns="" val="3978690955"/>
+        <p14:creationId xmlns:p14="http://schemas.microsoft.com/office/powerpoint/2010/main" val="3978690955"/>
       </p:ext>
     </p:extLst>
   </p:cSld>
   <p:clrMapOvr>
     <a:masterClrMapping/>
   </p:clrMapOvr>
-  <p:timing>
-    <p:tnLst>
-      <p:par>
-        <p:cTn id="1" dur="indefinite" restart="never" nodeType="tmRoot"/>
-      </p:par>
-    </p:tnLst>
-  </p:timing>
 </p:sldLayout>
 </file>
 
@@ -839,20 +811,13 @@
     </p:spTree>
     <p:extLst>
       <p:ext uri="{BB962C8B-B14F-4D97-AF65-F5344CB8AC3E}">
-        <p14:creationId xmlns:p14="http://schemas.microsoft.com/office/powerpoint/2010/main" xmlns="" val="2351846119"/>
+        <p14:creationId xmlns:p14="http://schemas.microsoft.com/office/powerpoint/2010/main" val="2351846119"/>
       </p:ext>
     </p:extLst>
   </p:cSld>
   <p:clrMapOvr>
     <a:masterClrMapping/>
   </p:clrMapOvr>
-  <p:timing>
-    <p:tnLst>
-      <p:par>
-        <p:cTn id="1" dur="indefinite" restart="never" nodeType="tmRoot"/>
-      </p:par>
-    </p:tnLst>
-  </p:timing>
 </p:sldLayout>
 </file>
 
@@ -876,20 +841,13 @@
     </p:spTree>
     <p:extLst>
       <p:ext uri="{BB962C8B-B14F-4D97-AF65-F5344CB8AC3E}">
-        <p14:creationId xmlns:p14="http://schemas.microsoft.com/office/powerpoint/2010/main" xmlns="" val="3469546082"/>
+        <p14:creationId xmlns:p14="http://schemas.microsoft.com/office/powerpoint/2010/main" val="3469546082"/>
       </p:ext>
     </p:extLst>
   </p:cSld>
   <p:clrMapOvr>
     <a:masterClrMapping/>
   </p:clrMapOvr>
-  <p:timing>
-    <p:tnLst>
-      <p:par>
-        <p:cTn id="1" dur="indefinite" restart="never" nodeType="tmRoot"/>
-      </p:par>
-    </p:tnLst>
-  </p:timing>
 </p:sldLayout>
 </file>
 
@@ -913,20 +871,13 @@
     </p:spTree>
     <p:extLst>
       <p:ext uri="{BB962C8B-B14F-4D97-AF65-F5344CB8AC3E}">
-        <p14:creationId xmlns:p14="http://schemas.microsoft.com/office/powerpoint/2010/main" xmlns="" val="1289426299"/>
+        <p14:creationId xmlns:p14="http://schemas.microsoft.com/office/powerpoint/2010/main" val="1289426299"/>
       </p:ext>
     </p:extLst>
   </p:cSld>
   <p:clrMapOvr>
     <a:masterClrMapping/>
   </p:clrMapOvr>
-  <p:timing>
-    <p:tnLst>
-      <p:par>
-        <p:cTn id="1" dur="indefinite" restart="never" nodeType="tmRoot"/>
-      </p:par>
-    </p:tnLst>
-  </p:timing>
 </p:sldLayout>
 </file>
 
@@ -950,20 +901,13 @@
     </p:spTree>
     <p:extLst>
       <p:ext uri="{BB962C8B-B14F-4D97-AF65-F5344CB8AC3E}">
-        <p14:creationId xmlns:p14="http://schemas.microsoft.com/office/powerpoint/2010/main" xmlns="" val="382388284"/>
+        <p14:creationId xmlns:p14="http://schemas.microsoft.com/office/powerpoint/2010/main" val="382388284"/>
       </p:ext>
     </p:extLst>
   </p:cSld>
   <p:clrMapOvr>
     <a:masterClrMapping/>
   </p:clrMapOvr>
-  <p:timing>
-    <p:tnLst>
-      <p:par>
-        <p:cTn id="1" dur="indefinite" restart="never" nodeType="tmRoot"/>
-      </p:par>
-    </p:tnLst>
-  </p:timing>
 </p:sldLayout>
 </file>
 
@@ -1000,7 +944,7 @@
           <a:lstStyle/>
           <a:p>
             <a:r>
-              <a:rPr lang="es-ES" smtClean="0"/>
+              <a:rPr lang="es-ES"/>
               <a:t>Haga clic para modificar el estilo de título del patrón</a:t>
             </a:r>
             <a:endParaRPr lang="en-US" dirty="0"/>
@@ -1024,35 +968,35 @@
           <a:p>
             <a:pPr lvl="0"/>
             <a:r>
-              <a:rPr lang="es-ES" smtClean="0"/>
+              <a:rPr lang="es-ES"/>
               <a:t>Editar el estilo de texto del patrón</a:t>
             </a:r>
           </a:p>
           <a:p>
             <a:pPr lvl="1"/>
             <a:r>
-              <a:rPr lang="es-ES" smtClean="0"/>
+              <a:rPr lang="es-ES"/>
               <a:t>Segundo nivel</a:t>
             </a:r>
           </a:p>
           <a:p>
             <a:pPr lvl="2"/>
             <a:r>
-              <a:rPr lang="es-ES" smtClean="0"/>
+              <a:rPr lang="es-ES"/>
               <a:t>Tercer nivel</a:t>
             </a:r>
           </a:p>
           <a:p>
             <a:pPr lvl="3"/>
             <a:r>
-              <a:rPr lang="es-ES" smtClean="0"/>
+              <a:rPr lang="es-ES"/>
               <a:t>Cuarto nivel</a:t>
             </a:r>
           </a:p>
           <a:p>
             <a:pPr lvl="4"/>
             <a:r>
-              <a:rPr lang="es-ES" smtClean="0"/>
+              <a:rPr lang="es-ES"/>
               <a:t>Quinto nivel</a:t>
             </a:r>
             <a:endParaRPr lang="en-US" dirty="0"/>
@@ -1077,7 +1021,7 @@
             <a:fld id="{C764DE79-268F-4C1A-8933-263129D2AF90}" type="datetimeFigureOut">
               <a:rPr lang="en-US" smtClean="0"/>
               <a:pPr/>
-              <a:t>3/2/2016</a:t>
+              <a:t>4/15/2016</a:t>
             </a:fld>
             <a:endParaRPr lang="en-US" dirty="0"/>
           </a:p>
@@ -1129,7 +1073,7 @@
     </p:spTree>
     <p:extLst>
       <p:ext uri="{BB962C8B-B14F-4D97-AF65-F5344CB8AC3E}">
-        <p14:creationId xmlns:p14="http://schemas.microsoft.com/office/powerpoint/2010/main" xmlns="" val="1707912778"/>
+        <p14:creationId xmlns:p14="http://schemas.microsoft.com/office/powerpoint/2010/main" val="1707912778"/>
       </p:ext>
     </p:extLst>
   </p:cSld>
@@ -1159,20 +1103,13 @@
     </p:spTree>
     <p:extLst>
       <p:ext uri="{BB962C8B-B14F-4D97-AF65-F5344CB8AC3E}">
-        <p14:creationId xmlns:p14="http://schemas.microsoft.com/office/powerpoint/2010/main" xmlns="" val="1333581381"/>
+        <p14:creationId xmlns:p14="http://schemas.microsoft.com/office/powerpoint/2010/main" val="1333581381"/>
       </p:ext>
     </p:extLst>
   </p:cSld>
   <p:clrMapOvr>
     <a:masterClrMapping/>
   </p:clrMapOvr>
-  <p:timing>
-    <p:tnLst>
-      <p:par>
-        <p:cTn id="1" dur="indefinite" restart="never" nodeType="tmRoot"/>
-      </p:par>
-    </p:tnLst>
-  </p:timing>
 </p:sldLayout>
 </file>
 
@@ -1196,20 +1133,13 @@
     </p:spTree>
     <p:extLst>
       <p:ext uri="{BB962C8B-B14F-4D97-AF65-F5344CB8AC3E}">
-        <p14:creationId xmlns:p14="http://schemas.microsoft.com/office/powerpoint/2010/main" xmlns="" val="1891644360"/>
+        <p14:creationId xmlns:p14="http://schemas.microsoft.com/office/powerpoint/2010/main" val="1891644360"/>
       </p:ext>
     </p:extLst>
   </p:cSld>
   <p:clrMapOvr>
     <a:masterClrMapping/>
   </p:clrMapOvr>
-  <p:timing>
-    <p:tnLst>
-      <p:par>
-        <p:cTn id="1" dur="indefinite" restart="never" nodeType="tmRoot"/>
-      </p:par>
-    </p:tnLst>
-  </p:timing>
 </p:sldLayout>
 </file>
 
@@ -1255,7 +1185,7 @@
           </a:lstStyle>
           <a:p>
             <a:r>
-              <a:rPr lang="es-ES" smtClean="0"/>
+              <a:rPr lang="es-ES"/>
               <a:t>Haga clic para modificar el estilo de título del patrón</a:t>
             </a:r>
             <a:endParaRPr lang="en-US" dirty="0"/>
@@ -1373,7 +1303,7 @@
           <a:p>
             <a:pPr lvl="0"/>
             <a:r>
-              <a:rPr lang="es-ES" smtClean="0"/>
+              <a:rPr lang="es-ES"/>
               <a:t>Editar el estilo de texto del patrón</a:t>
             </a:r>
           </a:p>
@@ -1397,7 +1327,7 @@
             <a:fld id="{C764DE79-268F-4C1A-8933-263129D2AF90}" type="datetimeFigureOut">
               <a:rPr lang="en-US" smtClean="0"/>
               <a:pPr/>
-              <a:t>3/2/2016</a:t>
+              <a:t>4/15/2016</a:t>
             </a:fld>
             <a:endParaRPr lang="en-US" dirty="0"/>
           </a:p>
@@ -1449,7 +1379,7 @@
     </p:spTree>
     <p:extLst>
       <p:ext uri="{BB962C8B-B14F-4D97-AF65-F5344CB8AC3E}">
-        <p14:creationId xmlns:p14="http://schemas.microsoft.com/office/powerpoint/2010/main" xmlns="" val="3361752199"/>
+        <p14:creationId xmlns:p14="http://schemas.microsoft.com/office/powerpoint/2010/main" val="3361752199"/>
       </p:ext>
     </p:extLst>
   </p:cSld>
@@ -1492,7 +1422,7 @@
           <a:lstStyle/>
           <a:p>
             <a:r>
-              <a:rPr lang="es-ES" smtClean="0"/>
+              <a:rPr lang="es-ES"/>
               <a:t>Haga clic para modificar el estilo de título del patrón</a:t>
             </a:r>
             <a:endParaRPr lang="en-US" dirty="0"/>
@@ -1521,35 +1451,35 @@
           <a:p>
             <a:pPr lvl="0"/>
             <a:r>
-              <a:rPr lang="es-ES" smtClean="0"/>
+              <a:rPr lang="es-ES"/>
               <a:t>Editar el estilo de texto del patrón</a:t>
             </a:r>
           </a:p>
           <a:p>
             <a:pPr lvl="1"/>
             <a:r>
-              <a:rPr lang="es-ES" smtClean="0"/>
+              <a:rPr lang="es-ES"/>
               <a:t>Segundo nivel</a:t>
             </a:r>
           </a:p>
           <a:p>
             <a:pPr lvl="2"/>
             <a:r>
-              <a:rPr lang="es-ES" smtClean="0"/>
+              <a:rPr lang="es-ES"/>
               <a:t>Tercer nivel</a:t>
             </a:r>
           </a:p>
           <a:p>
             <a:pPr lvl="3"/>
             <a:r>
-              <a:rPr lang="es-ES" smtClean="0"/>
+              <a:rPr lang="es-ES"/>
               <a:t>Cuarto nivel</a:t>
             </a:r>
           </a:p>
           <a:p>
             <a:pPr lvl="4"/>
             <a:r>
-              <a:rPr lang="es-ES" smtClean="0"/>
+              <a:rPr lang="es-ES"/>
               <a:t>Quinto nivel</a:t>
             </a:r>
             <a:endParaRPr lang="en-US" dirty="0"/>
@@ -1578,35 +1508,35 @@
           <a:p>
             <a:pPr lvl="0"/>
             <a:r>
-              <a:rPr lang="es-ES" smtClean="0"/>
+              <a:rPr lang="es-ES"/>
               <a:t>Editar el estilo de texto del patrón</a:t>
             </a:r>
           </a:p>
           <a:p>
             <a:pPr lvl="1"/>
             <a:r>
-              <a:rPr lang="es-ES" smtClean="0"/>
+              <a:rPr lang="es-ES"/>
               <a:t>Segundo nivel</a:t>
             </a:r>
           </a:p>
           <a:p>
             <a:pPr lvl="2"/>
             <a:r>
-              <a:rPr lang="es-ES" smtClean="0"/>
+              <a:rPr lang="es-ES"/>
               <a:t>Tercer nivel</a:t>
             </a:r>
           </a:p>
           <a:p>
             <a:pPr lvl="3"/>
             <a:r>
-              <a:rPr lang="es-ES" smtClean="0"/>
+              <a:rPr lang="es-ES"/>
               <a:t>Cuarto nivel</a:t>
             </a:r>
           </a:p>
           <a:p>
             <a:pPr lvl="4"/>
             <a:r>
-              <a:rPr lang="es-ES" smtClean="0"/>
+              <a:rPr lang="es-ES"/>
               <a:t>Quinto nivel</a:t>
             </a:r>
             <a:endParaRPr lang="en-US" dirty="0"/>
@@ -1631,7 +1561,7 @@
             <a:fld id="{C764DE79-268F-4C1A-8933-263129D2AF90}" type="datetimeFigureOut">
               <a:rPr lang="en-US" smtClean="0"/>
               <a:pPr/>
-              <a:t>3/2/2016</a:t>
+              <a:t>4/15/2016</a:t>
             </a:fld>
             <a:endParaRPr lang="en-US" dirty="0"/>
           </a:p>
@@ -1683,7 +1613,7 @@
     </p:spTree>
     <p:extLst>
       <p:ext uri="{BB962C8B-B14F-4D97-AF65-F5344CB8AC3E}">
-        <p14:creationId xmlns:p14="http://schemas.microsoft.com/office/powerpoint/2010/main" xmlns="" val="1397405559"/>
+        <p14:creationId xmlns:p14="http://schemas.microsoft.com/office/powerpoint/2010/main" val="1397405559"/>
       </p:ext>
     </p:extLst>
   </p:cSld>
@@ -1731,7 +1661,7 @@
           <a:lstStyle/>
           <a:p>
             <a:r>
-              <a:rPr lang="es-ES" smtClean="0"/>
+              <a:rPr lang="es-ES"/>
               <a:t>Haga clic para modificar el estilo de título del patrón</a:t>
             </a:r>
             <a:endParaRPr lang="en-US" dirty="0"/>
@@ -1797,7 +1727,7 @@
           <a:p>
             <a:pPr lvl="0"/>
             <a:r>
-              <a:rPr lang="es-ES" smtClean="0"/>
+              <a:rPr lang="es-ES"/>
               <a:t>Editar el estilo de texto del patrón</a:t>
             </a:r>
           </a:p>
@@ -1825,35 +1755,35 @@
           <a:p>
             <a:pPr lvl="0"/>
             <a:r>
-              <a:rPr lang="es-ES" smtClean="0"/>
+              <a:rPr lang="es-ES"/>
               <a:t>Editar el estilo de texto del patrón</a:t>
             </a:r>
           </a:p>
           <a:p>
             <a:pPr lvl="1"/>
             <a:r>
-              <a:rPr lang="es-ES" smtClean="0"/>
+              <a:rPr lang="es-ES"/>
               <a:t>Segundo nivel</a:t>
             </a:r>
           </a:p>
           <a:p>
             <a:pPr lvl="2"/>
             <a:r>
-              <a:rPr lang="es-ES" smtClean="0"/>
+              <a:rPr lang="es-ES"/>
               <a:t>Tercer nivel</a:t>
             </a:r>
           </a:p>
           <a:p>
             <a:pPr lvl="3"/>
             <a:r>
-              <a:rPr lang="es-ES" smtClean="0"/>
+              <a:rPr lang="es-ES"/>
               <a:t>Cuarto nivel</a:t>
             </a:r>
           </a:p>
           <a:p>
             <a:pPr lvl="4"/>
             <a:r>
-              <a:rPr lang="es-ES" smtClean="0"/>
+              <a:rPr lang="es-ES"/>
               <a:t>Quinto nivel</a:t>
             </a:r>
             <a:endParaRPr lang="en-US" dirty="0"/>
@@ -1919,7 +1849,7 @@
           <a:p>
             <a:pPr lvl="0"/>
             <a:r>
-              <a:rPr lang="es-ES" smtClean="0"/>
+              <a:rPr lang="es-ES"/>
               <a:t>Editar el estilo de texto del patrón</a:t>
             </a:r>
           </a:p>
@@ -1947,35 +1877,35 @@
           <a:p>
             <a:pPr lvl="0"/>
             <a:r>
-              <a:rPr lang="es-ES" smtClean="0"/>
+              <a:rPr lang="es-ES"/>
               <a:t>Editar el estilo de texto del patrón</a:t>
             </a:r>
           </a:p>
           <a:p>
             <a:pPr lvl="1"/>
             <a:r>
-              <a:rPr lang="es-ES" smtClean="0"/>
+              <a:rPr lang="es-ES"/>
               <a:t>Segundo nivel</a:t>
             </a:r>
           </a:p>
           <a:p>
             <a:pPr lvl="2"/>
             <a:r>
-              <a:rPr lang="es-ES" smtClean="0"/>
+              <a:rPr lang="es-ES"/>
               <a:t>Tercer nivel</a:t>
             </a:r>
           </a:p>
           <a:p>
             <a:pPr lvl="3"/>
             <a:r>
-              <a:rPr lang="es-ES" smtClean="0"/>
+              <a:rPr lang="es-ES"/>
               <a:t>Cuarto nivel</a:t>
             </a:r>
           </a:p>
           <a:p>
             <a:pPr lvl="4"/>
             <a:r>
-              <a:rPr lang="es-ES" smtClean="0"/>
+              <a:rPr lang="es-ES"/>
               <a:t>Quinto nivel</a:t>
             </a:r>
             <a:endParaRPr lang="en-US" dirty="0"/>
@@ -2000,7 +1930,7 @@
             <a:fld id="{C764DE79-268F-4C1A-8933-263129D2AF90}" type="datetimeFigureOut">
               <a:rPr lang="en-US" smtClean="0"/>
               <a:pPr/>
-              <a:t>3/2/2016</a:t>
+              <a:t>4/15/2016</a:t>
             </a:fld>
             <a:endParaRPr lang="en-US" dirty="0"/>
           </a:p>
@@ -2052,7 +1982,7 @@
     </p:spTree>
     <p:extLst>
       <p:ext uri="{BB962C8B-B14F-4D97-AF65-F5344CB8AC3E}">
-        <p14:creationId xmlns:p14="http://schemas.microsoft.com/office/powerpoint/2010/main" xmlns="" val="1971314211"/>
+        <p14:creationId xmlns:p14="http://schemas.microsoft.com/office/powerpoint/2010/main" val="1971314211"/>
       </p:ext>
     </p:extLst>
   </p:cSld>
@@ -2095,7 +2025,7 @@
           <a:lstStyle/>
           <a:p>
             <a:r>
-              <a:rPr lang="es-ES" smtClean="0"/>
+              <a:rPr lang="es-ES"/>
               <a:t>Haga clic para modificar el estilo de título del patrón</a:t>
             </a:r>
             <a:endParaRPr lang="en-US" dirty="0"/>
@@ -2120,7 +2050,7 @@
             <a:fld id="{C764DE79-268F-4C1A-8933-263129D2AF90}" type="datetimeFigureOut">
               <a:rPr lang="en-US" smtClean="0"/>
               <a:pPr/>
-              <a:t>3/2/2016</a:t>
+              <a:t>4/15/2016</a:t>
             </a:fld>
             <a:endParaRPr lang="en-US" dirty="0"/>
           </a:p>
@@ -2172,7 +2102,7 @@
     </p:spTree>
     <p:extLst>
       <p:ext uri="{BB962C8B-B14F-4D97-AF65-F5344CB8AC3E}">
-        <p14:creationId xmlns:p14="http://schemas.microsoft.com/office/powerpoint/2010/main" xmlns="" val="3643839982"/>
+        <p14:creationId xmlns:p14="http://schemas.microsoft.com/office/powerpoint/2010/main" val="3643839982"/>
       </p:ext>
     </p:extLst>
   </p:cSld>
@@ -2217,7 +2147,7 @@
             <a:fld id="{5001C876-01F7-4317-94B9-1AE222133113}" type="datetimeFigureOut">
               <a:rPr lang="es-ES" smtClean="0"/>
               <a:pPr/>
-              <a:t>02/03/2016</a:t>
+              <a:t>15/04/2016</a:t>
             </a:fld>
             <a:endParaRPr lang="es-ES"/>
           </a:p>
@@ -2269,7 +2199,7 @@
     </p:spTree>
     <p:extLst>
       <p:ext uri="{BB962C8B-B14F-4D97-AF65-F5344CB8AC3E}">
-        <p14:creationId xmlns:p14="http://schemas.microsoft.com/office/powerpoint/2010/main" xmlns="" val="3643550572"/>
+        <p14:creationId xmlns:p14="http://schemas.microsoft.com/office/powerpoint/2010/main" val="3643550572"/>
       </p:ext>
     </p:extLst>
   </p:cSld>
@@ -2321,7 +2251,7 @@
           </a:lstStyle>
           <a:p>
             <a:r>
-              <a:rPr lang="es-ES" smtClean="0"/>
+              <a:rPr lang="es-ES"/>
               <a:t>Haga clic para modificar el estilo de título del patrón</a:t>
             </a:r>
             <a:endParaRPr lang="en-US" dirty="0"/>
@@ -2378,35 +2308,35 @@
           <a:p>
             <a:pPr lvl="0"/>
             <a:r>
-              <a:rPr lang="es-ES" smtClean="0"/>
+              <a:rPr lang="es-ES"/>
               <a:t>Editar el estilo de texto del patrón</a:t>
             </a:r>
           </a:p>
           <a:p>
             <a:pPr lvl="1"/>
             <a:r>
-              <a:rPr lang="es-ES" smtClean="0"/>
+              <a:rPr lang="es-ES"/>
               <a:t>Segundo nivel</a:t>
             </a:r>
           </a:p>
           <a:p>
             <a:pPr lvl="2"/>
             <a:r>
-              <a:rPr lang="es-ES" smtClean="0"/>
+              <a:rPr lang="es-ES"/>
               <a:t>Tercer nivel</a:t>
             </a:r>
           </a:p>
           <a:p>
             <a:pPr lvl="3"/>
             <a:r>
-              <a:rPr lang="es-ES" smtClean="0"/>
+              <a:rPr lang="es-ES"/>
               <a:t>Cuarto nivel</a:t>
             </a:r>
           </a:p>
           <a:p>
             <a:pPr lvl="4"/>
             <a:r>
-              <a:rPr lang="es-ES" smtClean="0"/>
+              <a:rPr lang="es-ES"/>
               <a:t>Quinto nivel</a:t>
             </a:r>
             <a:endParaRPr lang="en-US" dirty="0"/>
@@ -2472,7 +2402,7 @@
           <a:p>
             <a:pPr lvl="0"/>
             <a:r>
-              <a:rPr lang="es-ES" smtClean="0"/>
+              <a:rPr lang="es-ES"/>
               <a:t>Editar el estilo de texto del patrón</a:t>
             </a:r>
           </a:p>
@@ -2496,7 +2426,7 @@
             <a:fld id="{C764DE79-268F-4C1A-8933-263129D2AF90}" type="datetimeFigureOut">
               <a:rPr lang="en-US" smtClean="0"/>
               <a:pPr/>
-              <a:t>3/2/2016</a:t>
+              <a:t>4/15/2016</a:t>
             </a:fld>
             <a:endParaRPr lang="en-US" dirty="0"/>
           </a:p>
@@ -2548,7 +2478,7 @@
     </p:spTree>
     <p:extLst>
       <p:ext uri="{BB962C8B-B14F-4D97-AF65-F5344CB8AC3E}">
-        <p14:creationId xmlns:p14="http://schemas.microsoft.com/office/powerpoint/2010/main" xmlns="" val="1191578324"/>
+        <p14:creationId xmlns:p14="http://schemas.microsoft.com/office/powerpoint/2010/main" val="1191578324"/>
       </p:ext>
     </p:extLst>
   </p:cSld>
@@ -2600,7 +2530,7 @@
           </a:lstStyle>
           <a:p>
             <a:r>
-              <a:rPr lang="es-ES" smtClean="0"/>
+              <a:rPr lang="es-ES"/>
               <a:t>Haga clic para modificar el estilo de título del patrón</a:t>
             </a:r>
             <a:endParaRPr lang="en-US" dirty="0"/>
@@ -2665,7 +2595,7 @@
           </a:lstStyle>
           <a:p>
             <a:r>
-              <a:rPr lang="es-ES" smtClean="0"/>
+              <a:rPr lang="es-ES"/>
               <a:t>Haga clic en el icono para agregar una imagen</a:t>
             </a:r>
             <a:endParaRPr lang="en-US" dirty="0"/>
@@ -2731,7 +2661,7 @@
           <a:p>
             <a:pPr lvl="0"/>
             <a:r>
-              <a:rPr lang="es-ES" smtClean="0"/>
+              <a:rPr lang="es-ES"/>
               <a:t>Editar el estilo de texto del patrón</a:t>
             </a:r>
           </a:p>
@@ -2755,7 +2685,7 @@
             <a:fld id="{C764DE79-268F-4C1A-8933-263129D2AF90}" type="datetimeFigureOut">
               <a:rPr lang="en-US" smtClean="0"/>
               <a:pPr/>
-              <a:t>3/2/2016</a:t>
+              <a:t>4/15/2016</a:t>
             </a:fld>
             <a:endParaRPr lang="en-US" dirty="0"/>
           </a:p>
@@ -2807,7 +2737,7 @@
     </p:spTree>
     <p:extLst>
       <p:ext uri="{BB962C8B-B14F-4D97-AF65-F5344CB8AC3E}">
-        <p14:creationId xmlns:p14="http://schemas.microsoft.com/office/powerpoint/2010/main" xmlns="" val="3280721601"/>
+        <p14:creationId xmlns:p14="http://schemas.microsoft.com/office/powerpoint/2010/main" val="3280721601"/>
       </p:ext>
     </p:extLst>
   </p:cSld>
@@ -2865,7 +2795,7 @@
           <a:lstStyle/>
           <a:p>
             <a:r>
-              <a:rPr lang="es-ES" smtClean="0"/>
+              <a:rPr lang="es-ES"/>
               <a:t>Haga clic para modificar el estilo de título del patrón</a:t>
             </a:r>
             <a:endParaRPr lang="en-US" dirty="0"/>
@@ -2899,35 +2829,35 @@
           <a:p>
             <a:pPr lvl="0"/>
             <a:r>
-              <a:rPr lang="es-ES" smtClean="0"/>
+              <a:rPr lang="es-ES"/>
               <a:t>Editar el estilo de texto del patrón</a:t>
             </a:r>
           </a:p>
           <a:p>
             <a:pPr lvl="1"/>
             <a:r>
-              <a:rPr lang="es-ES" smtClean="0"/>
+              <a:rPr lang="es-ES"/>
               <a:t>Segundo nivel</a:t>
             </a:r>
           </a:p>
           <a:p>
             <a:pPr lvl="2"/>
             <a:r>
-              <a:rPr lang="es-ES" smtClean="0"/>
+              <a:rPr lang="es-ES"/>
               <a:t>Tercer nivel</a:t>
             </a:r>
           </a:p>
           <a:p>
             <a:pPr lvl="3"/>
             <a:r>
-              <a:rPr lang="es-ES" smtClean="0"/>
+              <a:rPr lang="es-ES"/>
               <a:t>Cuarto nivel</a:t>
             </a:r>
           </a:p>
           <a:p>
             <a:pPr lvl="4"/>
             <a:r>
-              <a:rPr lang="es-ES" smtClean="0"/>
+              <a:rPr lang="es-ES"/>
               <a:t>Quinto nivel</a:t>
             </a:r>
             <a:endParaRPr lang="en-US" dirty="0"/>
@@ -2970,7 +2900,7 @@
             <a:fld id="{C764DE79-268F-4C1A-8933-263129D2AF90}" type="datetimeFigureOut">
               <a:rPr lang="en-US" smtClean="0"/>
               <a:pPr/>
-              <a:t>3/2/2016</a:t>
+              <a:t>4/15/2016</a:t>
             </a:fld>
             <a:endParaRPr lang="en-US" dirty="0"/>
           </a:p>
@@ -3079,16 +3009,12 @@
           <a:p>
             <a:pPr algn="ctr"/>
             <a:r>
-              <a:rPr lang="es-ES" sz="1200" dirty="0" smtClean="0">
+              <a:rPr lang="es-ES" sz="1200" dirty="0">
                 <a:latin typeface="Arial" panose="020B0604020202020204" pitchFamily="34" charset="0"/>
                 <a:cs typeface="Arial" panose="020B0604020202020204" pitchFamily="34" charset="0"/>
               </a:rPr>
               <a:t>© Editorial Planeta Colombiana S.A., 2016.</a:t>
             </a:r>
-            <a:endParaRPr lang="es-ES" sz="1200" dirty="0">
-              <a:latin typeface="Arial" panose="020B0604020202020204" pitchFamily="34" charset="0"/>
-              <a:cs typeface="Arial" panose="020B0604020202020204" pitchFamily="34" charset="0"/>
-            </a:endParaRPr>
           </a:p>
         </p:txBody>
       </p:sp>
@@ -3104,7 +3030,7 @@
           <a:blip r:embed="rId23" cstate="print">
             <a:extLst>
               <a:ext uri="{28A0092B-C50C-407E-A947-70E740481C1C}">
-                <a14:useLocalDpi xmlns:a14="http://schemas.microsoft.com/office/drawing/2010/main" xmlns="" val="0"/>
+                <a14:useLocalDpi xmlns:a14="http://schemas.microsoft.com/office/drawing/2010/main" val="0"/>
               </a:ext>
             </a:extLst>
           </a:blip>
@@ -3125,7 +3051,7 @@
     </p:spTree>
     <p:extLst>
       <p:ext uri="{BB962C8B-B14F-4D97-AF65-F5344CB8AC3E}">
-        <p14:creationId xmlns:p14="http://schemas.microsoft.com/office/powerpoint/2010/main" xmlns="" val="2555929835"/>
+        <p14:creationId xmlns:p14="http://schemas.microsoft.com/office/powerpoint/2010/main" val="2555929835"/>
       </p:ext>
     </p:extLst>
   </p:cSld>
@@ -3496,7 +3422,7 @@
           <a:p>
             <a:pPr algn="ctr"/>
             <a:r>
-              <a:rPr lang="es-ES" sz="1600" dirty="0" smtClean="0">
+              <a:rPr lang="es-ES" sz="1600" dirty="0">
                 <a:solidFill>
                   <a:schemeClr val="tx1"/>
                 </a:solidFill>
@@ -3505,13 +3431,6 @@
               </a:rPr>
               <a:t>Probabilidad  </a:t>
             </a:r>
-            <a:endParaRPr lang="es-ES" sz="1600" dirty="0">
-              <a:solidFill>
-                <a:schemeClr val="tx1"/>
-              </a:solidFill>
-              <a:latin typeface="Arial" panose="020B0604020202020204" pitchFamily="34" charset="0"/>
-              <a:cs typeface="Arial" panose="020B0604020202020204" pitchFamily="34" charset="0"/>
-            </a:endParaRPr>
           </a:p>
         </p:txBody>
       </p:sp>
@@ -3680,25 +3599,8 @@
                 <a:latin typeface="Arial" panose="020B0604020202020204" pitchFamily="34" charset="0"/>
                 <a:cs typeface="Arial" panose="020B0604020202020204" pitchFamily="34" charset="0"/>
               </a:rPr>
-              <a:t>m</a:t>
-            </a:r>
-            <a:r>
-              <a:rPr lang="es-ES" sz="1050" dirty="0" smtClean="0">
-                <a:solidFill>
-                  <a:schemeClr val="tx1"/>
-                </a:solidFill>
-                <a:latin typeface="Arial" panose="020B0604020202020204" pitchFamily="34" charset="0"/>
-                <a:cs typeface="Arial" panose="020B0604020202020204" pitchFamily="34" charset="0"/>
-              </a:rPr>
-              <a:t>edir cuantitativamente que un echo ocurra  </a:t>
-            </a:r>
-            <a:endParaRPr lang="es-ES" sz="1050" dirty="0">
-              <a:solidFill>
-                <a:schemeClr val="tx1"/>
-              </a:solidFill>
-              <a:latin typeface="Arial" panose="020B0604020202020204" pitchFamily="34" charset="0"/>
-              <a:cs typeface="Arial" panose="020B0604020202020204" pitchFamily="34" charset="0"/>
-            </a:endParaRPr>
+              <a:t>medir cuantitativamente que un echo ocurra  </a:t>
+            </a:r>
           </a:p>
         </p:txBody>
       </p:sp>
@@ -3766,16 +3668,12 @@
           <a:p>
             <a:pPr algn="ctr"/>
             <a:r>
-              <a:rPr lang="es-ES" sz="900" dirty="0" smtClean="0">
+              <a:rPr lang="es-ES" sz="900" dirty="0">
                 <a:latin typeface="Arial" panose="020B0604020202020204" pitchFamily="34" charset="0"/>
                 <a:cs typeface="Arial" panose="020B0604020202020204" pitchFamily="34" charset="0"/>
               </a:rPr>
               <a:t> en  </a:t>
             </a:r>
-            <a:endParaRPr lang="es-ES" sz="900" dirty="0">
-              <a:latin typeface="Arial" panose="020B0604020202020204" pitchFamily="34" charset="0"/>
-              <a:cs typeface="Arial" panose="020B0604020202020204" pitchFamily="34" charset="0"/>
-            </a:endParaRPr>
           </a:p>
         </p:txBody>
       </p:sp>
@@ -3831,25 +3729,8 @@
                 <a:latin typeface="Arial" panose="020B0604020202020204" pitchFamily="34" charset="0"/>
                 <a:cs typeface="Arial" panose="020B0604020202020204" pitchFamily="34" charset="0"/>
               </a:rPr>
-              <a:t> </a:t>
-            </a:r>
-            <a:r>
-              <a:rPr lang="es-ES" sz="900" dirty="0" smtClean="0">
-                <a:solidFill>
-                  <a:schemeClr val="tx1"/>
-                </a:solidFill>
-                <a:latin typeface="Arial" panose="020B0604020202020204" pitchFamily="34" charset="0"/>
-                <a:cs typeface="Arial" panose="020B0604020202020204" pitchFamily="34" charset="0"/>
-              </a:rPr>
-              <a:t> experimentos aleatorios    </a:t>
-            </a:r>
-            <a:endParaRPr lang="es-ES" sz="900" dirty="0">
-              <a:solidFill>
-                <a:schemeClr val="tx1"/>
-              </a:solidFill>
-              <a:latin typeface="Arial" panose="020B0604020202020204" pitchFamily="34" charset="0"/>
-              <a:cs typeface="Arial" panose="020B0604020202020204" pitchFamily="34" charset="0"/>
-            </a:endParaRPr>
+              <a:t>  experimentos aleatorios    </a:t>
+            </a:r>
           </a:p>
         </p:txBody>
       </p:sp>
@@ -3896,22 +3777,15 @@
           <a:p>
             <a:pPr algn="ctr"/>
             <a:r>
-              <a:rPr lang="es-ES" sz="900" dirty="0" smtClean="0">
+              <a:rPr lang="es-ES" sz="900" dirty="0">
                 <a:solidFill>
                   <a:schemeClr val="tx1"/>
                 </a:solidFill>
                 <a:latin typeface="Arial" panose="020B0604020202020204" pitchFamily="34" charset="0"/>
                 <a:cs typeface="Arial" panose="020B0604020202020204" pitchFamily="34" charset="0"/>
               </a:rPr>
-              <a:t>El precio del dólar  </a:t>
-            </a:r>
-            <a:endParaRPr lang="es-ES" sz="900" dirty="0">
-              <a:solidFill>
-                <a:schemeClr val="tx1"/>
-              </a:solidFill>
-              <a:latin typeface="Arial" panose="020B0604020202020204" pitchFamily="34" charset="0"/>
-              <a:cs typeface="Arial" panose="020B0604020202020204" pitchFamily="34" charset="0"/>
-            </a:endParaRPr>
+              <a:t>el precio del dólar  </a:t>
+            </a:r>
           </a:p>
         </p:txBody>
       </p:sp>
@@ -3965,25 +3839,8 @@
                 <a:latin typeface="Arial" panose="020B0604020202020204" pitchFamily="34" charset="0"/>
                 <a:cs typeface="Arial" panose="020B0604020202020204" pitchFamily="34" charset="0"/>
               </a:rPr>
-              <a:t>s</a:t>
-            </a:r>
-            <a:r>
-              <a:rPr lang="es-ES" sz="900" dirty="0" smtClean="0">
-                <a:solidFill>
-                  <a:schemeClr val="tx1"/>
-                </a:solidFill>
-                <a:latin typeface="Arial" panose="020B0604020202020204" pitchFamily="34" charset="0"/>
-                <a:cs typeface="Arial" panose="020B0604020202020204" pitchFamily="34" charset="0"/>
-              </a:rPr>
-              <a:t>acar una carta </a:t>
-            </a:r>
-            <a:endParaRPr lang="es-ES" sz="900" dirty="0">
-              <a:solidFill>
-                <a:schemeClr val="tx1"/>
-              </a:solidFill>
-              <a:latin typeface="Arial" panose="020B0604020202020204" pitchFamily="34" charset="0"/>
-              <a:cs typeface="Arial" panose="020B0604020202020204" pitchFamily="34" charset="0"/>
-            </a:endParaRPr>
+              <a:t>sacar una carta </a:t>
+            </a:r>
           </a:p>
         </p:txBody>
       </p:sp>
@@ -4204,16 +4061,12 @@
           <a:p>
             <a:pPr algn="ctr"/>
             <a:r>
-              <a:rPr lang="es-ES" sz="900" dirty="0" smtClean="0">
+              <a:rPr lang="es-ES" sz="900" dirty="0">
                 <a:latin typeface="Arial" panose="020B0604020202020204" pitchFamily="34" charset="0"/>
                 <a:cs typeface="Arial" panose="020B0604020202020204" pitchFamily="34" charset="0"/>
               </a:rPr>
               <a:t>   se caracteriza por </a:t>
             </a:r>
-            <a:endParaRPr lang="es-ES" sz="900" dirty="0">
-              <a:latin typeface="Arial" panose="020B0604020202020204" pitchFamily="34" charset="0"/>
-              <a:cs typeface="Arial" panose="020B0604020202020204" pitchFamily="34" charset="0"/>
-            </a:endParaRPr>
           </a:p>
         </p:txBody>
       </p:sp>
@@ -4361,23 +4214,12 @@
           <a:p>
             <a:pPr algn="ctr"/>
             <a:r>
-              <a:rPr lang="es-ES" sz="900" dirty="0" smtClean="0">
+              <a:rPr lang="es-ES" sz="900" dirty="0">
                 <a:latin typeface="Arial" panose="020B0604020202020204" pitchFamily="34" charset="0"/>
                 <a:cs typeface="Arial" panose="020B0604020202020204" pitchFamily="34" charset="0"/>
               </a:rPr>
-              <a:t>d</a:t>
-            </a:r>
-            <a:r>
-              <a:rPr lang="es-ES" sz="900" dirty="0" smtClean="0">
-                <a:latin typeface="Arial" panose="020B0604020202020204" pitchFamily="34" charset="0"/>
-                <a:cs typeface="Arial" panose="020B0604020202020204" pitchFamily="34" charset="0"/>
-              </a:rPr>
-              <a:t>onde   </a:t>
-            </a:r>
-            <a:endParaRPr lang="es-ES" sz="900" dirty="0">
-              <a:latin typeface="Arial" panose="020B0604020202020204" pitchFamily="34" charset="0"/>
-              <a:cs typeface="Arial" panose="020B0604020202020204" pitchFamily="34" charset="0"/>
-            </a:endParaRPr>
+              <a:t>donde   </a:t>
+            </a:r>
           </a:p>
         </p:txBody>
       </p:sp>
@@ -4471,30 +4313,10 @@
                 <a:latin typeface="Arial" panose="020B0604020202020204" pitchFamily="34" charset="0"/>
                 <a:cs typeface="Arial" panose="020B0604020202020204" pitchFamily="34" charset="0"/>
               </a:rPr>
-              <a:t> </a:t>
-            </a:r>
-            <a:r>
-              <a:rPr lang="es-ES" sz="900" dirty="0" smtClean="0">
-                <a:solidFill>
-                  <a:schemeClr val="tx1"/>
-                </a:solidFill>
-                <a:latin typeface="Arial" panose="020B0604020202020204" pitchFamily="34" charset="0"/>
-                <a:cs typeface="Arial" panose="020B0604020202020204" pitchFamily="34" charset="0"/>
-              </a:rPr>
-              <a:t>ejemplo </a:t>
-            </a:r>
-            <a:r>
-              <a:rPr lang="es-ES" sz="900" dirty="0" smtClean="0">
-                <a:solidFill>
-                  <a:schemeClr val="tx1"/>
-                </a:solidFill>
-                <a:latin typeface="Arial" panose="020B0604020202020204" pitchFamily="34" charset="0"/>
-                <a:cs typeface="Arial" panose="020B0604020202020204" pitchFamily="34" charset="0"/>
-              </a:rPr>
-              <a:t>es lanzar un dado </a:t>
-            </a:r>
-            <a:r>
-              <a:rPr lang="es-ES" sz="900" b="1" dirty="0" smtClean="0">
+              <a:t> ejemplo es lanzar un dado </a:t>
+            </a:r>
+            <a:r>
+              <a:rPr lang="es-ES" sz="900" b="1" dirty="0">
                 <a:solidFill>
                   <a:schemeClr val="tx1"/>
                 </a:solidFill>
@@ -4504,7 +4326,7 @@
               <a:t>S</a:t>
             </a:r>
             <a:r>
-              <a:rPr lang="es-ES" sz="900" dirty="0" smtClean="0">
+              <a:rPr lang="es-ES" sz="900" dirty="0">
                 <a:solidFill>
                   <a:schemeClr val="tx1"/>
                 </a:solidFill>
@@ -4518,7 +4340,7 @@
               <a:t>{</a:t>
             </a:r>
             <a:r>
-              <a:rPr lang="es-ES" sz="900" dirty="0" smtClean="0">
+              <a:rPr lang="es-ES" sz="900" dirty="0">
                 <a:solidFill>
                   <a:schemeClr val="tx1"/>
                 </a:solidFill>
@@ -4532,7 +4354,7 @@
               <a:t>}</a:t>
             </a:r>
             <a:r>
-              <a:rPr lang="es-ES" sz="900" dirty="0" smtClean="0">
+              <a:rPr lang="es-ES" sz="900" dirty="0">
                 <a:solidFill>
                   <a:schemeClr val="tx1"/>
                 </a:solidFill>
@@ -4541,13 +4363,6 @@
               </a:rPr>
               <a:t> </a:t>
             </a:r>
-            <a:endParaRPr lang="es-ES" sz="900" dirty="0">
-              <a:solidFill>
-                <a:schemeClr val="tx1"/>
-              </a:solidFill>
-              <a:latin typeface="Arial" panose="020B0604020202020204" pitchFamily="34" charset="0"/>
-              <a:cs typeface="Arial" panose="020B0604020202020204" pitchFamily="34" charset="0"/>
-            </a:endParaRPr>
           </a:p>
         </p:txBody>
       </p:sp>
@@ -4663,25 +4478,8 @@
                 <a:latin typeface="Arial" panose="020B0604020202020204" pitchFamily="34" charset="0"/>
                 <a:cs typeface="Arial" panose="020B0604020202020204" pitchFamily="34" charset="0"/>
               </a:rPr>
-              <a:t>n</a:t>
-            </a:r>
-            <a:r>
-              <a:rPr lang="es-ES" sz="900" dirty="0" smtClean="0">
-                <a:solidFill>
-                  <a:schemeClr val="tx1"/>
-                </a:solidFill>
-                <a:latin typeface="Arial" panose="020B0604020202020204" pitchFamily="34" charset="0"/>
-                <a:cs typeface="Arial" panose="020B0604020202020204" pitchFamily="34" charset="0"/>
-              </a:rPr>
-              <a:t>o se puede predecir  su resultado  </a:t>
-            </a:r>
-            <a:endParaRPr lang="es-ES" sz="900" dirty="0">
-              <a:solidFill>
-                <a:schemeClr val="tx1"/>
-              </a:solidFill>
-              <a:latin typeface="Arial" panose="020B0604020202020204" pitchFamily="34" charset="0"/>
-              <a:cs typeface="Arial" panose="020B0604020202020204" pitchFamily="34" charset="0"/>
-            </a:endParaRPr>
+              <a:t>no se puede predecir  su resultado  </a:t>
+            </a:r>
           </a:p>
         </p:txBody>
       </p:sp>
@@ -4709,16 +4507,12 @@
           <a:p>
             <a:pPr algn="ctr"/>
             <a:r>
-              <a:rPr lang="es-ES" sz="900" dirty="0" smtClean="0">
+              <a:rPr lang="es-ES" sz="900" dirty="0">
                 <a:latin typeface="Arial" panose="020B0604020202020204" pitchFamily="34" charset="0"/>
                 <a:cs typeface="Arial" panose="020B0604020202020204" pitchFamily="34" charset="0"/>
               </a:rPr>
               <a:t> es utiliza para   </a:t>
             </a:r>
-            <a:endParaRPr lang="es-ES" sz="900" dirty="0">
-              <a:latin typeface="Arial" panose="020B0604020202020204" pitchFamily="34" charset="0"/>
-              <a:cs typeface="Arial" panose="020B0604020202020204" pitchFamily="34" charset="0"/>
-            </a:endParaRPr>
           </a:p>
         </p:txBody>
       </p:sp>
@@ -4812,7 +4606,7 @@
           <a:p>
             <a:pPr algn="ctr"/>
             <a:r>
-              <a:rPr lang="es-ES" sz="1200" b="1" dirty="0" smtClean="0">
+              <a:rPr lang="es-ES" sz="1200" b="1" dirty="0">
                 <a:solidFill>
                   <a:schemeClr val="tx1"/>
                 </a:solidFill>
@@ -4821,13 +4615,6 @@
               </a:rPr>
               <a:t>resolver problemas probabilísticos  </a:t>
             </a:r>
-            <a:endParaRPr lang="es-ES" sz="1200" b="1" dirty="0">
-              <a:solidFill>
-                <a:schemeClr val="tx1"/>
-              </a:solidFill>
-              <a:latin typeface="Arial" panose="020B0604020202020204" pitchFamily="34" charset="0"/>
-              <a:cs typeface="Arial" panose="020B0604020202020204" pitchFamily="34" charset="0"/>
-            </a:endParaRPr>
           </a:p>
         </p:txBody>
       </p:sp>
@@ -4895,30 +4682,12 @@
           <a:p>
             <a:pPr algn="ctr"/>
             <a:r>
-              <a:rPr lang="es-ES" sz="900" dirty="0" smtClean="0">
+              <a:rPr lang="es-ES" sz="900" dirty="0">
                 <a:latin typeface="Arial" panose="020B0604020202020204" pitchFamily="34" charset="0"/>
                 <a:cs typeface="Arial" panose="020B0604020202020204" pitchFamily="34" charset="0"/>
               </a:rPr>
-              <a:t> </a:t>
-            </a:r>
-            <a:r>
-              <a:rPr lang="es-ES" sz="900" dirty="0" smtClean="0">
-                <a:latin typeface="Arial" panose="020B0604020202020204" pitchFamily="34" charset="0"/>
-                <a:cs typeface="Arial" panose="020B0604020202020204" pitchFamily="34" charset="0"/>
-              </a:rPr>
-              <a:t>de </a:t>
-            </a:r>
-            <a:r>
-              <a:rPr lang="es-ES" sz="900" dirty="0" smtClean="0">
-                <a:latin typeface="Arial" panose="020B0604020202020204" pitchFamily="34" charset="0"/>
-                <a:cs typeface="Arial" panose="020B0604020202020204" pitchFamily="34" charset="0"/>
-              </a:rPr>
-              <a:t>    </a:t>
-            </a:r>
-            <a:endParaRPr lang="es-ES" sz="900" dirty="0">
-              <a:latin typeface="Arial" panose="020B0604020202020204" pitchFamily="34" charset="0"/>
-              <a:cs typeface="Arial" panose="020B0604020202020204" pitchFamily="34" charset="0"/>
-            </a:endParaRPr>
+              <a:t> de     </a:t>
+            </a:r>
           </a:p>
         </p:txBody>
       </p:sp>
@@ -5007,42 +4776,15 @@
           <a:p>
             <a:pPr algn="ctr"/>
             <a:r>
-              <a:rPr lang="es-ES" sz="1050" dirty="0" smtClean="0">
+              <a:rPr lang="es-ES" sz="1050" dirty="0">
                 <a:solidFill>
                   <a:schemeClr val="tx1"/>
                 </a:solidFill>
                 <a:latin typeface="Arial" panose="020B0604020202020204" pitchFamily="34" charset="0"/>
                 <a:cs typeface="Arial" panose="020B0604020202020204" pitchFamily="34" charset="0"/>
               </a:rPr>
-              <a:t>matemáticas, </a:t>
-            </a:r>
-            <a:r>
-              <a:rPr lang="es-ES" sz="1050" dirty="0" smtClean="0">
-                <a:solidFill>
-                  <a:schemeClr val="tx1"/>
-                </a:solidFill>
-                <a:latin typeface="Arial" panose="020B0604020202020204" pitchFamily="34" charset="0"/>
-                <a:cs typeface="Arial" panose="020B0604020202020204" pitchFamily="34" charset="0"/>
-              </a:rPr>
-              <a:t>economía, ciencias</a:t>
-            </a:r>
-            <a:r>
-              <a:rPr lang="es-ES" sz="1050" dirty="0" smtClean="0">
-                <a:solidFill>
-                  <a:schemeClr val="tx1"/>
-                </a:solidFill>
-                <a:latin typeface="Arial" panose="020B0604020202020204" pitchFamily="34" charset="0"/>
-                <a:cs typeface="Arial" panose="020B0604020202020204" pitchFamily="34" charset="0"/>
-              </a:rPr>
-              <a:t>, otros campos  y  la vida cotidiana      </a:t>
-            </a:r>
-            <a:endParaRPr lang="es-ES" sz="1050" dirty="0">
-              <a:solidFill>
-                <a:schemeClr val="tx1"/>
-              </a:solidFill>
-              <a:latin typeface="Arial" panose="020B0604020202020204" pitchFamily="34" charset="0"/>
-              <a:cs typeface="Arial" panose="020B0604020202020204" pitchFamily="34" charset="0"/>
-            </a:endParaRPr>
+              <a:t>matemáticas, economía, ciencias, otros campos  y  la vida cotidiana      </a:t>
+            </a:r>
           </a:p>
         </p:txBody>
       </p:sp>
@@ -5110,23 +4852,12 @@
           <a:p>
             <a:pPr algn="ctr"/>
             <a:r>
-              <a:rPr lang="es-ES" sz="900" dirty="0" smtClean="0">
+              <a:rPr lang="es-ES" sz="900" dirty="0">
                 <a:latin typeface="Arial" panose="020B0604020202020204" pitchFamily="34" charset="0"/>
                 <a:cs typeface="Arial" panose="020B0604020202020204" pitchFamily="34" charset="0"/>
               </a:rPr>
-              <a:t>e</a:t>
-            </a:r>
-            <a:r>
-              <a:rPr lang="es-ES" sz="900" dirty="0" smtClean="0">
-                <a:latin typeface="Arial" panose="020B0604020202020204" pitchFamily="34" charset="0"/>
-                <a:cs typeface="Arial" panose="020B0604020202020204" pitchFamily="34" charset="0"/>
-              </a:rPr>
-              <a:t>jemplos </a:t>
-            </a:r>
-            <a:endParaRPr lang="es-ES" sz="900" dirty="0">
-              <a:latin typeface="Arial" panose="020B0604020202020204" pitchFamily="34" charset="0"/>
-              <a:cs typeface="Arial" panose="020B0604020202020204" pitchFamily="34" charset="0"/>
-            </a:endParaRPr>
+              <a:t>ejemplos </a:t>
+            </a:r>
           </a:p>
         </p:txBody>
       </p:sp>
@@ -5293,22 +5024,15 @@
           <a:p>
             <a:pPr algn="ctr"/>
             <a:r>
-              <a:rPr lang="es-ES" sz="900" dirty="0" smtClean="0">
+              <a:rPr lang="es-ES" sz="900" dirty="0">
                 <a:solidFill>
                   <a:schemeClr val="tx1"/>
                 </a:solidFill>
                 <a:latin typeface="Arial" panose="020B0604020202020204" pitchFamily="34" charset="0"/>
                 <a:cs typeface="Arial" panose="020B0604020202020204" pitchFamily="34" charset="0"/>
               </a:rPr>
-              <a:t>Jugar la lotería  </a:t>
-            </a:r>
-            <a:endParaRPr lang="es-ES" sz="900" dirty="0">
-              <a:solidFill>
-                <a:schemeClr val="tx1"/>
-              </a:solidFill>
-              <a:latin typeface="Arial" panose="020B0604020202020204" pitchFamily="34" charset="0"/>
-              <a:cs typeface="Arial" panose="020B0604020202020204" pitchFamily="34" charset="0"/>
-            </a:endParaRPr>
+              <a:t>jugar la lotería  </a:t>
+            </a:r>
           </a:p>
         </p:txBody>
       </p:sp>
@@ -5402,20 +5126,10 @@
                 <a:latin typeface="Arial" panose="020B0604020202020204" pitchFamily="34" charset="0"/>
                 <a:cs typeface="Arial" panose="020B0604020202020204" pitchFamily="34" charset="0"/>
               </a:rPr>
-              <a:t>e</a:t>
-            </a:r>
-            <a:r>
-              <a:rPr lang="es-ES" sz="900" dirty="0" smtClean="0">
-                <a:solidFill>
-                  <a:schemeClr val="tx1"/>
-                </a:solidFill>
-                <a:latin typeface="Arial" panose="020B0604020202020204" pitchFamily="34" charset="0"/>
-                <a:cs typeface="Arial" panose="020B0604020202020204" pitchFamily="34" charset="0"/>
-              </a:rPr>
-              <a:t>l espacio </a:t>
-            </a:r>
-            <a:r>
-              <a:rPr lang="es-ES" sz="900" dirty="0" err="1" smtClean="0">
+              <a:t>el espacio </a:t>
+            </a:r>
+            <a:r>
+              <a:rPr lang="es-ES" sz="900" dirty="0" err="1">
                 <a:solidFill>
                   <a:schemeClr val="tx1"/>
                 </a:solidFill>
@@ -5425,7 +5139,7 @@
               <a:t>muestral</a:t>
             </a:r>
             <a:r>
-              <a:rPr lang="es-ES" sz="900" dirty="0" smtClean="0">
+              <a:rPr lang="es-ES" sz="900" dirty="0">
                 <a:solidFill>
                   <a:schemeClr val="tx1"/>
                 </a:solidFill>
@@ -5434,13 +5148,6 @@
               </a:rPr>
               <a:t>   </a:t>
             </a:r>
-            <a:endParaRPr lang="es-ES" sz="900" dirty="0">
-              <a:solidFill>
-                <a:schemeClr val="tx1"/>
-              </a:solidFill>
-              <a:latin typeface="Arial" panose="020B0604020202020204" pitchFamily="34" charset="0"/>
-              <a:cs typeface="Arial" panose="020B0604020202020204" pitchFamily="34" charset="0"/>
-            </a:endParaRPr>
           </a:p>
         </p:txBody>
       </p:sp>
@@ -5468,16 +5175,12 @@
           <a:p>
             <a:pPr algn="ctr"/>
             <a:r>
-              <a:rPr lang="es-ES" sz="900" dirty="0" smtClean="0">
+              <a:rPr lang="es-ES" sz="900" dirty="0">
                 <a:latin typeface="Arial" panose="020B0604020202020204" pitchFamily="34" charset="0"/>
                 <a:cs typeface="Arial" panose="020B0604020202020204" pitchFamily="34" charset="0"/>
               </a:rPr>
               <a:t>son todos  los  </a:t>
             </a:r>
-            <a:endParaRPr lang="es-ES" sz="900" dirty="0">
-              <a:latin typeface="Arial" panose="020B0604020202020204" pitchFamily="34" charset="0"/>
-              <a:cs typeface="Arial" panose="020B0604020202020204" pitchFamily="34" charset="0"/>
-            </a:endParaRPr>
           </a:p>
         </p:txBody>
       </p:sp>
@@ -5564,7 +5267,7 @@
           <a:p>
             <a:pPr algn="ctr"/>
             <a:r>
-              <a:rPr lang="es-ES" sz="900" dirty="0" smtClean="0">
+              <a:rPr lang="es-ES" sz="900" dirty="0">
                 <a:solidFill>
                   <a:schemeClr val="tx1"/>
                 </a:solidFill>
@@ -5574,7 +5277,7 @@
               <a:t>posibles resultados </a:t>
             </a:r>
             <a:r>
-              <a:rPr lang="es-ES" sz="900" b="1" dirty="0" smtClean="0">
+              <a:rPr lang="es-ES" sz="900" b="1" dirty="0">
                 <a:solidFill>
                   <a:schemeClr val="tx1"/>
                 </a:solidFill>
@@ -5584,7 +5287,7 @@
               <a:t>S</a:t>
             </a:r>
             <a:r>
-              <a:rPr lang="es-ES" sz="900" dirty="0" smtClean="0">
+              <a:rPr lang="es-ES" sz="900" dirty="0">
                 <a:solidFill>
                   <a:schemeClr val="tx1"/>
                 </a:solidFill>
@@ -5593,13 +5296,6 @@
               </a:rPr>
               <a:t> </a:t>
             </a:r>
-            <a:endParaRPr lang="es-ES" sz="900" dirty="0">
-              <a:solidFill>
-                <a:schemeClr val="tx1"/>
-              </a:solidFill>
-              <a:latin typeface="Arial" panose="020B0604020202020204" pitchFamily="34" charset="0"/>
-              <a:cs typeface="Arial" panose="020B0604020202020204" pitchFamily="34" charset="0"/>
-            </a:endParaRPr>
           </a:p>
         </p:txBody>
       </p:sp>
@@ -5654,8 +5350,8 @@
         </p:nvCxnSpPr>
         <p:spPr>
           <a:xfrm rot="5400000">
-            <a:off x="4148497" y="5263043"/>
-            <a:ext cx="138821" cy="828032"/>
+            <a:off x="4138142" y="5273398"/>
+            <a:ext cx="159530" cy="828032"/>
           </a:xfrm>
           <a:prstGeom prst="bentConnector3">
             <a:avLst>
@@ -5685,51 +5381,14 @@
       </p:cxnSp>
       <p:sp>
         <p:nvSpPr>
-          <p:cNvPr id="236" name="CuadroTexto 235" descr="Conector entre nodos"/>
-          <p:cNvSpPr txBox="1"/>
-          <p:nvPr/>
-        </p:nvSpPr>
-        <p:spPr>
-          <a:xfrm>
-            <a:off x="4103228" y="6285598"/>
-            <a:ext cx="1120084" cy="230832"/>
-          </a:xfrm>
-          <a:prstGeom prst="rect">
-            <a:avLst/>
-          </a:prstGeom>
-          <a:noFill/>
-        </p:spPr>
-        <p:txBody>
-          <a:bodyPr wrap="square" rtlCol="0">
-            <a:spAutoFit/>
-          </a:bodyPr>
-          <a:lstStyle/>
-          <a:p>
-            <a:pPr algn="ctr"/>
-            <a:r>
-              <a:rPr lang="es-ES" sz="900" dirty="0" smtClean="0">
-                <a:latin typeface="Arial" panose="020B0604020202020204" pitchFamily="34" charset="0"/>
-                <a:cs typeface="Arial" panose="020B0604020202020204" pitchFamily="34" charset="0"/>
-              </a:rPr>
-              <a:t>  </a:t>
-            </a:r>
-            <a:endParaRPr lang="es-ES" sz="900" dirty="0">
-              <a:latin typeface="Arial" panose="020B0604020202020204" pitchFamily="34" charset="0"/>
-              <a:cs typeface="Arial" panose="020B0604020202020204" pitchFamily="34" charset="0"/>
-            </a:endParaRPr>
-          </a:p>
-        </p:txBody>
-      </p:sp>
-      <p:sp>
-        <p:nvSpPr>
           <p:cNvPr id="240" name="Rectángulo 239" descr="Nodo de séptimo nivel"/>
           <p:cNvSpPr/>
           <p:nvPr/>
         </p:nvSpPr>
         <p:spPr>
           <a:xfrm>
-            <a:off x="3244427" y="5746470"/>
-            <a:ext cx="1118927" cy="353519"/>
+            <a:off x="3244427" y="5767179"/>
+            <a:ext cx="1118927" cy="533712"/>
           </a:xfrm>
           <a:prstGeom prst="rect">
             <a:avLst/>
@@ -5770,25 +5429,8 @@
                 <a:latin typeface="Arial" panose="020B0604020202020204" pitchFamily="34" charset="0"/>
                 <a:cs typeface="Arial" panose="020B0604020202020204" pitchFamily="34" charset="0"/>
               </a:rPr>
-              <a:t> </a:t>
-            </a:r>
-            <a:r>
-              <a:rPr lang="es-ES" sz="900" dirty="0" smtClean="0">
-                <a:solidFill>
-                  <a:schemeClr val="tx1"/>
-                </a:solidFill>
-                <a:latin typeface="Arial" panose="020B0604020202020204" pitchFamily="34" charset="0"/>
-                <a:cs typeface="Arial" panose="020B0604020202020204" pitchFamily="34" charset="0"/>
-              </a:rPr>
-              <a:t>suceso </a:t>
-            </a:r>
-            <a:endParaRPr lang="es-ES" sz="900" dirty="0">
-              <a:solidFill>
-                <a:schemeClr val="tx1"/>
-              </a:solidFill>
-              <a:latin typeface="Arial" panose="020B0604020202020204" pitchFamily="34" charset="0"/>
-              <a:cs typeface="Arial" panose="020B0604020202020204" pitchFamily="34" charset="0"/>
-            </a:endParaRPr>
+              <a:t> suceso </a:t>
+            </a:r>
           </a:p>
         </p:txBody>
       </p:sp>
@@ -5800,7 +5442,7 @@
         </p:nvSpPr>
         <p:spPr>
           <a:xfrm>
-            <a:off x="3242487" y="6277193"/>
+            <a:off x="3242487" y="6411668"/>
             <a:ext cx="1120084" cy="230832"/>
           </a:xfrm>
           <a:prstGeom prst="rect">
@@ -5820,19 +5462,8 @@
                 <a:latin typeface="Arial" panose="020B0604020202020204" pitchFamily="34" charset="0"/>
                 <a:cs typeface="Arial" panose="020B0604020202020204" pitchFamily="34" charset="0"/>
               </a:rPr>
-              <a:t>s</a:t>
-            </a:r>
-            <a:r>
-              <a:rPr lang="es-ES" sz="900" dirty="0" smtClean="0">
-                <a:latin typeface="Arial" panose="020B0604020202020204" pitchFamily="34" charset="0"/>
-                <a:cs typeface="Arial" panose="020B0604020202020204" pitchFamily="34" charset="0"/>
-              </a:rPr>
-              <a:t>e caracteriza por     </a:t>
-            </a:r>
-            <a:endParaRPr lang="es-ES" sz="900" dirty="0">
-              <a:latin typeface="Arial" panose="020B0604020202020204" pitchFamily="34" charset="0"/>
-              <a:cs typeface="Arial" panose="020B0604020202020204" pitchFamily="34" charset="0"/>
-            </a:endParaRPr>
+              <a:t>se caracteriza por     </a:t>
+            </a:r>
           </a:p>
         </p:txBody>
       </p:sp>
@@ -5847,8 +5478,8 @@
         </p:nvCxnSpPr>
         <p:spPr>
           <a:xfrm rot="5400000" flipH="1" flipV="1">
-            <a:off x="3714608" y="6187910"/>
-            <a:ext cx="177204" cy="1362"/>
+            <a:off x="3747822" y="6355599"/>
+            <a:ext cx="110777" cy="1362"/>
           </a:xfrm>
           <a:prstGeom prst="bentConnector3">
             <a:avLst>
@@ -5884,8 +5515,8 @@
         </p:nvSpPr>
         <p:spPr>
           <a:xfrm>
-            <a:off x="213287" y="6658411"/>
-            <a:ext cx="1118927" cy="353519"/>
+            <a:off x="213287" y="6828746"/>
+            <a:ext cx="1118927" cy="932372"/>
           </a:xfrm>
           <a:prstGeom prst="rect">
             <a:avLst/>
@@ -5919,7 +5550,7 @@
           <a:p>
             <a:pPr algn="ctr"/>
             <a:r>
-              <a:rPr lang="es-ES" sz="900" dirty="0" smtClean="0">
+              <a:rPr lang="es-ES" sz="900" dirty="0">
                 <a:solidFill>
                   <a:schemeClr val="tx1"/>
                 </a:solidFill>
@@ -5929,7 +5560,7 @@
               <a:t>ser subconjunto espacio </a:t>
             </a:r>
             <a:r>
-              <a:rPr lang="es-ES" sz="900" dirty="0" err="1" smtClean="0">
+              <a:rPr lang="es-ES" sz="900" dirty="0" err="1">
                 <a:solidFill>
                   <a:schemeClr val="tx1"/>
                 </a:solidFill>
@@ -5939,7 +5570,7 @@
               <a:t>muestral</a:t>
             </a:r>
             <a:r>
-              <a:rPr lang="es-ES" sz="900" dirty="0" smtClean="0">
+              <a:rPr lang="es-ES" sz="900" dirty="0">
                 <a:solidFill>
                   <a:schemeClr val="tx1"/>
                 </a:solidFill>
@@ -5948,13 +5579,6 @@
               </a:rPr>
               <a:t>  </a:t>
             </a:r>
-            <a:endParaRPr lang="es-ES" sz="900" dirty="0">
-              <a:solidFill>
-                <a:schemeClr val="tx1"/>
-              </a:solidFill>
-              <a:latin typeface="Arial" panose="020B0604020202020204" pitchFamily="34" charset="0"/>
-              <a:cs typeface="Arial" panose="020B0604020202020204" pitchFamily="34" charset="0"/>
-            </a:endParaRPr>
           </a:p>
         </p:txBody>
       </p:sp>
@@ -5963,13 +5587,12 @@
           <p:cNvPr id="250" name="Conector angular 249"/>
           <p:cNvCxnSpPr>
             <a:stCxn id="249" idx="0"/>
-            <a:endCxn id="246" idx="2"/>
           </p:cNvCxnSpPr>
           <p:nvPr/>
         </p:nvCxnSpPr>
         <p:spPr>
           <a:xfrm rot="5400000" flipH="1" flipV="1">
-            <a:off x="2212447" y="5068329"/>
+            <a:off x="2212447" y="5238664"/>
             <a:ext cx="150386" cy="3029778"/>
           </a:xfrm>
           <a:prstGeom prst="bentConnector3">
@@ -6006,7 +5629,7 @@
         </p:nvSpPr>
         <p:spPr>
           <a:xfrm>
-            <a:off x="1601101" y="6664891"/>
+            <a:off x="1601101" y="6835226"/>
             <a:ext cx="1118927" cy="932384"/>
           </a:xfrm>
           <a:prstGeom prst="rect">
@@ -6048,25 +5671,8 @@
                 <a:latin typeface="Arial" panose="020B0604020202020204" pitchFamily="34" charset="0"/>
                 <a:cs typeface="Arial" panose="020B0604020202020204" pitchFamily="34" charset="0"/>
               </a:rPr>
-              <a:t>s</a:t>
-            </a:r>
-            <a:r>
-              <a:rPr lang="es-ES" sz="900" dirty="0" smtClean="0">
-                <a:solidFill>
-                  <a:schemeClr val="tx1"/>
-                </a:solidFill>
-                <a:latin typeface="Arial" panose="020B0604020202020204" pitchFamily="34" charset="0"/>
-                <a:cs typeface="Arial" panose="020B0604020202020204" pitchFamily="34" charset="0"/>
-              </a:rPr>
-              <a:t>er simples, compuestos, seguros, imposibles  compatibles , incompatible   </a:t>
-            </a:r>
-            <a:endParaRPr lang="es-ES" sz="900" dirty="0">
-              <a:solidFill>
-                <a:schemeClr val="tx1"/>
-              </a:solidFill>
-              <a:latin typeface="Arial" panose="020B0604020202020204" pitchFamily="34" charset="0"/>
-              <a:cs typeface="Arial" panose="020B0604020202020204" pitchFamily="34" charset="0"/>
-            </a:endParaRPr>
+              <a:t>ser simples, compuestos, seguros, imposibles  compatibles , incompatible   </a:t>
+            </a:r>
           </a:p>
         </p:txBody>
       </p:sp>
@@ -6075,13 +5681,12 @@
           <p:cNvPr id="253" name="Conector angular 252"/>
           <p:cNvCxnSpPr>
             <a:stCxn id="252" idx="0"/>
-            <a:endCxn id="246" idx="2"/>
           </p:cNvCxnSpPr>
           <p:nvPr/>
         </p:nvCxnSpPr>
         <p:spPr>
           <a:xfrm rot="5400000" flipH="1" flipV="1">
-            <a:off x="2903114" y="5765476"/>
+            <a:off x="2903114" y="5935811"/>
             <a:ext cx="156866" cy="1641964"/>
           </a:xfrm>
           <a:prstGeom prst="bentConnector3">
@@ -6118,7 +5723,7 @@
         </p:nvSpPr>
         <p:spPr>
           <a:xfrm>
-            <a:off x="2881922" y="6661643"/>
+            <a:off x="2881922" y="6831978"/>
             <a:ext cx="1118927" cy="932384"/>
           </a:xfrm>
           <a:prstGeom prst="rect">
@@ -6153,42 +5758,15 @@
           <a:p>
             <a:pPr algn="ctr"/>
             <a:r>
-              <a:rPr lang="es-ES" sz="900" dirty="0" smtClean="0">
+              <a:rPr lang="es-ES" sz="900" dirty="0">
                 <a:solidFill>
                   <a:schemeClr val="tx1"/>
                 </a:solidFill>
                 <a:latin typeface="Arial" panose="020B0604020202020204" pitchFamily="34" charset="0"/>
                 <a:cs typeface="Arial" panose="020B0604020202020204" pitchFamily="34" charset="0"/>
               </a:rPr>
-              <a:t>d</a:t>
-            </a:r>
-            <a:r>
-              <a:rPr lang="es-ES" sz="900" dirty="0" smtClean="0">
-                <a:solidFill>
-                  <a:schemeClr val="tx1"/>
-                </a:solidFill>
-                <a:latin typeface="Arial" panose="020B0604020202020204" pitchFamily="34" charset="0"/>
-                <a:cs typeface="Arial" panose="020B0604020202020204" pitchFamily="34" charset="0"/>
-              </a:rPr>
-              <a:t>efinir   </a:t>
-            </a:r>
-            <a:r>
-              <a:rPr lang="es-ES" sz="900" dirty="0" smtClean="0">
-                <a:solidFill>
-                  <a:schemeClr val="tx1"/>
-                </a:solidFill>
-                <a:latin typeface="Arial" panose="020B0604020202020204" pitchFamily="34" charset="0"/>
-                <a:cs typeface="Arial" panose="020B0604020202020204" pitchFamily="34" charset="0"/>
-              </a:rPr>
-              <a:t>operaciones como: unión, intersección, diferencia, contrario  </a:t>
-            </a:r>
-            <a:endParaRPr lang="es-ES" sz="900" dirty="0">
-              <a:solidFill>
-                <a:schemeClr val="tx1"/>
-              </a:solidFill>
-              <a:latin typeface="Arial" panose="020B0604020202020204" pitchFamily="34" charset="0"/>
-              <a:cs typeface="Arial" panose="020B0604020202020204" pitchFamily="34" charset="0"/>
-            </a:endParaRPr>
+              <a:t>definir   operaciones como: unión, intersección, diferencia, contrario  </a:t>
+            </a:r>
           </a:p>
         </p:txBody>
       </p:sp>
@@ -6197,13 +5775,12 @@
           <p:cNvPr id="260" name="Conector angular 259"/>
           <p:cNvCxnSpPr>
             <a:stCxn id="259" idx="0"/>
-            <a:endCxn id="246" idx="2"/>
           </p:cNvCxnSpPr>
           <p:nvPr/>
         </p:nvCxnSpPr>
         <p:spPr>
           <a:xfrm rot="5400000" flipH="1" flipV="1">
-            <a:off x="3545148" y="6404263"/>
+            <a:off x="3545148" y="6574598"/>
             <a:ext cx="153618" cy="361143"/>
           </a:xfrm>
           <a:prstGeom prst="bentConnector3">
@@ -6240,7 +5817,7 @@
         </p:nvSpPr>
         <p:spPr>
           <a:xfrm>
-            <a:off x="4153003" y="6658399"/>
+            <a:off x="4153003" y="6828734"/>
             <a:ext cx="1118927" cy="932384"/>
           </a:xfrm>
           <a:prstGeom prst="rect">
@@ -6282,25 +5859,8 @@
                 <a:latin typeface="Arial" panose="020B0604020202020204" pitchFamily="34" charset="0"/>
                 <a:cs typeface="Arial" panose="020B0604020202020204" pitchFamily="34" charset="0"/>
               </a:rPr>
-              <a:t>t</a:t>
-            </a:r>
-            <a:r>
-              <a:rPr lang="es-ES" sz="900" dirty="0" smtClean="0">
-                <a:solidFill>
-                  <a:schemeClr val="tx1"/>
-                </a:solidFill>
-                <a:latin typeface="Arial" panose="020B0604020202020204" pitchFamily="34" charset="0"/>
-                <a:cs typeface="Arial" panose="020B0604020202020204" pitchFamily="34" charset="0"/>
-              </a:rPr>
-              <a:t>ener frecuencia absoluta y relativa  </a:t>
-            </a:r>
-            <a:endParaRPr lang="es-ES" sz="900" dirty="0">
-              <a:solidFill>
-                <a:schemeClr val="tx1"/>
-              </a:solidFill>
-              <a:latin typeface="Arial" panose="020B0604020202020204" pitchFamily="34" charset="0"/>
-              <a:cs typeface="Arial" panose="020B0604020202020204" pitchFamily="34" charset="0"/>
-            </a:endParaRPr>
+              <a:t>tener frecuencia absoluta y relativa  </a:t>
+            </a:r>
           </a:p>
         </p:txBody>
       </p:sp>
@@ -6309,13 +5869,12 @@
           <p:cNvPr id="263" name="Conector angular 262"/>
           <p:cNvCxnSpPr>
             <a:stCxn id="262" idx="0"/>
-            <a:endCxn id="246" idx="2"/>
           </p:cNvCxnSpPr>
           <p:nvPr/>
         </p:nvCxnSpPr>
         <p:spPr>
           <a:xfrm rot="16200000" flipV="1">
-            <a:off x="4182311" y="6128243"/>
+            <a:off x="4182311" y="6298578"/>
             <a:ext cx="150374" cy="909938"/>
           </a:xfrm>
           <a:prstGeom prst="bentConnector3">
@@ -6352,7 +5911,7 @@
         </p:nvSpPr>
         <p:spPr>
           <a:xfrm>
-            <a:off x="5385178" y="6664879"/>
+            <a:off x="5385178" y="6835214"/>
             <a:ext cx="1118927" cy="932384"/>
           </a:xfrm>
           <a:prstGeom prst="rect">
@@ -6394,25 +5953,8 @@
                 <a:latin typeface="Arial" panose="020B0604020202020204" pitchFamily="34" charset="0"/>
                 <a:cs typeface="Arial" panose="020B0604020202020204" pitchFamily="34" charset="0"/>
               </a:rPr>
-              <a:t>se puede encontrar la probabilidad </a:t>
-            </a:r>
-            <a:r>
-              <a:rPr lang="es-ES" sz="900" dirty="0" smtClean="0">
-                <a:solidFill>
-                  <a:schemeClr val="tx1"/>
-                </a:solidFill>
-                <a:latin typeface="Arial" panose="020B0604020202020204" pitchFamily="34" charset="0"/>
-                <a:cs typeface="Arial" panose="020B0604020202020204" pitchFamily="34" charset="0"/>
-              </a:rPr>
-              <a:t>  </a:t>
-            </a:r>
-            <a:endParaRPr lang="es-ES" sz="900" dirty="0">
-              <a:solidFill>
-                <a:schemeClr val="tx1"/>
-              </a:solidFill>
-              <a:latin typeface="Arial" panose="020B0604020202020204" pitchFamily="34" charset="0"/>
-              <a:cs typeface="Arial" panose="020B0604020202020204" pitchFamily="34" charset="0"/>
-            </a:endParaRPr>
+              <a:t>se puede encontrar la probabilidad   </a:t>
+            </a:r>
           </a:p>
         </p:txBody>
       </p:sp>
@@ -6421,13 +5963,12 @@
           <p:cNvPr id="277" name="Conector angular 276"/>
           <p:cNvCxnSpPr>
             <a:stCxn id="276" idx="0"/>
-            <a:endCxn id="246" idx="2"/>
           </p:cNvCxnSpPr>
           <p:nvPr/>
         </p:nvCxnSpPr>
         <p:spPr>
           <a:xfrm rot="16200000" flipV="1">
-            <a:off x="4795159" y="5515395"/>
+            <a:off x="4795159" y="5685730"/>
             <a:ext cx="156854" cy="2142113"/>
           </a:xfrm>
           <a:prstGeom prst="bentConnector3">
@@ -6506,25 +6047,8 @@
                 <a:latin typeface="Arial" panose="020B0604020202020204" pitchFamily="34" charset="0"/>
                 <a:cs typeface="Arial" panose="020B0604020202020204" pitchFamily="34" charset="0"/>
               </a:rPr>
-              <a:t> </a:t>
-            </a:r>
-            <a:r>
-              <a:rPr lang="es-ES" sz="900" dirty="0" smtClean="0">
-                <a:solidFill>
-                  <a:schemeClr val="tx1"/>
-                </a:solidFill>
-                <a:latin typeface="Arial" panose="020B0604020202020204" pitchFamily="34" charset="0"/>
-                <a:cs typeface="Arial" panose="020B0604020202020204" pitchFamily="34" charset="0"/>
-              </a:rPr>
-              <a:t>se definen  propiedades de la probabilidad   </a:t>
-            </a:r>
-            <a:endParaRPr lang="es-ES" sz="900" dirty="0">
-              <a:solidFill>
-                <a:schemeClr val="tx1"/>
-              </a:solidFill>
-              <a:latin typeface="Arial" panose="020B0604020202020204" pitchFamily="34" charset="0"/>
-              <a:cs typeface="Arial" panose="020B0604020202020204" pitchFamily="34" charset="0"/>
-            </a:endParaRPr>
+              <a:t> se definen  propiedades de la probabilidad   </a:t>
+            </a:r>
           </a:p>
         </p:txBody>
       </p:sp>
@@ -6618,25 +6142,8 @@
                 <a:latin typeface="Arial" panose="020B0604020202020204" pitchFamily="34" charset="0"/>
                 <a:cs typeface="Arial" panose="020B0604020202020204" pitchFamily="34" charset="0"/>
               </a:rPr>
-              <a:t>s</a:t>
-            </a:r>
-            <a:r>
-              <a:rPr lang="es-ES" sz="900" dirty="0" smtClean="0">
-                <a:solidFill>
-                  <a:schemeClr val="tx1"/>
-                </a:solidFill>
-                <a:latin typeface="Arial" panose="020B0604020202020204" pitchFamily="34" charset="0"/>
-                <a:cs typeface="Arial" panose="020B0604020202020204" pitchFamily="34" charset="0"/>
-              </a:rPr>
-              <a:t>er simple   </a:t>
-            </a:r>
-            <a:endParaRPr lang="es-ES" sz="900" dirty="0">
-              <a:solidFill>
-                <a:schemeClr val="tx1"/>
-              </a:solidFill>
-              <a:latin typeface="Arial" panose="020B0604020202020204" pitchFamily="34" charset="0"/>
-              <a:cs typeface="Arial" panose="020B0604020202020204" pitchFamily="34" charset="0"/>
-            </a:endParaRPr>
+              <a:t>ser simple   </a:t>
+            </a:r>
           </a:p>
         </p:txBody>
       </p:sp>
@@ -6648,7 +6155,7 @@
         </p:nvSpPr>
         <p:spPr>
           <a:xfrm>
-            <a:off x="7083741" y="3844470"/>
+            <a:off x="7693345" y="3844470"/>
             <a:ext cx="1167091" cy="494314"/>
           </a:xfrm>
           <a:prstGeom prst="rect">
@@ -6690,25 +6197,8 @@
                 <a:latin typeface="Arial" panose="020B0604020202020204" pitchFamily="34" charset="0"/>
                 <a:cs typeface="Arial" panose="020B0604020202020204" pitchFamily="34" charset="0"/>
               </a:rPr>
-              <a:t>s</a:t>
-            </a:r>
-            <a:r>
-              <a:rPr lang="es-ES" sz="900" dirty="0" smtClean="0">
-                <a:solidFill>
-                  <a:schemeClr val="tx1"/>
-                </a:solidFill>
-                <a:latin typeface="Arial" panose="020B0604020202020204" pitchFamily="34" charset="0"/>
-                <a:cs typeface="Arial" panose="020B0604020202020204" pitchFamily="34" charset="0"/>
-              </a:rPr>
-              <a:t>er compuesto    </a:t>
-            </a:r>
-            <a:endParaRPr lang="es-ES" sz="900" dirty="0">
-              <a:solidFill>
-                <a:schemeClr val="tx1"/>
-              </a:solidFill>
-              <a:latin typeface="Arial" panose="020B0604020202020204" pitchFamily="34" charset="0"/>
-              <a:cs typeface="Arial" panose="020B0604020202020204" pitchFamily="34" charset="0"/>
-            </a:endParaRPr>
+              <a:t>ser compuesto    </a:t>
+            </a:r>
           </a:p>
         </p:txBody>
       </p:sp>
@@ -6763,8 +6253,8 @@
         </p:nvCxnSpPr>
         <p:spPr>
           <a:xfrm rot="16200000" flipH="1">
-            <a:off x="5485740" y="1662922"/>
-            <a:ext cx="136765" cy="4226330"/>
+            <a:off x="5790542" y="1358120"/>
+            <a:ext cx="136765" cy="4835934"/>
           </a:xfrm>
           <a:prstGeom prst="bentConnector3">
             <a:avLst>
@@ -6800,7 +6290,7 @@
         </p:nvSpPr>
         <p:spPr>
           <a:xfrm>
-            <a:off x="7116175" y="4456578"/>
+            <a:off x="7725779" y="4456578"/>
             <a:ext cx="1117174" cy="369332"/>
           </a:xfrm>
           <a:prstGeom prst="rect">
@@ -6816,16 +6306,12 @@
           <a:p>
             <a:pPr algn="ctr"/>
             <a:r>
-              <a:rPr lang="es-ES" sz="900" dirty="0" smtClean="0">
+              <a:rPr lang="es-ES" sz="900" dirty="0">
                 <a:latin typeface="Arial" panose="020B0604020202020204" pitchFamily="34" charset="0"/>
                 <a:cs typeface="Arial" panose="020B0604020202020204" pitchFamily="34" charset="0"/>
               </a:rPr>
               <a:t>cuando se forma por   </a:t>
             </a:r>
-            <a:endParaRPr lang="es-ES" sz="900" dirty="0">
-              <a:latin typeface="Arial" panose="020B0604020202020204" pitchFamily="34" charset="0"/>
-              <a:cs typeface="Arial" panose="020B0604020202020204" pitchFamily="34" charset="0"/>
-            </a:endParaRPr>
           </a:p>
         </p:txBody>
       </p:sp>
@@ -6837,7 +6323,7 @@
         </p:nvSpPr>
         <p:spPr>
           <a:xfrm>
-            <a:off x="7118728" y="4905273"/>
+            <a:off x="7728332" y="4905273"/>
             <a:ext cx="1118927" cy="353519"/>
           </a:xfrm>
           <a:prstGeom prst="rect">
@@ -6879,25 +6365,8 @@
                 <a:latin typeface="Arial" panose="020B0604020202020204" pitchFamily="34" charset="0"/>
                 <a:cs typeface="Arial" panose="020B0604020202020204" pitchFamily="34" charset="0"/>
               </a:rPr>
-              <a:t>d</a:t>
-            </a:r>
-            <a:r>
-              <a:rPr lang="es-ES" sz="900" dirty="0" smtClean="0">
-                <a:solidFill>
-                  <a:schemeClr val="tx1"/>
-                </a:solidFill>
-                <a:latin typeface="Arial" panose="020B0604020202020204" pitchFamily="34" charset="0"/>
-                <a:cs typeface="Arial" panose="020B0604020202020204" pitchFamily="34" charset="0"/>
-              </a:rPr>
-              <a:t>os  o mas simples  </a:t>
-            </a:r>
-            <a:endParaRPr lang="es-ES" sz="900" dirty="0">
-              <a:solidFill>
-                <a:schemeClr val="tx1"/>
-              </a:solidFill>
-              <a:latin typeface="Arial" panose="020B0604020202020204" pitchFamily="34" charset="0"/>
-              <a:cs typeface="Arial" panose="020B0604020202020204" pitchFamily="34" charset="0"/>
-            </a:endParaRPr>
+              <a:t>dos  o mas simples  </a:t>
+            </a:r>
           </a:p>
         </p:txBody>
       </p:sp>
@@ -6912,7 +6381,7 @@
         </p:nvCxnSpPr>
         <p:spPr>
           <a:xfrm rot="16200000" flipH="1">
-            <a:off x="7612127" y="4393943"/>
+            <a:off x="8221731" y="4393943"/>
             <a:ext cx="117794" cy="7475"/>
           </a:xfrm>
           <a:prstGeom prst="bentConnector3">
@@ -6952,7 +6421,7 @@
         </p:nvCxnSpPr>
         <p:spPr>
           <a:xfrm rot="16200000" flipH="1">
-            <a:off x="7636796" y="4863876"/>
+            <a:off x="8246400" y="4863876"/>
             <a:ext cx="79363" cy="3430"/>
           </a:xfrm>
           <a:prstGeom prst="bentConnector3">
@@ -7005,30 +6474,12 @@
           <a:p>
             <a:pPr algn="ctr"/>
             <a:r>
-              <a:rPr lang="es-ES" sz="900" dirty="0" smtClean="0">
+              <a:rPr lang="es-ES" sz="900" dirty="0">
                 <a:latin typeface="Arial" panose="020B0604020202020204" pitchFamily="34" charset="0"/>
                 <a:cs typeface="Arial" panose="020B0604020202020204" pitchFamily="34" charset="0"/>
               </a:rPr>
-              <a:t>c</a:t>
-            </a:r>
-            <a:r>
-              <a:rPr lang="es-ES" sz="900" smtClean="0">
-                <a:latin typeface="Arial" panose="020B0604020202020204" pitchFamily="34" charset="0"/>
-                <a:cs typeface="Arial" panose="020B0604020202020204" pitchFamily="34" charset="0"/>
-              </a:rPr>
-              <a:t>uando </a:t>
-            </a:r>
-            <a:r>
-              <a:rPr lang="es-ES" sz="900" dirty="0" smtClean="0">
-                <a:latin typeface="Arial" panose="020B0604020202020204" pitchFamily="34" charset="0"/>
-                <a:cs typeface="Arial" panose="020B0604020202020204" pitchFamily="34" charset="0"/>
-              </a:rPr>
-              <a:t>se  </a:t>
-            </a:r>
-            <a:endParaRPr lang="es-ES" sz="900" dirty="0">
-              <a:latin typeface="Arial" panose="020B0604020202020204" pitchFamily="34" charset="0"/>
-              <a:cs typeface="Arial" panose="020B0604020202020204" pitchFamily="34" charset="0"/>
-            </a:endParaRPr>
+              <a:t>cuando se  </a:t>
+            </a:r>
           </a:p>
         </p:txBody>
       </p:sp>
@@ -7082,25 +6533,8 @@
                 <a:latin typeface="Arial" panose="020B0604020202020204" pitchFamily="34" charset="0"/>
                 <a:cs typeface="Arial" panose="020B0604020202020204" pitchFamily="34" charset="0"/>
               </a:rPr>
-              <a:t>e</a:t>
-            </a:r>
-            <a:r>
-              <a:rPr lang="es-ES" sz="900" dirty="0" smtClean="0">
-                <a:solidFill>
-                  <a:schemeClr val="tx1"/>
-                </a:solidFill>
-                <a:latin typeface="Arial" panose="020B0604020202020204" pitchFamily="34" charset="0"/>
-                <a:cs typeface="Arial" panose="020B0604020202020204" pitchFamily="34" charset="0"/>
-              </a:rPr>
-              <a:t>jecuta solo uno  </a:t>
-            </a:r>
-            <a:endParaRPr lang="es-ES" sz="900" dirty="0">
-              <a:solidFill>
-                <a:schemeClr val="tx1"/>
-              </a:solidFill>
-              <a:latin typeface="Arial" panose="020B0604020202020204" pitchFamily="34" charset="0"/>
-              <a:cs typeface="Arial" panose="020B0604020202020204" pitchFamily="34" charset="0"/>
-            </a:endParaRPr>
+              <a:t>ejecuta solo uno  </a:t>
+            </a:r>
           </a:p>
         </p:txBody>
       </p:sp>
@@ -7208,16 +6642,12 @@
           <a:p>
             <a:pPr algn="ctr"/>
             <a:r>
-              <a:rPr lang="es-ES" sz="900" dirty="0" smtClean="0">
+              <a:rPr lang="es-ES" sz="900" dirty="0">
                 <a:latin typeface="Arial" panose="020B0604020202020204" pitchFamily="34" charset="0"/>
                 <a:cs typeface="Arial" panose="020B0604020202020204" pitchFamily="34" charset="0"/>
               </a:rPr>
               <a:t>ejemplo   </a:t>
             </a:r>
-            <a:endParaRPr lang="es-ES" sz="900" dirty="0">
-              <a:latin typeface="Arial" panose="020B0604020202020204" pitchFamily="34" charset="0"/>
-              <a:cs typeface="Arial" panose="020B0604020202020204" pitchFamily="34" charset="0"/>
-            </a:endParaRPr>
           </a:p>
         </p:txBody>
       </p:sp>
@@ -7229,8 +6659,8 @@
         </p:nvSpPr>
         <p:spPr>
           <a:xfrm>
-            <a:off x="5755509" y="5780015"/>
-            <a:ext cx="1118927" cy="531862"/>
+            <a:off x="5755509" y="5760888"/>
+            <a:ext cx="1118927" cy="540003"/>
           </a:xfrm>
           <a:prstGeom prst="rect">
             <a:avLst/>
@@ -7271,25 +6701,8 @@
                 <a:latin typeface="Arial" panose="020B0604020202020204" pitchFamily="34" charset="0"/>
                 <a:cs typeface="Arial" panose="020B0604020202020204" pitchFamily="34" charset="0"/>
               </a:rPr>
-              <a:t> </a:t>
-            </a:r>
-            <a:r>
-              <a:rPr lang="es-ES" sz="900" dirty="0" smtClean="0">
-                <a:solidFill>
-                  <a:schemeClr val="tx1"/>
-                </a:solidFill>
-                <a:latin typeface="Arial" panose="020B0604020202020204" pitchFamily="34" charset="0"/>
-                <a:cs typeface="Arial" panose="020B0604020202020204" pitchFamily="34" charset="0"/>
-              </a:rPr>
-              <a:t>lanzar una moneda   </a:t>
-            </a:r>
-            <a:endParaRPr lang="es-ES" sz="900" dirty="0">
-              <a:solidFill>
-                <a:schemeClr val="tx1"/>
-              </a:solidFill>
-              <a:latin typeface="Arial" panose="020B0604020202020204" pitchFamily="34" charset="0"/>
-              <a:cs typeface="Arial" panose="020B0604020202020204" pitchFamily="34" charset="0"/>
-            </a:endParaRPr>
+              <a:t> lanzar una moneda   </a:t>
+            </a:r>
           </a:p>
         </p:txBody>
       </p:sp>
@@ -7344,8 +6757,8 @@
         </p:nvCxnSpPr>
         <p:spPr>
           <a:xfrm rot="5400000">
-            <a:off x="6238603" y="5699787"/>
-            <a:ext cx="156598" cy="3858"/>
+            <a:off x="6248167" y="5690223"/>
+            <a:ext cx="137471" cy="3858"/>
           </a:xfrm>
           <a:prstGeom prst="bentConnector3">
             <a:avLst>
@@ -7381,7 +6794,7 @@
         </p:nvSpPr>
         <p:spPr>
           <a:xfrm>
-            <a:off x="7115391" y="5418865"/>
+            <a:off x="7724995" y="5374040"/>
             <a:ext cx="1120084" cy="230832"/>
           </a:xfrm>
           <a:prstGeom prst="rect">
@@ -7397,30 +6810,12 @@
           <a:p>
             <a:pPr algn="ctr"/>
             <a:r>
-              <a:rPr lang="es-ES" sz="900" dirty="0" smtClean="0">
+              <a:rPr lang="es-ES" sz="900" dirty="0">
                 <a:latin typeface="Arial" panose="020B0604020202020204" pitchFamily="34" charset="0"/>
                 <a:cs typeface="Arial" panose="020B0604020202020204" pitchFamily="34" charset="0"/>
               </a:rPr>
-              <a:t>d</a:t>
-            </a:r>
-            <a:r>
-              <a:rPr lang="es-ES" sz="900" dirty="0" smtClean="0">
-                <a:latin typeface="Arial" panose="020B0604020202020204" pitchFamily="34" charset="0"/>
-                <a:cs typeface="Arial" panose="020B0604020202020204" pitchFamily="34" charset="0"/>
-              </a:rPr>
-              <a:t>onde </a:t>
-            </a:r>
-            <a:r>
-              <a:rPr lang="es-ES" sz="900" dirty="0" smtClean="0">
-                <a:latin typeface="Arial" panose="020B0604020202020204" pitchFamily="34" charset="0"/>
-                <a:cs typeface="Arial" panose="020B0604020202020204" pitchFamily="34" charset="0"/>
-              </a:rPr>
-              <a:t>   </a:t>
-            </a:r>
-            <a:endParaRPr lang="es-ES" sz="900" dirty="0">
-              <a:latin typeface="Arial" panose="020B0604020202020204" pitchFamily="34" charset="0"/>
-              <a:cs typeface="Arial" panose="020B0604020202020204" pitchFamily="34" charset="0"/>
-            </a:endParaRPr>
+              <a:t>donde    </a:t>
+            </a:r>
           </a:p>
         </p:txBody>
       </p:sp>
@@ -7467,32 +6862,15 @@
           <a:p>
             <a:pPr algn="ctr"/>
             <a:r>
-              <a:rPr lang="es-ES" sz="900" dirty="0" smtClean="0">
+              <a:rPr lang="es-ES" sz="900" dirty="0">
                 <a:solidFill>
                   <a:schemeClr val="tx1"/>
                 </a:solidFill>
                 <a:latin typeface="Arial" panose="020B0604020202020204" pitchFamily="34" charset="0"/>
                 <a:cs typeface="Arial" panose="020B0604020202020204" pitchFamily="34" charset="0"/>
               </a:rPr>
-              <a:t>ejemplo </a:t>
-            </a:r>
-            <a:r>
-              <a:rPr lang="es-ES" sz="900" dirty="0" smtClean="0">
-                <a:solidFill>
-                  <a:schemeClr val="tx1"/>
-                </a:solidFill>
-                <a:latin typeface="Arial" panose="020B0604020202020204" pitchFamily="34" charset="0"/>
-                <a:cs typeface="Arial" panose="020B0604020202020204" pitchFamily="34" charset="0"/>
-              </a:rPr>
-              <a:t>lanzar una moneda y posteriormente  lanzar un dado    </a:t>
-            </a:r>
-            <a:endParaRPr lang="es-ES" sz="900" dirty="0">
-              <a:solidFill>
-                <a:schemeClr val="tx1"/>
-              </a:solidFill>
-              <a:latin typeface="Arial" panose="020B0604020202020204" pitchFamily="34" charset="0"/>
-              <a:cs typeface="Arial" panose="020B0604020202020204" pitchFamily="34" charset="0"/>
-            </a:endParaRPr>
+              <a:t>ejemplo lanzar una moneda y posteriormente  lanzar un dado    </a:t>
+            </a:r>
           </a:p>
         </p:txBody>
       </p:sp>
@@ -7506,9 +6884,9 @@
           <p:nvPr/>
         </p:nvCxnSpPr>
         <p:spPr>
-          <a:xfrm rot="16200000" flipH="1">
-            <a:off x="7608835" y="5716294"/>
-            <a:ext cx="138716" cy="5521"/>
+          <a:xfrm rot="5400000">
+            <a:off x="7891226" y="5394601"/>
+            <a:ext cx="183541" cy="604083"/>
           </a:xfrm>
           <a:prstGeom prst="bentConnector3">
             <a:avLst>
@@ -7547,8 +6925,8 @@
         </p:nvCxnSpPr>
         <p:spPr>
           <a:xfrm rot="5400000">
-            <a:off x="7596777" y="5337449"/>
-            <a:ext cx="160073" cy="2759"/>
+            <a:off x="8228793" y="5315037"/>
+            <a:ext cx="115248" cy="2759"/>
           </a:xfrm>
           <a:prstGeom prst="bentConnector3">
             <a:avLst>
@@ -7581,14 +6959,13 @@
           <p:cNvPr id="83" name="Conector angular 276"/>
           <p:cNvCxnSpPr>
             <a:stCxn id="85" idx="0"/>
-            <a:endCxn id="246" idx="2"/>
           </p:cNvCxnSpPr>
           <p:nvPr/>
         </p:nvCxnSpPr>
         <p:spPr>
           <a:xfrm rot="16200000" flipV="1">
-            <a:off x="5468097" y="4842458"/>
-            <a:ext cx="152071" cy="3483206"/>
+            <a:off x="5468097" y="5012792"/>
+            <a:ext cx="152070" cy="3483206"/>
           </a:xfrm>
           <a:prstGeom prst="bentConnector3">
             <a:avLst>
@@ -7624,8 +7001,8 @@
         </p:nvSpPr>
         <p:spPr>
           <a:xfrm>
-            <a:off x="6726271" y="6660096"/>
-            <a:ext cx="1118927" cy="445554"/>
+            <a:off x="6726271" y="6830430"/>
+            <a:ext cx="1118927" cy="930687"/>
           </a:xfrm>
           <a:prstGeom prst="rect">
             <a:avLst/>
@@ -7659,42 +7036,15 @@
           <a:p>
             <a:pPr algn="ctr"/>
             <a:r>
-              <a:rPr lang="es-ES" sz="900" dirty="0" smtClean="0">
+              <a:rPr lang="es-ES" sz="900" dirty="0">
                 <a:solidFill>
                   <a:schemeClr val="tx1"/>
                 </a:solidFill>
                 <a:latin typeface="Arial" panose="020B0604020202020204" pitchFamily="34" charset="0"/>
                 <a:cs typeface="Arial" panose="020B0604020202020204" pitchFamily="34" charset="0"/>
               </a:rPr>
-              <a:t>p</a:t>
-            </a:r>
-            <a:r>
-              <a:rPr lang="es-ES" sz="900" dirty="0" smtClean="0">
-                <a:solidFill>
-                  <a:schemeClr val="tx1"/>
-                </a:solidFill>
-                <a:latin typeface="Arial" panose="020B0604020202020204" pitchFamily="34" charset="0"/>
-                <a:cs typeface="Arial" panose="020B0604020202020204" pitchFamily="34" charset="0"/>
-              </a:rPr>
-              <a:t>ueden ser dependientes  o independientes </a:t>
-            </a:r>
-            <a:r>
-              <a:rPr lang="es-ES" sz="900" dirty="0" smtClean="0">
-                <a:solidFill>
-                  <a:schemeClr val="tx1"/>
-                </a:solidFill>
-                <a:latin typeface="Arial" panose="020B0604020202020204" pitchFamily="34" charset="0"/>
-                <a:cs typeface="Arial" panose="020B0604020202020204" pitchFamily="34" charset="0"/>
-              </a:rPr>
-              <a:t> </a:t>
-            </a:r>
-            <a:endParaRPr lang="es-ES" sz="900" dirty="0">
-              <a:solidFill>
-                <a:schemeClr val="tx1"/>
-              </a:solidFill>
-              <a:latin typeface="Arial" panose="020B0604020202020204" pitchFamily="34" charset="0"/>
-              <a:cs typeface="Arial" panose="020B0604020202020204" pitchFamily="34" charset="0"/>
-            </a:endParaRPr>
+              <a:t>pueden ser dependientes  o independientes  </a:t>
+            </a:r>
           </a:p>
         </p:txBody>
       </p:sp>
@@ -7709,8 +7059,8 @@
         </p:nvCxnSpPr>
         <p:spPr>
           <a:xfrm rot="16200000" flipH="1">
-            <a:off x="8223198" y="5101931"/>
-            <a:ext cx="129191" cy="1224721"/>
+            <a:off x="8505587" y="5384321"/>
+            <a:ext cx="174016" cy="615117"/>
           </a:xfrm>
           <a:prstGeom prst="bentConnector3">
             <a:avLst>
@@ -7781,22 +7131,15 @@
           <a:p>
             <a:pPr algn="ctr"/>
             <a:r>
-              <a:rPr lang="es-ES" sz="900" dirty="0" smtClean="0">
+              <a:rPr lang="es-ES" sz="900" dirty="0">
                 <a:solidFill>
                   <a:schemeClr val="tx1"/>
                 </a:solidFill>
                 <a:latin typeface="Arial" panose="020B0604020202020204" pitchFamily="34" charset="0"/>
                 <a:cs typeface="Arial" panose="020B0604020202020204" pitchFamily="34" charset="0"/>
               </a:rPr>
-              <a:t>El diagrama de árbol     </a:t>
-            </a:r>
-            <a:endParaRPr lang="es-ES" sz="900" dirty="0">
-              <a:solidFill>
-                <a:schemeClr val="tx1"/>
-              </a:solidFill>
-              <a:latin typeface="Arial" panose="020B0604020202020204" pitchFamily="34" charset="0"/>
-              <a:cs typeface="Arial" panose="020B0604020202020204" pitchFamily="34" charset="0"/>
-            </a:endParaRPr>
+              <a:t>el diagrama de árbol     </a:t>
+            </a:r>
           </a:p>
         </p:txBody>
       </p:sp>
@@ -7824,30 +7167,12 @@
           <a:p>
             <a:pPr algn="ctr"/>
             <a:r>
-              <a:rPr lang="es-ES" sz="900" dirty="0" smtClean="0">
+              <a:rPr lang="es-ES" sz="900" dirty="0">
                 <a:latin typeface="Arial" panose="020B0604020202020204" pitchFamily="34" charset="0"/>
                 <a:cs typeface="Arial" panose="020B0604020202020204" pitchFamily="34" charset="0"/>
               </a:rPr>
-              <a:t>e</a:t>
-            </a:r>
-            <a:r>
-              <a:rPr lang="es-ES" sz="900" dirty="0" smtClean="0">
-                <a:latin typeface="Arial" panose="020B0604020202020204" pitchFamily="34" charset="0"/>
-                <a:cs typeface="Arial" panose="020B0604020202020204" pitchFamily="34" charset="0"/>
-              </a:rPr>
-              <a:t>s una  </a:t>
-            </a:r>
-            <a:r>
-              <a:rPr lang="es-ES" sz="900" dirty="0" smtClean="0">
-                <a:latin typeface="Arial" panose="020B0604020202020204" pitchFamily="34" charset="0"/>
-                <a:cs typeface="Arial" panose="020B0604020202020204" pitchFamily="34" charset="0"/>
-              </a:rPr>
-              <a:t>   </a:t>
-            </a:r>
-            <a:endParaRPr lang="es-ES" sz="900" dirty="0">
-              <a:latin typeface="Arial" panose="020B0604020202020204" pitchFamily="34" charset="0"/>
-              <a:cs typeface="Arial" panose="020B0604020202020204" pitchFamily="34" charset="0"/>
-            </a:endParaRPr>
+              <a:t>es una     </a:t>
+            </a:r>
           </a:p>
         </p:txBody>
       </p:sp>
@@ -7894,7 +7219,7 @@
           <a:p>
             <a:pPr algn="ctr"/>
             <a:r>
-              <a:rPr lang="es-ES" sz="900" dirty="0" smtClean="0">
+              <a:rPr lang="es-ES" sz="900" dirty="0">
                 <a:solidFill>
                   <a:schemeClr val="tx1"/>
                 </a:solidFill>
@@ -7903,13 +7228,6 @@
               </a:rPr>
               <a:t>técnica  para encontrar posibles resultados   </a:t>
             </a:r>
-            <a:endParaRPr lang="es-ES" sz="900" dirty="0">
-              <a:solidFill>
-                <a:schemeClr val="tx1"/>
-              </a:solidFill>
-              <a:latin typeface="Arial" panose="020B0604020202020204" pitchFamily="34" charset="0"/>
-              <a:cs typeface="Arial" panose="020B0604020202020204" pitchFamily="34" charset="0"/>
-            </a:endParaRPr>
           </a:p>
         </p:txBody>
       </p:sp>
@@ -7996,20 +7314,13 @@
     </p:spTree>
     <p:extLst>
       <p:ext uri="{BB962C8B-B14F-4D97-AF65-F5344CB8AC3E}">
-        <p14:creationId xmlns:p14="http://schemas.microsoft.com/office/powerpoint/2010/main" xmlns="" val="1910700679"/>
+        <p14:creationId xmlns:p14="http://schemas.microsoft.com/office/powerpoint/2010/main" val="1910700679"/>
       </p:ext>
     </p:extLst>
   </p:cSld>
   <p:clrMapOvr>
     <a:masterClrMapping/>
   </p:clrMapOvr>
-  <p:timing>
-    <p:tnLst>
-      <p:par>
-        <p:cTn id="1" dur="indefinite" restart="never" nodeType="tmRoot"/>
-      </p:par>
-    </p:tnLst>
-  </p:timing>
 </p:sld>
 </file>
 
@@ -8268,7 +7579,7 @@
   <a:extraClrSchemeLst/>
   <a:extLst>
     <a:ext uri="{05A4C25C-085E-4340-85A3-A5531E510DB2}">
-      <thm15:themeFamily xmlns:thm15="http://schemas.microsoft.com/office/thememl/2012/main" xmlns="" name="Office Theme" id="{62F939B6-93AF-4DB8-9C6B-D6C7DFDC589F}" vid="{4A3C46E8-61CC-4603-A589-7422A47A8E4A}"/>
+      <thm15:themeFamily xmlns:thm15="http://schemas.microsoft.com/office/thememl/2012/main" name="Office Theme" id="{62F939B6-93AF-4DB8-9C6B-D6C7DFDC589F}" vid="{4A3C46E8-61CC-4603-A589-7422A47A8E4A}"/>
     </a:ext>
   </a:extLst>
 </a:theme>

--- a/fuentes/contenidos/grado09/guion13/mapa tema 13.pptx
+++ b/fuentes/contenidos/grado09/guion13/mapa tema 13.pptx
@@ -165,7 +165,7 @@
           </a:lstStyle>
           <a:p>
             <a:r>
-              <a:rPr lang="es-ES"/>
+              <a:rPr lang="es-ES" smtClean="0"/>
               <a:t>Haga clic para modificar el estilo de título del patrón</a:t>
             </a:r>
             <a:endParaRPr lang="en-US" dirty="0"/>
@@ -230,7 +230,7 @@
           </a:lstStyle>
           <a:p>
             <a:r>
-              <a:rPr lang="es-ES"/>
+              <a:rPr lang="es-ES" smtClean="0"/>
               <a:t>Haga clic para editar el estilo de subtítulo del patrón</a:t>
             </a:r>
             <a:endParaRPr lang="en-US" dirty="0"/>
@@ -255,7 +255,7 @@
             <a:fld id="{C764DE79-268F-4C1A-8933-263129D2AF90}" type="datetimeFigureOut">
               <a:rPr lang="en-US" smtClean="0"/>
               <a:pPr/>
-              <a:t>4/15/2016</a:t>
+              <a:t>4/16/2016</a:t>
             </a:fld>
             <a:endParaRPr lang="en-US" dirty="0"/>
           </a:p>
@@ -350,7 +350,7 @@
           <a:lstStyle/>
           <a:p>
             <a:r>
-              <a:rPr lang="es-ES"/>
+              <a:rPr lang="es-ES" smtClean="0"/>
               <a:t>Haga clic para modificar el estilo de título del patrón</a:t>
             </a:r>
             <a:endParaRPr lang="en-US" dirty="0"/>
@@ -374,35 +374,35 @@
           <a:p>
             <a:pPr lvl="0"/>
             <a:r>
-              <a:rPr lang="es-ES"/>
+              <a:rPr lang="es-ES" smtClean="0"/>
               <a:t>Editar el estilo de texto del patrón</a:t>
             </a:r>
           </a:p>
           <a:p>
             <a:pPr lvl="1"/>
             <a:r>
-              <a:rPr lang="es-ES"/>
+              <a:rPr lang="es-ES" smtClean="0"/>
               <a:t>Segundo nivel</a:t>
             </a:r>
           </a:p>
           <a:p>
             <a:pPr lvl="2"/>
             <a:r>
-              <a:rPr lang="es-ES"/>
+              <a:rPr lang="es-ES" smtClean="0"/>
               <a:t>Tercer nivel</a:t>
             </a:r>
           </a:p>
           <a:p>
             <a:pPr lvl="3"/>
             <a:r>
-              <a:rPr lang="es-ES"/>
+              <a:rPr lang="es-ES" smtClean="0"/>
               <a:t>Cuarto nivel</a:t>
             </a:r>
           </a:p>
           <a:p>
             <a:pPr lvl="4"/>
             <a:r>
-              <a:rPr lang="es-ES"/>
+              <a:rPr lang="es-ES" smtClean="0"/>
               <a:t>Quinto nivel</a:t>
             </a:r>
             <a:endParaRPr lang="en-US" dirty="0"/>
@@ -427,7 +427,7 @@
             <a:fld id="{C764DE79-268F-4C1A-8933-263129D2AF90}" type="datetimeFigureOut">
               <a:rPr lang="en-US" smtClean="0"/>
               <a:pPr/>
-              <a:t>4/15/2016</a:t>
+              <a:t>4/16/2016</a:t>
             </a:fld>
             <a:endParaRPr lang="en-US" dirty="0"/>
           </a:p>
@@ -527,7 +527,7 @@
           <a:lstStyle/>
           <a:p>
             <a:r>
-              <a:rPr lang="es-ES"/>
+              <a:rPr lang="es-ES" smtClean="0"/>
               <a:t>Haga clic para modificar el estilo de título del patrón</a:t>
             </a:r>
             <a:endParaRPr lang="en-US" dirty="0"/>
@@ -556,35 +556,35 @@
           <a:p>
             <a:pPr lvl="0"/>
             <a:r>
-              <a:rPr lang="es-ES"/>
+              <a:rPr lang="es-ES" smtClean="0"/>
               <a:t>Editar el estilo de texto del patrón</a:t>
             </a:r>
           </a:p>
           <a:p>
             <a:pPr lvl="1"/>
             <a:r>
-              <a:rPr lang="es-ES"/>
+              <a:rPr lang="es-ES" smtClean="0"/>
               <a:t>Segundo nivel</a:t>
             </a:r>
           </a:p>
           <a:p>
             <a:pPr lvl="2"/>
             <a:r>
-              <a:rPr lang="es-ES"/>
+              <a:rPr lang="es-ES" smtClean="0"/>
               <a:t>Tercer nivel</a:t>
             </a:r>
           </a:p>
           <a:p>
             <a:pPr lvl="3"/>
             <a:r>
-              <a:rPr lang="es-ES"/>
+              <a:rPr lang="es-ES" smtClean="0"/>
               <a:t>Cuarto nivel</a:t>
             </a:r>
           </a:p>
           <a:p>
             <a:pPr lvl="4"/>
             <a:r>
-              <a:rPr lang="es-ES"/>
+              <a:rPr lang="es-ES" smtClean="0"/>
               <a:t>Quinto nivel</a:t>
             </a:r>
             <a:endParaRPr lang="en-US" dirty="0"/>
@@ -609,7 +609,7 @@
             <a:fld id="{C764DE79-268F-4C1A-8933-263129D2AF90}" type="datetimeFigureOut">
               <a:rPr lang="en-US" smtClean="0"/>
               <a:pPr/>
-              <a:t>4/15/2016</a:t>
+              <a:t>4/16/2016</a:t>
             </a:fld>
             <a:endParaRPr lang="en-US" dirty="0"/>
           </a:p>
@@ -698,6 +698,13 @@
   <p:clrMapOvr>
     <a:masterClrMapping/>
   </p:clrMapOvr>
+  <p:timing>
+    <p:tnLst>
+      <p:par>
+        <p:cTn id="1" dur="indefinite" restart="never" nodeType="tmRoot"/>
+      </p:par>
+    </p:tnLst>
+  </p:timing>
 </p:sldLayout>
 </file>
 
@@ -728,6 +735,13 @@
   <p:clrMapOvr>
     <a:masterClrMapping/>
   </p:clrMapOvr>
+  <p:timing>
+    <p:tnLst>
+      <p:par>
+        <p:cTn id="1" dur="indefinite" restart="never" nodeType="tmRoot"/>
+      </p:par>
+    </p:tnLst>
+  </p:timing>
 </p:sldLayout>
 </file>
 
@@ -758,6 +772,13 @@
   <p:clrMapOvr>
     <a:masterClrMapping/>
   </p:clrMapOvr>
+  <p:timing>
+    <p:tnLst>
+      <p:par>
+        <p:cTn id="1" dur="indefinite" restart="never" nodeType="tmRoot"/>
+      </p:par>
+    </p:tnLst>
+  </p:timing>
 </p:sldLayout>
 </file>
 
@@ -788,6 +809,13 @@
   <p:clrMapOvr>
     <a:masterClrMapping/>
   </p:clrMapOvr>
+  <p:timing>
+    <p:tnLst>
+      <p:par>
+        <p:cTn id="1" dur="indefinite" restart="never" nodeType="tmRoot"/>
+      </p:par>
+    </p:tnLst>
+  </p:timing>
 </p:sldLayout>
 </file>
 
@@ -818,6 +846,13 @@
   <p:clrMapOvr>
     <a:masterClrMapping/>
   </p:clrMapOvr>
+  <p:timing>
+    <p:tnLst>
+      <p:par>
+        <p:cTn id="1" dur="indefinite" restart="never" nodeType="tmRoot"/>
+      </p:par>
+    </p:tnLst>
+  </p:timing>
 </p:sldLayout>
 </file>
 
@@ -848,6 +883,13 @@
   <p:clrMapOvr>
     <a:masterClrMapping/>
   </p:clrMapOvr>
+  <p:timing>
+    <p:tnLst>
+      <p:par>
+        <p:cTn id="1" dur="indefinite" restart="never" nodeType="tmRoot"/>
+      </p:par>
+    </p:tnLst>
+  </p:timing>
 </p:sldLayout>
 </file>
 
@@ -878,6 +920,13 @@
   <p:clrMapOvr>
     <a:masterClrMapping/>
   </p:clrMapOvr>
+  <p:timing>
+    <p:tnLst>
+      <p:par>
+        <p:cTn id="1" dur="indefinite" restart="never" nodeType="tmRoot"/>
+      </p:par>
+    </p:tnLst>
+  </p:timing>
 </p:sldLayout>
 </file>
 
@@ -908,6 +957,13 @@
   <p:clrMapOvr>
     <a:masterClrMapping/>
   </p:clrMapOvr>
+  <p:timing>
+    <p:tnLst>
+      <p:par>
+        <p:cTn id="1" dur="indefinite" restart="never" nodeType="tmRoot"/>
+      </p:par>
+    </p:tnLst>
+  </p:timing>
 </p:sldLayout>
 </file>
 
@@ -944,7 +1000,7 @@
           <a:lstStyle/>
           <a:p>
             <a:r>
-              <a:rPr lang="es-ES"/>
+              <a:rPr lang="es-ES" smtClean="0"/>
               <a:t>Haga clic para modificar el estilo de título del patrón</a:t>
             </a:r>
             <a:endParaRPr lang="en-US" dirty="0"/>
@@ -968,35 +1024,35 @@
           <a:p>
             <a:pPr lvl="0"/>
             <a:r>
-              <a:rPr lang="es-ES"/>
+              <a:rPr lang="es-ES" smtClean="0"/>
               <a:t>Editar el estilo de texto del patrón</a:t>
             </a:r>
           </a:p>
           <a:p>
             <a:pPr lvl="1"/>
             <a:r>
-              <a:rPr lang="es-ES"/>
+              <a:rPr lang="es-ES" smtClean="0"/>
               <a:t>Segundo nivel</a:t>
             </a:r>
           </a:p>
           <a:p>
             <a:pPr lvl="2"/>
             <a:r>
-              <a:rPr lang="es-ES"/>
+              <a:rPr lang="es-ES" smtClean="0"/>
               <a:t>Tercer nivel</a:t>
             </a:r>
           </a:p>
           <a:p>
             <a:pPr lvl="3"/>
             <a:r>
-              <a:rPr lang="es-ES"/>
+              <a:rPr lang="es-ES" smtClean="0"/>
               <a:t>Cuarto nivel</a:t>
             </a:r>
           </a:p>
           <a:p>
             <a:pPr lvl="4"/>
             <a:r>
-              <a:rPr lang="es-ES"/>
+              <a:rPr lang="es-ES" smtClean="0"/>
               <a:t>Quinto nivel</a:t>
             </a:r>
             <a:endParaRPr lang="en-US" dirty="0"/>
@@ -1021,7 +1077,7 @@
             <a:fld id="{C764DE79-268F-4C1A-8933-263129D2AF90}" type="datetimeFigureOut">
               <a:rPr lang="en-US" smtClean="0"/>
               <a:pPr/>
-              <a:t>4/15/2016</a:t>
+              <a:t>4/16/2016</a:t>
             </a:fld>
             <a:endParaRPr lang="en-US" dirty="0"/>
           </a:p>
@@ -1110,6 +1166,13 @@
   <p:clrMapOvr>
     <a:masterClrMapping/>
   </p:clrMapOvr>
+  <p:timing>
+    <p:tnLst>
+      <p:par>
+        <p:cTn id="1" dur="indefinite" restart="never" nodeType="tmRoot"/>
+      </p:par>
+    </p:tnLst>
+  </p:timing>
 </p:sldLayout>
 </file>
 
@@ -1140,6 +1203,13 @@
   <p:clrMapOvr>
     <a:masterClrMapping/>
   </p:clrMapOvr>
+  <p:timing>
+    <p:tnLst>
+      <p:par>
+        <p:cTn id="1" dur="indefinite" restart="never" nodeType="tmRoot"/>
+      </p:par>
+    </p:tnLst>
+  </p:timing>
 </p:sldLayout>
 </file>
 
@@ -1185,7 +1255,7 @@
           </a:lstStyle>
           <a:p>
             <a:r>
-              <a:rPr lang="es-ES"/>
+              <a:rPr lang="es-ES" smtClean="0"/>
               <a:t>Haga clic para modificar el estilo de título del patrón</a:t>
             </a:r>
             <a:endParaRPr lang="en-US" dirty="0"/>
@@ -1303,7 +1373,7 @@
           <a:p>
             <a:pPr lvl="0"/>
             <a:r>
-              <a:rPr lang="es-ES"/>
+              <a:rPr lang="es-ES" smtClean="0"/>
               <a:t>Editar el estilo de texto del patrón</a:t>
             </a:r>
           </a:p>
@@ -1327,7 +1397,7 @@
             <a:fld id="{C764DE79-268F-4C1A-8933-263129D2AF90}" type="datetimeFigureOut">
               <a:rPr lang="en-US" smtClean="0"/>
               <a:pPr/>
-              <a:t>4/15/2016</a:t>
+              <a:t>4/16/2016</a:t>
             </a:fld>
             <a:endParaRPr lang="en-US" dirty="0"/>
           </a:p>
@@ -1422,7 +1492,7 @@
           <a:lstStyle/>
           <a:p>
             <a:r>
-              <a:rPr lang="es-ES"/>
+              <a:rPr lang="es-ES" smtClean="0"/>
               <a:t>Haga clic para modificar el estilo de título del patrón</a:t>
             </a:r>
             <a:endParaRPr lang="en-US" dirty="0"/>
@@ -1451,35 +1521,35 @@
           <a:p>
             <a:pPr lvl="0"/>
             <a:r>
-              <a:rPr lang="es-ES"/>
+              <a:rPr lang="es-ES" smtClean="0"/>
               <a:t>Editar el estilo de texto del patrón</a:t>
             </a:r>
           </a:p>
           <a:p>
             <a:pPr lvl="1"/>
             <a:r>
-              <a:rPr lang="es-ES"/>
+              <a:rPr lang="es-ES" smtClean="0"/>
               <a:t>Segundo nivel</a:t>
             </a:r>
           </a:p>
           <a:p>
             <a:pPr lvl="2"/>
             <a:r>
-              <a:rPr lang="es-ES"/>
+              <a:rPr lang="es-ES" smtClean="0"/>
               <a:t>Tercer nivel</a:t>
             </a:r>
           </a:p>
           <a:p>
             <a:pPr lvl="3"/>
             <a:r>
-              <a:rPr lang="es-ES"/>
+              <a:rPr lang="es-ES" smtClean="0"/>
               <a:t>Cuarto nivel</a:t>
             </a:r>
           </a:p>
           <a:p>
             <a:pPr lvl="4"/>
             <a:r>
-              <a:rPr lang="es-ES"/>
+              <a:rPr lang="es-ES" smtClean="0"/>
               <a:t>Quinto nivel</a:t>
             </a:r>
             <a:endParaRPr lang="en-US" dirty="0"/>
@@ -1508,35 +1578,35 @@
           <a:p>
             <a:pPr lvl="0"/>
             <a:r>
-              <a:rPr lang="es-ES"/>
+              <a:rPr lang="es-ES" smtClean="0"/>
               <a:t>Editar el estilo de texto del patrón</a:t>
             </a:r>
           </a:p>
           <a:p>
             <a:pPr lvl="1"/>
             <a:r>
-              <a:rPr lang="es-ES"/>
+              <a:rPr lang="es-ES" smtClean="0"/>
               <a:t>Segundo nivel</a:t>
             </a:r>
           </a:p>
           <a:p>
             <a:pPr lvl="2"/>
             <a:r>
-              <a:rPr lang="es-ES"/>
+              <a:rPr lang="es-ES" smtClean="0"/>
               <a:t>Tercer nivel</a:t>
             </a:r>
           </a:p>
           <a:p>
             <a:pPr lvl="3"/>
             <a:r>
-              <a:rPr lang="es-ES"/>
+              <a:rPr lang="es-ES" smtClean="0"/>
               <a:t>Cuarto nivel</a:t>
             </a:r>
           </a:p>
           <a:p>
             <a:pPr lvl="4"/>
             <a:r>
-              <a:rPr lang="es-ES"/>
+              <a:rPr lang="es-ES" smtClean="0"/>
               <a:t>Quinto nivel</a:t>
             </a:r>
             <a:endParaRPr lang="en-US" dirty="0"/>
@@ -1561,7 +1631,7 @@
             <a:fld id="{C764DE79-268F-4C1A-8933-263129D2AF90}" type="datetimeFigureOut">
               <a:rPr lang="en-US" smtClean="0"/>
               <a:pPr/>
-              <a:t>4/15/2016</a:t>
+              <a:t>4/16/2016</a:t>
             </a:fld>
             <a:endParaRPr lang="en-US" dirty="0"/>
           </a:p>
@@ -1661,7 +1731,7 @@
           <a:lstStyle/>
           <a:p>
             <a:r>
-              <a:rPr lang="es-ES"/>
+              <a:rPr lang="es-ES" smtClean="0"/>
               <a:t>Haga clic para modificar el estilo de título del patrón</a:t>
             </a:r>
             <a:endParaRPr lang="en-US" dirty="0"/>
@@ -1727,7 +1797,7 @@
           <a:p>
             <a:pPr lvl="0"/>
             <a:r>
-              <a:rPr lang="es-ES"/>
+              <a:rPr lang="es-ES" smtClean="0"/>
               <a:t>Editar el estilo de texto del patrón</a:t>
             </a:r>
           </a:p>
@@ -1755,35 +1825,35 @@
           <a:p>
             <a:pPr lvl="0"/>
             <a:r>
-              <a:rPr lang="es-ES"/>
+              <a:rPr lang="es-ES" smtClean="0"/>
               <a:t>Editar el estilo de texto del patrón</a:t>
             </a:r>
           </a:p>
           <a:p>
             <a:pPr lvl="1"/>
             <a:r>
-              <a:rPr lang="es-ES"/>
+              <a:rPr lang="es-ES" smtClean="0"/>
               <a:t>Segundo nivel</a:t>
             </a:r>
           </a:p>
           <a:p>
             <a:pPr lvl="2"/>
             <a:r>
-              <a:rPr lang="es-ES"/>
+              <a:rPr lang="es-ES" smtClean="0"/>
               <a:t>Tercer nivel</a:t>
             </a:r>
           </a:p>
           <a:p>
             <a:pPr lvl="3"/>
             <a:r>
-              <a:rPr lang="es-ES"/>
+              <a:rPr lang="es-ES" smtClean="0"/>
               <a:t>Cuarto nivel</a:t>
             </a:r>
           </a:p>
           <a:p>
             <a:pPr lvl="4"/>
             <a:r>
-              <a:rPr lang="es-ES"/>
+              <a:rPr lang="es-ES" smtClean="0"/>
               <a:t>Quinto nivel</a:t>
             </a:r>
             <a:endParaRPr lang="en-US" dirty="0"/>
@@ -1849,7 +1919,7 @@
           <a:p>
             <a:pPr lvl="0"/>
             <a:r>
-              <a:rPr lang="es-ES"/>
+              <a:rPr lang="es-ES" smtClean="0"/>
               <a:t>Editar el estilo de texto del patrón</a:t>
             </a:r>
           </a:p>
@@ -1877,35 +1947,35 @@
           <a:p>
             <a:pPr lvl="0"/>
             <a:r>
-              <a:rPr lang="es-ES"/>
+              <a:rPr lang="es-ES" smtClean="0"/>
               <a:t>Editar el estilo de texto del patrón</a:t>
             </a:r>
           </a:p>
           <a:p>
             <a:pPr lvl="1"/>
             <a:r>
-              <a:rPr lang="es-ES"/>
+              <a:rPr lang="es-ES" smtClean="0"/>
               <a:t>Segundo nivel</a:t>
             </a:r>
           </a:p>
           <a:p>
             <a:pPr lvl="2"/>
             <a:r>
-              <a:rPr lang="es-ES"/>
+              <a:rPr lang="es-ES" smtClean="0"/>
               <a:t>Tercer nivel</a:t>
             </a:r>
           </a:p>
           <a:p>
             <a:pPr lvl="3"/>
             <a:r>
-              <a:rPr lang="es-ES"/>
+              <a:rPr lang="es-ES" smtClean="0"/>
               <a:t>Cuarto nivel</a:t>
             </a:r>
           </a:p>
           <a:p>
             <a:pPr lvl="4"/>
             <a:r>
-              <a:rPr lang="es-ES"/>
+              <a:rPr lang="es-ES" smtClean="0"/>
               <a:t>Quinto nivel</a:t>
             </a:r>
             <a:endParaRPr lang="en-US" dirty="0"/>
@@ -1930,7 +2000,7 @@
             <a:fld id="{C764DE79-268F-4C1A-8933-263129D2AF90}" type="datetimeFigureOut">
               <a:rPr lang="en-US" smtClean="0"/>
               <a:pPr/>
-              <a:t>4/15/2016</a:t>
+              <a:t>4/16/2016</a:t>
             </a:fld>
             <a:endParaRPr lang="en-US" dirty="0"/>
           </a:p>
@@ -2025,7 +2095,7 @@
           <a:lstStyle/>
           <a:p>
             <a:r>
-              <a:rPr lang="es-ES"/>
+              <a:rPr lang="es-ES" smtClean="0"/>
               <a:t>Haga clic para modificar el estilo de título del patrón</a:t>
             </a:r>
             <a:endParaRPr lang="en-US" dirty="0"/>
@@ -2050,7 +2120,7 @@
             <a:fld id="{C764DE79-268F-4C1A-8933-263129D2AF90}" type="datetimeFigureOut">
               <a:rPr lang="en-US" smtClean="0"/>
               <a:pPr/>
-              <a:t>4/15/2016</a:t>
+              <a:t>4/16/2016</a:t>
             </a:fld>
             <a:endParaRPr lang="en-US" dirty="0"/>
           </a:p>
@@ -2147,7 +2217,7 @@
             <a:fld id="{5001C876-01F7-4317-94B9-1AE222133113}" type="datetimeFigureOut">
               <a:rPr lang="es-ES" smtClean="0"/>
               <a:pPr/>
-              <a:t>15/04/2016</a:t>
+              <a:t>16/04/2016</a:t>
             </a:fld>
             <a:endParaRPr lang="es-ES"/>
           </a:p>
@@ -2251,7 +2321,7 @@
           </a:lstStyle>
           <a:p>
             <a:r>
-              <a:rPr lang="es-ES"/>
+              <a:rPr lang="es-ES" smtClean="0"/>
               <a:t>Haga clic para modificar el estilo de título del patrón</a:t>
             </a:r>
             <a:endParaRPr lang="en-US" dirty="0"/>
@@ -2308,35 +2378,35 @@
           <a:p>
             <a:pPr lvl="0"/>
             <a:r>
-              <a:rPr lang="es-ES"/>
+              <a:rPr lang="es-ES" smtClean="0"/>
               <a:t>Editar el estilo de texto del patrón</a:t>
             </a:r>
           </a:p>
           <a:p>
             <a:pPr lvl="1"/>
             <a:r>
-              <a:rPr lang="es-ES"/>
+              <a:rPr lang="es-ES" smtClean="0"/>
               <a:t>Segundo nivel</a:t>
             </a:r>
           </a:p>
           <a:p>
             <a:pPr lvl="2"/>
             <a:r>
-              <a:rPr lang="es-ES"/>
+              <a:rPr lang="es-ES" smtClean="0"/>
               <a:t>Tercer nivel</a:t>
             </a:r>
           </a:p>
           <a:p>
             <a:pPr lvl="3"/>
             <a:r>
-              <a:rPr lang="es-ES"/>
+              <a:rPr lang="es-ES" smtClean="0"/>
               <a:t>Cuarto nivel</a:t>
             </a:r>
           </a:p>
           <a:p>
             <a:pPr lvl="4"/>
             <a:r>
-              <a:rPr lang="es-ES"/>
+              <a:rPr lang="es-ES" smtClean="0"/>
               <a:t>Quinto nivel</a:t>
             </a:r>
             <a:endParaRPr lang="en-US" dirty="0"/>
@@ -2402,7 +2472,7 @@
           <a:p>
             <a:pPr lvl="0"/>
             <a:r>
-              <a:rPr lang="es-ES"/>
+              <a:rPr lang="es-ES" smtClean="0"/>
               <a:t>Editar el estilo de texto del patrón</a:t>
             </a:r>
           </a:p>
@@ -2426,7 +2496,7 @@
             <a:fld id="{C764DE79-268F-4C1A-8933-263129D2AF90}" type="datetimeFigureOut">
               <a:rPr lang="en-US" smtClean="0"/>
               <a:pPr/>
-              <a:t>4/15/2016</a:t>
+              <a:t>4/16/2016</a:t>
             </a:fld>
             <a:endParaRPr lang="en-US" dirty="0"/>
           </a:p>
@@ -2530,7 +2600,7 @@
           </a:lstStyle>
           <a:p>
             <a:r>
-              <a:rPr lang="es-ES"/>
+              <a:rPr lang="es-ES" smtClean="0"/>
               <a:t>Haga clic para modificar el estilo de título del patrón</a:t>
             </a:r>
             <a:endParaRPr lang="en-US" dirty="0"/>
@@ -2595,7 +2665,7 @@
           </a:lstStyle>
           <a:p>
             <a:r>
-              <a:rPr lang="es-ES"/>
+              <a:rPr lang="es-ES" smtClean="0"/>
               <a:t>Haga clic en el icono para agregar una imagen</a:t>
             </a:r>
             <a:endParaRPr lang="en-US" dirty="0"/>
@@ -2661,7 +2731,7 @@
           <a:p>
             <a:pPr lvl="0"/>
             <a:r>
-              <a:rPr lang="es-ES"/>
+              <a:rPr lang="es-ES" smtClean="0"/>
               <a:t>Editar el estilo de texto del patrón</a:t>
             </a:r>
           </a:p>
@@ -2685,7 +2755,7 @@
             <a:fld id="{C764DE79-268F-4C1A-8933-263129D2AF90}" type="datetimeFigureOut">
               <a:rPr lang="en-US" smtClean="0"/>
               <a:pPr/>
-              <a:t>4/15/2016</a:t>
+              <a:t>4/16/2016</a:t>
             </a:fld>
             <a:endParaRPr lang="en-US" dirty="0"/>
           </a:p>
@@ -2795,7 +2865,7 @@
           <a:lstStyle/>
           <a:p>
             <a:r>
-              <a:rPr lang="es-ES"/>
+              <a:rPr lang="es-ES" smtClean="0"/>
               <a:t>Haga clic para modificar el estilo de título del patrón</a:t>
             </a:r>
             <a:endParaRPr lang="en-US" dirty="0"/>
@@ -2829,35 +2899,35 @@
           <a:p>
             <a:pPr lvl="0"/>
             <a:r>
-              <a:rPr lang="es-ES"/>
+              <a:rPr lang="es-ES" smtClean="0"/>
               <a:t>Editar el estilo de texto del patrón</a:t>
             </a:r>
           </a:p>
           <a:p>
             <a:pPr lvl="1"/>
             <a:r>
-              <a:rPr lang="es-ES"/>
+              <a:rPr lang="es-ES" smtClean="0"/>
               <a:t>Segundo nivel</a:t>
             </a:r>
           </a:p>
           <a:p>
             <a:pPr lvl="2"/>
             <a:r>
-              <a:rPr lang="es-ES"/>
+              <a:rPr lang="es-ES" smtClean="0"/>
               <a:t>Tercer nivel</a:t>
             </a:r>
           </a:p>
           <a:p>
             <a:pPr lvl="3"/>
             <a:r>
-              <a:rPr lang="es-ES"/>
+              <a:rPr lang="es-ES" smtClean="0"/>
               <a:t>Cuarto nivel</a:t>
             </a:r>
           </a:p>
           <a:p>
             <a:pPr lvl="4"/>
             <a:r>
-              <a:rPr lang="es-ES"/>
+              <a:rPr lang="es-ES" smtClean="0"/>
               <a:t>Quinto nivel</a:t>
             </a:r>
             <a:endParaRPr lang="en-US" dirty="0"/>
@@ -2900,7 +2970,7 @@
             <a:fld id="{C764DE79-268F-4C1A-8933-263129D2AF90}" type="datetimeFigureOut">
               <a:rPr lang="en-US" smtClean="0"/>
               <a:pPr/>
-              <a:t>4/15/2016</a:t>
+              <a:t>4/16/2016</a:t>
             </a:fld>
             <a:endParaRPr lang="en-US" dirty="0"/>
           </a:p>
@@ -3009,12 +3079,16 @@
           <a:p>
             <a:pPr algn="ctr"/>
             <a:r>
-              <a:rPr lang="es-ES" sz="1200" dirty="0">
+              <a:rPr lang="es-ES" sz="1200" dirty="0" smtClean="0">
                 <a:latin typeface="Arial" panose="020B0604020202020204" pitchFamily="34" charset="0"/>
                 <a:cs typeface="Arial" panose="020B0604020202020204" pitchFamily="34" charset="0"/>
               </a:rPr>
               <a:t>© Editorial Planeta Colombiana S.A., 2016.</a:t>
             </a:r>
+            <a:endParaRPr lang="es-ES" sz="1200" dirty="0">
+              <a:latin typeface="Arial" panose="020B0604020202020204" pitchFamily="34" charset="0"/>
+              <a:cs typeface="Arial" panose="020B0604020202020204" pitchFamily="34" charset="0"/>
+            </a:endParaRPr>
           </a:p>
         </p:txBody>
       </p:sp>
@@ -3422,58 +3496,35 @@
           <a:p>
             <a:pPr algn="ctr"/>
             <a:r>
-              <a:rPr lang="es-ES" sz="1600" dirty="0">
+              <a:rPr lang="es-ES" sz="1600" b="1" dirty="0" smtClean="0">
                 <a:solidFill>
                   <a:schemeClr val="tx1"/>
                 </a:solidFill>
                 <a:latin typeface="Arial" panose="020B0604020202020204" pitchFamily="34" charset="0"/>
                 <a:cs typeface="Arial" panose="020B0604020202020204" pitchFamily="34" charset="0"/>
               </a:rPr>
-              <a:t>Probabilidad  </a:t>
-            </a:r>
-          </a:p>
-        </p:txBody>
-      </p:sp>
-      <p:cxnSp>
-        <p:nvCxnSpPr>
-          <p:cNvPr id="12" name="Conector angular 11"/>
-          <p:cNvCxnSpPr>
-            <a:stCxn id="4" idx="2"/>
-            <a:endCxn id="130" idx="0"/>
-          </p:cNvCxnSpPr>
-          <p:nvPr/>
-        </p:nvCxnSpPr>
-        <p:spPr>
-          <a:xfrm rot="5400000">
-            <a:off x="4230800" y="-243926"/>
-            <a:ext cx="176930" cy="1801292"/>
-          </a:xfrm>
-          <a:prstGeom prst="bentConnector3">
-            <a:avLst>
-              <a:gd name="adj1" fmla="val 50000"/>
-            </a:avLst>
-          </a:prstGeom>
-          <a:ln w="12700">
-            <a:solidFill>
-              <a:schemeClr val="tx1"/>
-            </a:solidFill>
-          </a:ln>
-        </p:spPr>
-        <p:style>
-          <a:lnRef idx="1">
-            <a:schemeClr val="accent1"/>
-          </a:lnRef>
-          <a:fillRef idx="0">
-            <a:schemeClr val="accent1"/>
-          </a:fillRef>
-          <a:effectRef idx="0">
-            <a:schemeClr val="accent1"/>
-          </a:effectRef>
-          <a:fontRef idx="minor">
-            <a:schemeClr val="tx1"/>
-          </a:fontRef>
-        </p:style>
-      </p:cxnSp>
+              <a:t>Probabilidad</a:t>
+            </a:r>
+            <a:r>
+              <a:rPr lang="es-ES" sz="1600" dirty="0" smtClean="0">
+                <a:solidFill>
+                  <a:schemeClr val="tx1"/>
+                </a:solidFill>
+                <a:latin typeface="Arial" panose="020B0604020202020204" pitchFamily="34" charset="0"/>
+                <a:cs typeface="Arial" panose="020B0604020202020204" pitchFamily="34" charset="0"/>
+              </a:rPr>
+              <a:t>  </a:t>
+            </a:r>
+            <a:endParaRPr lang="es-ES" sz="1600" dirty="0">
+              <a:solidFill>
+                <a:schemeClr val="tx1"/>
+              </a:solidFill>
+              <a:latin typeface="Arial" panose="020B0604020202020204" pitchFamily="34" charset="0"/>
+              <a:cs typeface="Arial" panose="020B0604020202020204" pitchFamily="34" charset="0"/>
+            </a:endParaRPr>
+          </a:p>
+        </p:txBody>
+      </p:sp>
       <p:sp>
         <p:nvSpPr>
           <p:cNvPr id="19" name="CuadroTexto 18" descr="Conector entre nodos"/>
@@ -3482,7 +3533,7 @@
         </p:nvSpPr>
         <p:spPr>
           <a:xfrm>
-            <a:off x="2864620" y="1636095"/>
+            <a:off x="4710308" y="792425"/>
             <a:ext cx="1122431" cy="230832"/>
           </a:xfrm>
           <a:prstGeom prst="rect">
@@ -3507,46 +3558,6 @@
           </a:p>
         </p:txBody>
       </p:sp>
-      <p:cxnSp>
-        <p:nvCxnSpPr>
-          <p:cNvPr id="31" name="Conector angular 30"/>
-          <p:cNvCxnSpPr>
-            <a:stCxn id="315" idx="2"/>
-            <a:endCxn id="19" idx="0"/>
-          </p:cNvCxnSpPr>
-          <p:nvPr/>
-        </p:nvCxnSpPr>
-        <p:spPr>
-          <a:xfrm rot="16200000" flipH="1">
-            <a:off x="3365589" y="1575848"/>
-            <a:ext cx="117174" cy="3320"/>
-          </a:xfrm>
-          <a:prstGeom prst="bentConnector3">
-            <a:avLst>
-              <a:gd name="adj1" fmla="val 50000"/>
-            </a:avLst>
-          </a:prstGeom>
-          <a:ln w="12700">
-            <a:solidFill>
-              <a:schemeClr val="tx1"/>
-            </a:solidFill>
-          </a:ln>
-        </p:spPr>
-        <p:style>
-          <a:lnRef idx="1">
-            <a:schemeClr val="accent1"/>
-          </a:lnRef>
-          <a:fillRef idx="0">
-            <a:schemeClr val="accent1"/>
-          </a:fillRef>
-          <a:effectRef idx="0">
-            <a:schemeClr val="accent1"/>
-          </a:effectRef>
-          <a:fontRef idx="minor">
-            <a:schemeClr val="tx1"/>
-          </a:fontRef>
-        </p:style>
-      </p:cxnSp>
       <p:sp>
         <p:nvSpPr>
           <p:cNvPr id="44" name="Rectángulo 43" descr="Nodo de segundo nivel"/>
@@ -3555,8 +3566,8 @@
         </p:nvSpPr>
         <p:spPr>
           <a:xfrm>
-            <a:off x="2734101" y="1952696"/>
-            <a:ext cx="1383471" cy="523447"/>
+            <a:off x="4579787" y="1318458"/>
+            <a:ext cx="1383471" cy="598093"/>
           </a:xfrm>
           <a:prstGeom prst="rect">
             <a:avLst/>
@@ -3599,8 +3610,45 @@
                 <a:latin typeface="Arial" panose="020B0604020202020204" pitchFamily="34" charset="0"/>
                 <a:cs typeface="Arial" panose="020B0604020202020204" pitchFamily="34" charset="0"/>
               </a:rPr>
-              <a:t>medir cuantitativamente que un echo ocurra  </a:t>
-            </a:r>
+              <a:t>m</a:t>
+            </a:r>
+            <a:r>
+              <a:rPr lang="es-ES" sz="1050" dirty="0" smtClean="0">
+                <a:solidFill>
+                  <a:schemeClr val="tx1"/>
+                </a:solidFill>
+                <a:latin typeface="Arial" panose="020B0604020202020204" pitchFamily="34" charset="0"/>
+                <a:cs typeface="Arial" panose="020B0604020202020204" pitchFamily="34" charset="0"/>
+              </a:rPr>
+              <a:t>edir cuantitativamente que un </a:t>
+            </a:r>
+            <a:r>
+              <a:rPr lang="es-ES" sz="1050" dirty="0" smtClean="0">
+                <a:solidFill>
+                  <a:schemeClr val="tx1"/>
+                </a:solidFill>
+                <a:latin typeface="Arial" panose="020B0604020202020204" pitchFamily="34" charset="0"/>
+                <a:cs typeface="Arial" panose="020B0604020202020204" pitchFamily="34" charset="0"/>
+              </a:rPr>
+              <a:t>hecho </a:t>
+            </a:r>
+            <a:r>
+              <a:rPr lang="es-ES" sz="1050" dirty="0" smtClean="0">
+                <a:solidFill>
+                  <a:schemeClr val="tx1"/>
+                </a:solidFill>
+                <a:latin typeface="Arial" panose="020B0604020202020204" pitchFamily="34" charset="0"/>
+                <a:cs typeface="Arial" panose="020B0604020202020204" pitchFamily="34" charset="0"/>
+              </a:rPr>
+              <a:t>ocurra  </a:t>
+            </a:r>
+            <a:endParaRPr lang="es-ES" sz="1050" dirty="0">
+              <a:solidFill>
+                <a:schemeClr val="tx1"/>
+              </a:solidFill>
+              <a:latin typeface="Arial" panose="020B0604020202020204" pitchFamily="34" charset="0"/>
+              <a:cs typeface="Arial" panose="020B0604020202020204" pitchFamily="34" charset="0"/>
+            </a:endParaRPr>
           </a:p>
         </p:txBody>
       </p:sp>
@@ -3614,9 +3662,9 @@
           <p:nvPr/>
         </p:nvCxnSpPr>
         <p:spPr>
-          <a:xfrm rot="16200000" flipH="1">
-            <a:off x="3382952" y="1909810"/>
-            <a:ext cx="85769" cy="1"/>
+          <a:xfrm rot="5400000">
+            <a:off x="5123924" y="1170857"/>
+            <a:ext cx="295201" cy="1"/>
           </a:xfrm>
           <a:prstGeom prst="bentConnector3">
             <a:avLst>
@@ -3652,7 +3700,7 @@
         </p:nvSpPr>
         <p:spPr>
           <a:xfrm>
-            <a:off x="2872259" y="2566446"/>
+            <a:off x="4661323" y="2286201"/>
             <a:ext cx="1117174" cy="230832"/>
           </a:xfrm>
           <a:prstGeom prst="rect">
@@ -3668,12 +3716,16 @@
           <a:p>
             <a:pPr algn="ctr"/>
             <a:r>
-              <a:rPr lang="es-ES" sz="900" dirty="0">
+              <a:rPr lang="es-ES" sz="900" dirty="0" smtClean="0">
                 <a:latin typeface="Arial" panose="020B0604020202020204" pitchFamily="34" charset="0"/>
                 <a:cs typeface="Arial" panose="020B0604020202020204" pitchFamily="34" charset="0"/>
               </a:rPr>
               <a:t> en  </a:t>
             </a:r>
+            <a:endParaRPr lang="es-ES" sz="900" dirty="0">
+              <a:latin typeface="Arial" panose="020B0604020202020204" pitchFamily="34" charset="0"/>
+              <a:cs typeface="Arial" panose="020B0604020202020204" pitchFamily="34" charset="0"/>
+            </a:endParaRPr>
           </a:p>
         </p:txBody>
       </p:sp>
@@ -3685,7 +3737,7 @@
         </p:nvSpPr>
         <p:spPr>
           <a:xfrm>
-            <a:off x="2879246" y="2897209"/>
+            <a:off x="4668249" y="2721026"/>
             <a:ext cx="1122431" cy="343441"/>
           </a:xfrm>
           <a:prstGeom prst="rect">
@@ -3729,8 +3781,25 @@
                 <a:latin typeface="Arial" panose="020B0604020202020204" pitchFamily="34" charset="0"/>
                 <a:cs typeface="Arial" panose="020B0604020202020204" pitchFamily="34" charset="0"/>
               </a:rPr>
-              <a:t>  experimentos aleatorios    </a:t>
-            </a:r>
+              <a:t> </a:t>
+            </a:r>
+            <a:r>
+              <a:rPr lang="es-ES" sz="900" dirty="0" smtClean="0">
+                <a:solidFill>
+                  <a:schemeClr val="tx1"/>
+                </a:solidFill>
+                <a:latin typeface="Arial" panose="020B0604020202020204" pitchFamily="34" charset="0"/>
+                <a:cs typeface="Arial" panose="020B0604020202020204" pitchFamily="34" charset="0"/>
+              </a:rPr>
+              <a:t> experimentos aleatorios    </a:t>
+            </a:r>
+            <a:endParaRPr lang="es-ES" sz="900" dirty="0">
+              <a:solidFill>
+                <a:schemeClr val="tx1"/>
+              </a:solidFill>
+              <a:latin typeface="Arial" panose="020B0604020202020204" pitchFamily="34" charset="0"/>
+              <a:cs typeface="Arial" panose="020B0604020202020204" pitchFamily="34" charset="0"/>
+            </a:endParaRPr>
           </a:p>
         </p:txBody>
       </p:sp>
@@ -3777,15 +3846,22 @@
           <a:p>
             <a:pPr algn="ctr"/>
             <a:r>
-              <a:rPr lang="es-ES" sz="900" dirty="0">
+              <a:rPr lang="es-ES" sz="900" dirty="0" smtClean="0">
                 <a:solidFill>
                   <a:schemeClr val="tx1"/>
                 </a:solidFill>
                 <a:latin typeface="Arial" panose="020B0604020202020204" pitchFamily="34" charset="0"/>
                 <a:cs typeface="Arial" panose="020B0604020202020204" pitchFamily="34" charset="0"/>
               </a:rPr>
-              <a:t>el precio del dólar  </a:t>
-            </a:r>
+              <a:t>El precio del dólar  </a:t>
+            </a:r>
+            <a:endParaRPr lang="es-ES" sz="900" dirty="0">
+              <a:solidFill>
+                <a:schemeClr val="tx1"/>
+              </a:solidFill>
+              <a:latin typeface="Arial" panose="020B0604020202020204" pitchFamily="34" charset="0"/>
+              <a:cs typeface="Arial" panose="020B0604020202020204" pitchFamily="34" charset="0"/>
+            </a:endParaRPr>
           </a:p>
         </p:txBody>
       </p:sp>
@@ -3839,8 +3915,25 @@
                 <a:latin typeface="Arial" panose="020B0604020202020204" pitchFamily="34" charset="0"/>
                 <a:cs typeface="Arial" panose="020B0604020202020204" pitchFamily="34" charset="0"/>
               </a:rPr>
-              <a:t>sacar una carta </a:t>
-            </a:r>
+              <a:t>s</a:t>
+            </a:r>
+            <a:r>
+              <a:rPr lang="es-ES" sz="900" dirty="0" smtClean="0">
+                <a:solidFill>
+                  <a:schemeClr val="tx1"/>
+                </a:solidFill>
+                <a:latin typeface="Arial" panose="020B0604020202020204" pitchFamily="34" charset="0"/>
+                <a:cs typeface="Arial" panose="020B0604020202020204" pitchFamily="34" charset="0"/>
+              </a:rPr>
+              <a:t>acar una carta </a:t>
+            </a:r>
+            <a:endParaRPr lang="es-ES" sz="900" dirty="0">
+              <a:solidFill>
+                <a:schemeClr val="tx1"/>
+              </a:solidFill>
+              <a:latin typeface="Arial" panose="020B0604020202020204" pitchFamily="34" charset="0"/>
+              <a:cs typeface="Arial" panose="020B0604020202020204" pitchFamily="34" charset="0"/>
+            </a:endParaRPr>
           </a:p>
         </p:txBody>
       </p:sp>
@@ -3854,122 +3947,9 @@
           <p:nvPr/>
         </p:nvCxnSpPr>
         <p:spPr>
-          <a:xfrm rot="16200000" flipV="1">
-            <a:off x="3962515" y="3186147"/>
-            <a:ext cx="142930" cy="1186046"/>
-          </a:xfrm>
-          <a:prstGeom prst="bentConnector3">
-            <a:avLst>
-              <a:gd name="adj1" fmla="val 50000"/>
-            </a:avLst>
-          </a:prstGeom>
-          <a:ln w="12700">
-            <a:solidFill>
-              <a:schemeClr val="tx1"/>
-            </a:solidFill>
-          </a:ln>
-        </p:spPr>
-        <p:style>
-          <a:lnRef idx="1">
-            <a:schemeClr val="accent1"/>
-          </a:lnRef>
-          <a:fillRef idx="0">
-            <a:schemeClr val="accent1"/>
-          </a:fillRef>
-          <a:effectRef idx="0">
-            <a:schemeClr val="accent1"/>
-          </a:effectRef>
-          <a:fontRef idx="minor">
-            <a:schemeClr val="tx1"/>
-          </a:fontRef>
-        </p:style>
-      </p:cxnSp>
-      <p:sp>
-        <p:nvSpPr>
-          <p:cNvPr id="130" name="CuadroTexto 129" descr="Conector entre nodos"/>
-          <p:cNvSpPr txBox="1"/>
-          <p:nvPr/>
-        </p:nvSpPr>
-        <p:spPr>
-          <a:xfrm>
-            <a:off x="2857403" y="745185"/>
-            <a:ext cx="1122431" cy="230832"/>
-          </a:xfrm>
-          <a:prstGeom prst="rect">
-            <a:avLst/>
-          </a:prstGeom>
-          <a:noFill/>
-        </p:spPr>
-        <p:txBody>
-          <a:bodyPr wrap="square" rtlCol="0">
-            <a:spAutoFit/>
-          </a:bodyPr>
-          <a:lstStyle/>
-          <a:p>
-            <a:pPr algn="ctr"/>
-            <a:r>
-              <a:rPr lang="es-ES" sz="900" dirty="0">
-                <a:latin typeface="Arial" panose="020B0604020202020204" pitchFamily="34" charset="0"/>
-                <a:cs typeface="Arial" panose="020B0604020202020204" pitchFamily="34" charset="0"/>
-              </a:rPr>
-              <a:t>es una  </a:t>
-            </a:r>
-          </a:p>
-        </p:txBody>
-      </p:sp>
-      <p:cxnSp>
-        <p:nvCxnSpPr>
-          <p:cNvPr id="132" name="Conector angular 131"/>
-          <p:cNvCxnSpPr>
-            <a:stCxn id="130" idx="2"/>
-            <a:endCxn id="315" idx="0"/>
-          </p:cNvCxnSpPr>
-          <p:nvPr/>
-        </p:nvCxnSpPr>
-        <p:spPr>
-          <a:xfrm rot="16200000" flipH="1">
-            <a:off x="3369006" y="1025629"/>
-            <a:ext cx="103122" cy="3897"/>
-          </a:xfrm>
-          <a:prstGeom prst="bentConnector3">
-            <a:avLst>
-              <a:gd name="adj1" fmla="val 50000"/>
-            </a:avLst>
-          </a:prstGeom>
-          <a:ln w="12700">
-            <a:solidFill>
-              <a:schemeClr val="tx1"/>
-            </a:solidFill>
-          </a:ln>
-        </p:spPr>
-        <p:style>
-          <a:lnRef idx="1">
-            <a:schemeClr val="accent1"/>
-          </a:lnRef>
-          <a:fillRef idx="0">
-            <a:schemeClr val="accent1"/>
-          </a:fillRef>
-          <a:effectRef idx="0">
-            <a:schemeClr val="accent1"/>
-          </a:effectRef>
-          <a:fontRef idx="minor">
-            <a:schemeClr val="tx1"/>
-          </a:fontRef>
-        </p:style>
-      </p:cxnSp>
-      <p:cxnSp>
-        <p:nvCxnSpPr>
-          <p:cNvPr id="118" name="Conector angular 117"/>
-          <p:cNvCxnSpPr>
-            <a:stCxn id="44" idx="2"/>
-            <a:endCxn id="67" idx="0"/>
-          </p:cNvCxnSpPr>
-          <p:nvPr/>
-        </p:nvCxnSpPr>
-        <p:spPr>
-          <a:xfrm rot="16200000" flipH="1">
-            <a:off x="3383190" y="2518789"/>
-            <a:ext cx="90303" cy="5009"/>
+          <a:xfrm rot="5400000" flipH="1" flipV="1">
+            <a:off x="4806861" y="3425403"/>
+            <a:ext cx="245375" cy="605090"/>
           </a:xfrm>
           <a:prstGeom prst="bentConnector3">
             <a:avLst>
@@ -4001,15 +3981,14 @@
         <p:nvCxnSpPr>
           <p:cNvPr id="121" name="Conector angular 120"/>
           <p:cNvCxnSpPr>
-            <a:stCxn id="67" idx="2"/>
-            <a:endCxn id="72" idx="0"/>
+            <a:stCxn id="4" idx="2"/>
           </p:cNvCxnSpPr>
           <p:nvPr/>
         </p:nvCxnSpPr>
         <p:spPr>
           <a:xfrm rot="16200000" flipH="1">
-            <a:off x="3385689" y="2842435"/>
-            <a:ext cx="99931" cy="9616"/>
+            <a:off x="5067597" y="720568"/>
+            <a:ext cx="304629" cy="1"/>
           </a:xfrm>
           <a:prstGeom prst="bentConnector3">
             <a:avLst>
@@ -4045,7 +4024,7 @@
         </p:nvSpPr>
         <p:spPr>
           <a:xfrm>
-            <a:off x="2882370" y="3338373"/>
+            <a:off x="4673506" y="3235928"/>
             <a:ext cx="1117174" cy="369332"/>
           </a:xfrm>
           <a:prstGeom prst="rect">
@@ -4061,12 +4040,16 @@
           <a:p>
             <a:pPr algn="ctr"/>
             <a:r>
-              <a:rPr lang="es-ES" sz="900" dirty="0">
+              <a:rPr lang="es-ES" sz="900" dirty="0" smtClean="0">
                 <a:latin typeface="Arial" panose="020B0604020202020204" pitchFamily="34" charset="0"/>
                 <a:cs typeface="Arial" panose="020B0604020202020204" pitchFamily="34" charset="0"/>
               </a:rPr>
               <a:t>   se caracteriza por </a:t>
             </a:r>
+            <a:endParaRPr lang="es-ES" sz="900" dirty="0">
+              <a:latin typeface="Arial" panose="020B0604020202020204" pitchFamily="34" charset="0"/>
+              <a:cs typeface="Arial" panose="020B0604020202020204" pitchFamily="34" charset="0"/>
+            </a:endParaRPr>
           </a:p>
         </p:txBody>
       </p:sp>
@@ -4081,8 +4064,8 @@
         </p:nvCxnSpPr>
         <p:spPr>
           <a:xfrm rot="16200000" flipH="1">
-            <a:off x="3391848" y="3289263"/>
-            <a:ext cx="97723" cy="495"/>
+            <a:off x="5145049" y="3148883"/>
+            <a:ext cx="171461" cy="2628"/>
           </a:xfrm>
           <a:prstGeom prst="bentConnector3">
             <a:avLst>
@@ -4121,8 +4104,8 @@
         </p:nvCxnSpPr>
         <p:spPr>
           <a:xfrm rot="5400000" flipH="1" flipV="1">
-            <a:off x="2673433" y="3086680"/>
-            <a:ext cx="146498" cy="1388549"/>
+            <a:off x="3517779" y="2139890"/>
+            <a:ext cx="248943" cy="3179685"/>
           </a:xfrm>
           <a:prstGeom prst="bentConnector3">
             <a:avLst>
@@ -4214,12 +4197,16 @@
           <a:p>
             <a:pPr algn="ctr"/>
             <a:r>
-              <a:rPr lang="es-ES" sz="900" dirty="0">
+              <a:rPr lang="es-ES" sz="900" dirty="0" smtClean="0">
                 <a:latin typeface="Arial" panose="020B0604020202020204" pitchFamily="34" charset="0"/>
                 <a:cs typeface="Arial" panose="020B0604020202020204" pitchFamily="34" charset="0"/>
               </a:rPr>
               <a:t>donde   </a:t>
             </a:r>
+            <a:endParaRPr lang="es-ES" sz="900" dirty="0">
+              <a:latin typeface="Arial" panose="020B0604020202020204" pitchFamily="34" charset="0"/>
+              <a:cs typeface="Arial" panose="020B0604020202020204" pitchFamily="34" charset="0"/>
+            </a:endParaRPr>
           </a:p>
         </p:txBody>
       </p:sp>
@@ -4313,10 +4300,20 @@
                 <a:latin typeface="Arial" panose="020B0604020202020204" pitchFamily="34" charset="0"/>
                 <a:cs typeface="Arial" panose="020B0604020202020204" pitchFamily="34" charset="0"/>
               </a:rPr>
-              <a:t> ejemplo es lanzar un dado </a:t>
-            </a:r>
-            <a:r>
-              <a:rPr lang="es-ES" sz="900" b="1" dirty="0">
+              <a:t> </a:t>
+            </a:r>
+            <a:r>
+              <a:rPr lang="es-ES" sz="900" dirty="0" smtClean="0">
+                <a:solidFill>
+                  <a:schemeClr val="tx1"/>
+                </a:solidFill>
+                <a:latin typeface="Arial" panose="020B0604020202020204" pitchFamily="34" charset="0"/>
+                <a:cs typeface="Arial" panose="020B0604020202020204" pitchFamily="34" charset="0"/>
+              </a:rPr>
+              <a:t>ejemplo es lanzar un dado </a:t>
+            </a:r>
+            <a:r>
+              <a:rPr lang="es-ES" sz="900" b="1" dirty="0" smtClean="0">
                 <a:solidFill>
                   <a:schemeClr val="tx1"/>
                 </a:solidFill>
@@ -4326,7 +4323,7 @@
               <a:t>S</a:t>
             </a:r>
             <a:r>
-              <a:rPr lang="es-ES" sz="900" dirty="0">
+              <a:rPr lang="es-ES" sz="900" dirty="0" smtClean="0">
                 <a:solidFill>
                   <a:schemeClr val="tx1"/>
                 </a:solidFill>
@@ -4340,7 +4337,7 @@
               <a:t>{</a:t>
             </a:r>
             <a:r>
-              <a:rPr lang="es-ES" sz="900" dirty="0">
+              <a:rPr lang="es-ES" sz="900" dirty="0" smtClean="0">
                 <a:solidFill>
                   <a:schemeClr val="tx1"/>
                 </a:solidFill>
@@ -4354,7 +4351,7 @@
               <a:t>}</a:t>
             </a:r>
             <a:r>
-              <a:rPr lang="es-ES" sz="900" dirty="0">
+              <a:rPr lang="es-ES" sz="900" dirty="0" smtClean="0">
                 <a:solidFill>
                   <a:schemeClr val="tx1"/>
                 </a:solidFill>
@@ -4363,19 +4360,26 @@
               </a:rPr>
               <a:t> </a:t>
             </a:r>
-          </a:p>
-        </p:txBody>
-      </p:sp>
-      <p:sp>
-        <p:nvSpPr>
-          <p:cNvPr id="315" name="Rectángulo 314" descr="Nodo de primer nivel"/>
+            <a:endParaRPr lang="es-ES" sz="900" dirty="0">
+              <a:solidFill>
+                <a:schemeClr val="tx1"/>
+              </a:solidFill>
+              <a:latin typeface="Arial" panose="020B0604020202020204" pitchFamily="34" charset="0"/>
+              <a:cs typeface="Arial" panose="020B0604020202020204" pitchFamily="34" charset="0"/>
+            </a:endParaRPr>
+          </a:p>
+        </p:txBody>
+      </p:sp>
+      <p:sp>
+        <p:nvSpPr>
+          <p:cNvPr id="157" name="Rectángulo 156" descr="Nodo de cuarto nivel&#10;"/>
           <p:cNvSpPr/>
           <p:nvPr/>
         </p:nvSpPr>
         <p:spPr>
           <a:xfrm>
-            <a:off x="2666433" y="1079139"/>
-            <a:ext cx="1512166" cy="439782"/>
+            <a:off x="1468862" y="3854203"/>
+            <a:ext cx="1167091" cy="494314"/>
           </a:xfrm>
           <a:prstGeom prst="rect">
             <a:avLst/>
@@ -4388,13 +4392,6 @@
               <a:schemeClr val="tx1"/>
             </a:solidFill>
           </a:ln>
-          <a:effectLst>
-            <a:outerShdw blurRad="50800" dist="38100" dir="2700000" algn="tl" rotWithShape="0">
-              <a:prstClr val="black">
-                <a:alpha val="40000"/>
-              </a:prstClr>
-            </a:outerShdw>
-          </a:effectLst>
         </p:spPr>
         <p:style>
           <a:lnRef idx="2">
@@ -4416,61 +4413,6 @@
           <a:p>
             <a:pPr algn="ctr"/>
             <a:r>
-              <a:rPr lang="es-ES" sz="1200" b="1" dirty="0">
-                <a:solidFill>
-                  <a:schemeClr val="tx1"/>
-                </a:solidFill>
-                <a:latin typeface="Arial" panose="020B0604020202020204" pitchFamily="34" charset="0"/>
-                <a:cs typeface="Arial" panose="020B0604020202020204" pitchFamily="34" charset="0"/>
-              </a:rPr>
-              <a:t>rama de las matemáticas </a:t>
-            </a:r>
-          </a:p>
-        </p:txBody>
-      </p:sp>
-      <p:sp>
-        <p:nvSpPr>
-          <p:cNvPr id="157" name="Rectángulo 156" descr="Nodo de cuarto nivel&#10;"/>
-          <p:cNvSpPr/>
-          <p:nvPr/>
-        </p:nvSpPr>
-        <p:spPr>
-          <a:xfrm>
-            <a:off x="1468862" y="3854203"/>
-            <a:ext cx="1167091" cy="494314"/>
-          </a:xfrm>
-          <a:prstGeom prst="rect">
-            <a:avLst/>
-          </a:prstGeom>
-          <a:solidFill>
-            <a:schemeClr val="bg1"/>
-          </a:solidFill>
-          <a:ln>
-            <a:solidFill>
-              <a:schemeClr val="tx1"/>
-            </a:solidFill>
-          </a:ln>
-        </p:spPr>
-        <p:style>
-          <a:lnRef idx="2">
-            <a:schemeClr val="accent6"/>
-          </a:lnRef>
-          <a:fillRef idx="1">
-            <a:schemeClr val="lt1"/>
-          </a:fillRef>
-          <a:effectRef idx="0">
-            <a:schemeClr val="accent6"/>
-          </a:effectRef>
-          <a:fontRef idx="minor">
-            <a:schemeClr val="dk1"/>
-          </a:fontRef>
-        </p:style>
-        <p:txBody>
-          <a:bodyPr rtlCol="0" anchor="ctr"/>
-          <a:lstStyle/>
-          <a:p>
-            <a:pPr algn="ctr"/>
-            <a:r>
               <a:rPr lang="es-ES" sz="900" dirty="0">
                 <a:solidFill>
                   <a:schemeClr val="tx1"/>
@@ -4478,195 +4420,37 @@
                 <a:latin typeface="Arial" panose="020B0604020202020204" pitchFamily="34" charset="0"/>
                 <a:cs typeface="Arial" panose="020B0604020202020204" pitchFamily="34" charset="0"/>
               </a:rPr>
-              <a:t>no se puede predecir  su resultado  </a:t>
-            </a:r>
-          </a:p>
-        </p:txBody>
-      </p:sp>
-      <p:sp>
-        <p:nvSpPr>
-          <p:cNvPr id="158" name="CuadroTexto 157" descr="Conector entre nodos"/>
-          <p:cNvSpPr txBox="1"/>
-          <p:nvPr/>
-        </p:nvSpPr>
-        <p:spPr>
-          <a:xfrm>
-            <a:off x="6974178" y="762037"/>
-            <a:ext cx="1122431" cy="230832"/>
-          </a:xfrm>
-          <a:prstGeom prst="rect">
-            <a:avLst/>
-          </a:prstGeom>
-          <a:noFill/>
-        </p:spPr>
-        <p:txBody>
-          <a:bodyPr wrap="square" rtlCol="0">
-            <a:spAutoFit/>
-          </a:bodyPr>
-          <a:lstStyle/>
-          <a:p>
-            <a:pPr algn="ctr"/>
-            <a:r>
-              <a:rPr lang="es-ES" sz="900" dirty="0">
-                <a:latin typeface="Arial" panose="020B0604020202020204" pitchFamily="34" charset="0"/>
-                <a:cs typeface="Arial" panose="020B0604020202020204" pitchFamily="34" charset="0"/>
-              </a:rPr>
-              <a:t> es utiliza para   </a:t>
-            </a:r>
-          </a:p>
-        </p:txBody>
-      </p:sp>
-      <p:cxnSp>
-        <p:nvCxnSpPr>
-          <p:cNvPr id="160" name="Conector angular 159"/>
-          <p:cNvCxnSpPr>
-            <a:stCxn id="4" idx="2"/>
-            <a:endCxn id="158" idx="0"/>
-          </p:cNvCxnSpPr>
-          <p:nvPr/>
-        </p:nvCxnSpPr>
-        <p:spPr>
-          <a:xfrm rot="16200000" flipH="1">
-            <a:off x="6280761" y="-492596"/>
-            <a:ext cx="193782" cy="2315483"/>
-          </a:xfrm>
-          <a:prstGeom prst="bentConnector3">
-            <a:avLst>
-              <a:gd name="adj1" fmla="val 50000"/>
-            </a:avLst>
-          </a:prstGeom>
-          <a:ln w="12700">
-            <a:solidFill>
-              <a:schemeClr val="tx1"/>
-            </a:solidFill>
-          </a:ln>
-        </p:spPr>
-        <p:style>
-          <a:lnRef idx="1">
-            <a:schemeClr val="accent1"/>
-          </a:lnRef>
-          <a:fillRef idx="0">
-            <a:schemeClr val="accent1"/>
-          </a:fillRef>
-          <a:effectRef idx="0">
-            <a:schemeClr val="accent1"/>
-          </a:effectRef>
-          <a:fontRef idx="minor">
-            <a:schemeClr val="tx1"/>
-          </a:fontRef>
-        </p:style>
-      </p:cxnSp>
-      <p:sp>
-        <p:nvSpPr>
-          <p:cNvPr id="169" name="Rectángulo 168" descr="Nodo de primer nivel"/>
-          <p:cNvSpPr/>
-          <p:nvPr/>
-        </p:nvSpPr>
-        <p:spPr>
-          <a:xfrm>
-            <a:off x="6734044" y="1086788"/>
-            <a:ext cx="1608541" cy="439782"/>
-          </a:xfrm>
-          <a:prstGeom prst="rect">
-            <a:avLst/>
-          </a:prstGeom>
-          <a:solidFill>
-            <a:schemeClr val="bg1"/>
-          </a:solidFill>
-          <a:ln>
-            <a:solidFill>
-              <a:schemeClr val="tx1"/>
-            </a:solidFill>
-          </a:ln>
-          <a:effectLst>
-            <a:outerShdw blurRad="50800" dist="38100" dir="2700000" algn="tl" rotWithShape="0">
-              <a:prstClr val="black">
-                <a:alpha val="40000"/>
-              </a:prstClr>
-            </a:outerShdw>
-          </a:effectLst>
-        </p:spPr>
-        <p:style>
-          <a:lnRef idx="2">
-            <a:schemeClr val="accent6"/>
-          </a:lnRef>
-          <a:fillRef idx="1">
-            <a:schemeClr val="lt1"/>
-          </a:fillRef>
-          <a:effectRef idx="0">
-            <a:schemeClr val="accent6"/>
-          </a:effectRef>
-          <a:fontRef idx="minor">
-            <a:schemeClr val="dk1"/>
-          </a:fontRef>
-        </p:style>
-        <p:txBody>
-          <a:bodyPr rtlCol="0" anchor="ctr"/>
-          <a:lstStyle/>
-          <a:p>
-            <a:pPr algn="ctr"/>
-            <a:r>
-              <a:rPr lang="es-ES" sz="1200" b="1" dirty="0">
+              <a:t>n</a:t>
+            </a:r>
+            <a:r>
+              <a:rPr lang="es-ES" sz="900" dirty="0" smtClean="0">
                 <a:solidFill>
                   <a:schemeClr val="tx1"/>
                 </a:solidFill>
                 <a:latin typeface="Arial" panose="020B0604020202020204" pitchFamily="34" charset="0"/>
                 <a:cs typeface="Arial" panose="020B0604020202020204" pitchFamily="34" charset="0"/>
               </a:rPr>
-              <a:t>resolver problemas probabilísticos  </a:t>
-            </a:r>
-          </a:p>
-        </p:txBody>
-      </p:sp>
-      <p:cxnSp>
-        <p:nvCxnSpPr>
-          <p:cNvPr id="173" name="Conector angular 172"/>
-          <p:cNvCxnSpPr>
-            <a:stCxn id="158" idx="2"/>
-            <a:endCxn id="169" idx="0"/>
-          </p:cNvCxnSpPr>
-          <p:nvPr/>
-        </p:nvCxnSpPr>
-        <p:spPr>
-          <a:xfrm rot="16200000" flipH="1">
-            <a:off x="7489895" y="1038367"/>
-            <a:ext cx="93919" cy="2921"/>
-          </a:xfrm>
-          <a:prstGeom prst="bentConnector3">
-            <a:avLst>
-              <a:gd name="adj1" fmla="val 50000"/>
-            </a:avLst>
-          </a:prstGeom>
-          <a:ln w="12700">
-            <a:solidFill>
-              <a:schemeClr val="tx1"/>
-            </a:solidFill>
-          </a:ln>
-        </p:spPr>
-        <p:style>
-          <a:lnRef idx="1">
-            <a:schemeClr val="accent1"/>
-          </a:lnRef>
-          <a:fillRef idx="0">
-            <a:schemeClr val="accent1"/>
-          </a:fillRef>
-          <a:effectRef idx="0">
-            <a:schemeClr val="accent1"/>
-          </a:effectRef>
-          <a:fontRef idx="minor">
-            <a:schemeClr val="tx1"/>
-          </a:fontRef>
-        </p:style>
-      </p:cxnSp>
-      <p:sp>
-        <p:nvSpPr>
-          <p:cNvPr id="174" name="CuadroTexto 173" descr="Conector entre nodos"/>
+              <a:t>o se puede predecir  su resultado  </a:t>
+            </a:r>
+            <a:endParaRPr lang="es-ES" sz="900" dirty="0">
+              <a:solidFill>
+                <a:schemeClr val="tx1"/>
+              </a:solidFill>
+              <a:latin typeface="Arial" panose="020B0604020202020204" pitchFamily="34" charset="0"/>
+              <a:cs typeface="Arial" panose="020B0604020202020204" pitchFamily="34" charset="0"/>
+            </a:endParaRPr>
+          </a:p>
+        </p:txBody>
+      </p:sp>
+      <p:sp>
+        <p:nvSpPr>
+          <p:cNvPr id="184" name="CuadroTexto 183" descr="Conector entre nodos"/>
           <p:cNvSpPr txBox="1"/>
           <p:nvPr/>
         </p:nvSpPr>
         <p:spPr>
           <a:xfrm>
-            <a:off x="6969707" y="1656018"/>
+            <a:off x="1490783" y="4520373"/>
             <a:ext cx="1117174" cy="230832"/>
           </a:xfrm>
           <a:prstGeom prst="rect">
@@ -4682,182 +4466,16 @@
           <a:p>
             <a:pPr algn="ctr"/>
             <a:r>
-              <a:rPr lang="es-ES" sz="900" dirty="0">
-                <a:latin typeface="Arial" panose="020B0604020202020204" pitchFamily="34" charset="0"/>
-                <a:cs typeface="Arial" panose="020B0604020202020204" pitchFamily="34" charset="0"/>
-              </a:rPr>
-              <a:t> de     </a:t>
-            </a:r>
-          </a:p>
-        </p:txBody>
-      </p:sp>
-      <p:cxnSp>
-        <p:nvCxnSpPr>
-          <p:cNvPr id="178" name="Conector angular 177"/>
-          <p:cNvCxnSpPr>
-            <a:stCxn id="169" idx="2"/>
-            <a:endCxn id="174" idx="0"/>
-          </p:cNvCxnSpPr>
-          <p:nvPr/>
-        </p:nvCxnSpPr>
-        <p:spPr>
-          <a:xfrm rot="5400000">
-            <a:off x="7468581" y="1586284"/>
-            <a:ext cx="129448" cy="10021"/>
-          </a:xfrm>
-          <a:prstGeom prst="bentConnector3">
-            <a:avLst>
-              <a:gd name="adj1" fmla="val 50000"/>
-            </a:avLst>
-          </a:prstGeom>
-          <a:ln w="12700">
-            <a:solidFill>
-              <a:schemeClr val="tx1"/>
-            </a:solidFill>
-          </a:ln>
-        </p:spPr>
-        <p:style>
-          <a:lnRef idx="1">
-            <a:schemeClr val="accent1"/>
-          </a:lnRef>
-          <a:fillRef idx="0">
-            <a:schemeClr val="accent1"/>
-          </a:fillRef>
-          <a:effectRef idx="0">
-            <a:schemeClr val="accent1"/>
-          </a:effectRef>
-          <a:fontRef idx="minor">
-            <a:schemeClr val="tx1"/>
-          </a:fontRef>
-        </p:style>
-      </p:cxnSp>
-      <p:sp>
-        <p:nvSpPr>
-          <p:cNvPr id="179" name="Rectángulo 178" descr="Nodo de segundo nivel"/>
-          <p:cNvSpPr/>
-          <p:nvPr/>
-        </p:nvSpPr>
-        <p:spPr>
-          <a:xfrm>
-            <a:off x="6840822" y="2002217"/>
-            <a:ext cx="1383471" cy="636208"/>
-          </a:xfrm>
-          <a:prstGeom prst="rect">
-            <a:avLst/>
-          </a:prstGeom>
-          <a:solidFill>
-            <a:schemeClr val="bg2">
-              <a:lumMod val="50000"/>
-            </a:schemeClr>
-          </a:solidFill>
-          <a:ln>
-            <a:solidFill>
-              <a:schemeClr val="tx1"/>
-            </a:solidFill>
-          </a:ln>
-        </p:spPr>
-        <p:style>
-          <a:lnRef idx="2">
-            <a:schemeClr val="accent6"/>
-          </a:lnRef>
-          <a:fillRef idx="1">
-            <a:schemeClr val="lt1"/>
-          </a:fillRef>
-          <a:effectRef idx="0">
-            <a:schemeClr val="accent6"/>
-          </a:effectRef>
-          <a:fontRef idx="minor">
-            <a:schemeClr val="dk1"/>
-          </a:fontRef>
-        </p:style>
-        <p:txBody>
-          <a:bodyPr rtlCol="0" anchor="ctr"/>
-          <a:lstStyle/>
-          <a:p>
-            <a:pPr algn="ctr"/>
-            <a:r>
-              <a:rPr lang="es-ES" sz="1050" dirty="0">
-                <a:solidFill>
-                  <a:schemeClr val="tx1"/>
-                </a:solidFill>
-                <a:latin typeface="Arial" panose="020B0604020202020204" pitchFamily="34" charset="0"/>
-                <a:cs typeface="Arial" panose="020B0604020202020204" pitchFamily="34" charset="0"/>
-              </a:rPr>
-              <a:t>matemáticas, economía, ciencias, otros campos  y  la vida cotidiana      </a:t>
-            </a:r>
-          </a:p>
-        </p:txBody>
-      </p:sp>
-      <p:cxnSp>
-        <p:nvCxnSpPr>
-          <p:cNvPr id="181" name="Conector angular 180"/>
-          <p:cNvCxnSpPr>
-            <a:stCxn id="179" idx="0"/>
-            <a:endCxn id="174" idx="2"/>
-          </p:cNvCxnSpPr>
-          <p:nvPr/>
-        </p:nvCxnSpPr>
-        <p:spPr>
-          <a:xfrm rot="16200000" flipV="1">
-            <a:off x="7472743" y="1942402"/>
-            <a:ext cx="115367" cy="4264"/>
-          </a:xfrm>
-          <a:prstGeom prst="bentConnector3">
-            <a:avLst>
-              <a:gd name="adj1" fmla="val 50000"/>
-            </a:avLst>
-          </a:prstGeom>
-          <a:ln w="12700">
-            <a:solidFill>
-              <a:schemeClr val="tx1"/>
-            </a:solidFill>
-          </a:ln>
-        </p:spPr>
-        <p:style>
-          <a:lnRef idx="1">
-            <a:schemeClr val="accent1"/>
-          </a:lnRef>
-          <a:fillRef idx="0">
-            <a:schemeClr val="accent1"/>
-          </a:fillRef>
-          <a:effectRef idx="0">
-            <a:schemeClr val="accent1"/>
-          </a:effectRef>
-          <a:fontRef idx="minor">
-            <a:schemeClr val="tx1"/>
-          </a:fontRef>
-        </p:style>
-      </p:cxnSp>
-      <p:sp>
-        <p:nvSpPr>
-          <p:cNvPr id="184" name="CuadroTexto 183" descr="Conector entre nodos"/>
-          <p:cNvSpPr txBox="1"/>
-          <p:nvPr/>
-        </p:nvSpPr>
-        <p:spPr>
-          <a:xfrm>
-            <a:off x="1490783" y="4520373"/>
-            <a:ext cx="1117174" cy="230832"/>
-          </a:xfrm>
-          <a:prstGeom prst="rect">
-            <a:avLst/>
-          </a:prstGeom>
-          <a:noFill/>
-        </p:spPr>
-        <p:txBody>
-          <a:bodyPr wrap="square" rtlCol="0">
-            <a:spAutoFit/>
-          </a:bodyPr>
-          <a:lstStyle/>
-          <a:p>
-            <a:pPr algn="ctr"/>
-            <a:r>
-              <a:rPr lang="es-ES" sz="900" dirty="0">
+              <a:rPr lang="es-ES" sz="900" dirty="0" smtClean="0">
                 <a:latin typeface="Arial" panose="020B0604020202020204" pitchFamily="34" charset="0"/>
                 <a:cs typeface="Arial" panose="020B0604020202020204" pitchFamily="34" charset="0"/>
               </a:rPr>
               <a:t>ejemplos </a:t>
             </a:r>
+            <a:endParaRPr lang="es-ES" sz="900" dirty="0">
+              <a:latin typeface="Arial" panose="020B0604020202020204" pitchFamily="34" charset="0"/>
+              <a:cs typeface="Arial" panose="020B0604020202020204" pitchFamily="34" charset="0"/>
+            </a:endParaRPr>
           </a:p>
         </p:txBody>
       </p:sp>
@@ -5024,15 +4642,22 @@
           <a:p>
             <a:pPr algn="ctr"/>
             <a:r>
-              <a:rPr lang="es-ES" sz="900" dirty="0">
+              <a:rPr lang="es-ES" sz="900" dirty="0" smtClean="0">
                 <a:solidFill>
                   <a:schemeClr val="tx1"/>
                 </a:solidFill>
                 <a:latin typeface="Arial" panose="020B0604020202020204" pitchFamily="34" charset="0"/>
                 <a:cs typeface="Arial" panose="020B0604020202020204" pitchFamily="34" charset="0"/>
               </a:rPr>
-              <a:t>jugar la lotería  </a:t>
-            </a:r>
+              <a:t>Jugar la lotería  </a:t>
+            </a:r>
+            <a:endParaRPr lang="es-ES" sz="900" dirty="0">
+              <a:solidFill>
+                <a:schemeClr val="tx1"/>
+              </a:solidFill>
+              <a:latin typeface="Arial" panose="020B0604020202020204" pitchFamily="34" charset="0"/>
+              <a:cs typeface="Arial" panose="020B0604020202020204" pitchFamily="34" charset="0"/>
+            </a:endParaRPr>
           </a:p>
         </p:txBody>
       </p:sp>
@@ -5126,10 +4751,20 @@
                 <a:latin typeface="Arial" panose="020B0604020202020204" pitchFamily="34" charset="0"/>
                 <a:cs typeface="Arial" panose="020B0604020202020204" pitchFamily="34" charset="0"/>
               </a:rPr>
-              <a:t>el espacio </a:t>
-            </a:r>
-            <a:r>
-              <a:rPr lang="es-ES" sz="900" dirty="0" err="1">
+              <a:t>e</a:t>
+            </a:r>
+            <a:r>
+              <a:rPr lang="es-ES" sz="900" dirty="0" smtClean="0">
+                <a:solidFill>
+                  <a:schemeClr val="tx1"/>
+                </a:solidFill>
+                <a:latin typeface="Arial" panose="020B0604020202020204" pitchFamily="34" charset="0"/>
+                <a:cs typeface="Arial" panose="020B0604020202020204" pitchFamily="34" charset="0"/>
+              </a:rPr>
+              <a:t>l espacio </a:t>
+            </a:r>
+            <a:r>
+              <a:rPr lang="es-ES" sz="900" dirty="0" err="1" smtClean="0">
                 <a:solidFill>
                   <a:schemeClr val="tx1"/>
                 </a:solidFill>
@@ -5139,7 +4774,7 @@
               <a:t>muestral</a:t>
             </a:r>
             <a:r>
-              <a:rPr lang="es-ES" sz="900" dirty="0">
+              <a:rPr lang="es-ES" sz="900" dirty="0" smtClean="0">
                 <a:solidFill>
                   <a:schemeClr val="tx1"/>
                 </a:solidFill>
@@ -5148,6 +4783,13 @@
               </a:rPr>
               <a:t>   </a:t>
             </a:r>
+            <a:endParaRPr lang="es-ES" sz="900" dirty="0">
+              <a:solidFill>
+                <a:schemeClr val="tx1"/>
+              </a:solidFill>
+              <a:latin typeface="Arial" panose="020B0604020202020204" pitchFamily="34" charset="0"/>
+              <a:cs typeface="Arial" panose="020B0604020202020204" pitchFamily="34" charset="0"/>
+            </a:endParaRPr>
           </a:p>
         </p:txBody>
       </p:sp>
@@ -5175,12 +4817,16 @@
           <a:p>
             <a:pPr algn="ctr"/>
             <a:r>
-              <a:rPr lang="es-ES" sz="900" dirty="0">
+              <a:rPr lang="es-ES" sz="900" dirty="0" smtClean="0">
                 <a:latin typeface="Arial" panose="020B0604020202020204" pitchFamily="34" charset="0"/>
                 <a:cs typeface="Arial" panose="020B0604020202020204" pitchFamily="34" charset="0"/>
               </a:rPr>
               <a:t>son todos  los  </a:t>
             </a:r>
+            <a:endParaRPr lang="es-ES" sz="900" dirty="0">
+              <a:latin typeface="Arial" panose="020B0604020202020204" pitchFamily="34" charset="0"/>
+              <a:cs typeface="Arial" panose="020B0604020202020204" pitchFamily="34" charset="0"/>
+            </a:endParaRPr>
           </a:p>
         </p:txBody>
       </p:sp>
@@ -5267,7 +4913,7 @@
           <a:p>
             <a:pPr algn="ctr"/>
             <a:r>
-              <a:rPr lang="es-ES" sz="900" dirty="0">
+              <a:rPr lang="es-ES" sz="900" dirty="0" smtClean="0">
                 <a:solidFill>
                   <a:schemeClr val="tx1"/>
                 </a:solidFill>
@@ -5277,7 +4923,7 @@
               <a:t>posibles resultados </a:t>
             </a:r>
             <a:r>
-              <a:rPr lang="es-ES" sz="900" b="1" dirty="0">
+              <a:rPr lang="es-ES" sz="900" b="1" dirty="0" smtClean="0">
                 <a:solidFill>
                   <a:schemeClr val="tx1"/>
                 </a:solidFill>
@@ -5287,7 +4933,7 @@
               <a:t>S</a:t>
             </a:r>
             <a:r>
-              <a:rPr lang="es-ES" sz="900" dirty="0">
+              <a:rPr lang="es-ES" sz="900" dirty="0" smtClean="0">
                 <a:solidFill>
                   <a:schemeClr val="tx1"/>
                 </a:solidFill>
@@ -5296,6 +4942,13 @@
               </a:rPr>
               <a:t> </a:t>
             </a:r>
+            <a:endParaRPr lang="es-ES" sz="900" dirty="0">
+              <a:solidFill>
+                <a:schemeClr val="tx1"/>
+              </a:solidFill>
+              <a:latin typeface="Arial" panose="020B0604020202020204" pitchFamily="34" charset="0"/>
+              <a:cs typeface="Arial" panose="020B0604020202020204" pitchFamily="34" charset="0"/>
+            </a:endParaRPr>
           </a:p>
         </p:txBody>
       </p:sp>
@@ -5350,8 +5003,8 @@
         </p:nvCxnSpPr>
         <p:spPr>
           <a:xfrm rot="5400000">
-            <a:off x="4138142" y="5273398"/>
-            <a:ext cx="159530" cy="828032"/>
+            <a:off x="4148497" y="5263043"/>
+            <a:ext cx="138821" cy="828032"/>
           </a:xfrm>
           <a:prstGeom prst="bentConnector3">
             <a:avLst>
@@ -5381,14 +5034,51 @@
       </p:cxnSp>
       <p:sp>
         <p:nvSpPr>
+          <p:cNvPr id="236" name="CuadroTexto 235" descr="Conector entre nodos"/>
+          <p:cNvSpPr txBox="1"/>
+          <p:nvPr/>
+        </p:nvSpPr>
+        <p:spPr>
+          <a:xfrm>
+            <a:off x="4103228" y="6285598"/>
+            <a:ext cx="1120084" cy="230832"/>
+          </a:xfrm>
+          <a:prstGeom prst="rect">
+            <a:avLst/>
+          </a:prstGeom>
+          <a:noFill/>
+        </p:spPr>
+        <p:txBody>
+          <a:bodyPr wrap="square" rtlCol="0">
+            <a:spAutoFit/>
+          </a:bodyPr>
+          <a:lstStyle/>
+          <a:p>
+            <a:pPr algn="ctr"/>
+            <a:r>
+              <a:rPr lang="es-ES" sz="900" dirty="0" smtClean="0">
+                <a:latin typeface="Arial" panose="020B0604020202020204" pitchFamily="34" charset="0"/>
+                <a:cs typeface="Arial" panose="020B0604020202020204" pitchFamily="34" charset="0"/>
+              </a:rPr>
+              <a:t>  </a:t>
+            </a:r>
+            <a:endParaRPr lang="es-ES" sz="900" dirty="0">
+              <a:latin typeface="Arial" panose="020B0604020202020204" pitchFamily="34" charset="0"/>
+              <a:cs typeface="Arial" panose="020B0604020202020204" pitchFamily="34" charset="0"/>
+            </a:endParaRPr>
+          </a:p>
+        </p:txBody>
+      </p:sp>
+      <p:sp>
+        <p:nvSpPr>
           <p:cNvPr id="240" name="Rectángulo 239" descr="Nodo de séptimo nivel"/>
           <p:cNvSpPr/>
           <p:nvPr/>
         </p:nvSpPr>
         <p:spPr>
           <a:xfrm>
-            <a:off x="3244427" y="5767179"/>
-            <a:ext cx="1118927" cy="533712"/>
+            <a:off x="3244427" y="5746470"/>
+            <a:ext cx="1118927" cy="353519"/>
           </a:xfrm>
           <a:prstGeom prst="rect">
             <a:avLst/>
@@ -5429,8 +5119,25 @@
                 <a:latin typeface="Arial" panose="020B0604020202020204" pitchFamily="34" charset="0"/>
                 <a:cs typeface="Arial" panose="020B0604020202020204" pitchFamily="34" charset="0"/>
               </a:rPr>
-              <a:t> suceso </a:t>
-            </a:r>
+              <a:t> </a:t>
+            </a:r>
+            <a:r>
+              <a:rPr lang="es-ES" sz="900" dirty="0" smtClean="0">
+                <a:solidFill>
+                  <a:schemeClr val="tx1"/>
+                </a:solidFill>
+                <a:latin typeface="Arial" panose="020B0604020202020204" pitchFamily="34" charset="0"/>
+                <a:cs typeface="Arial" panose="020B0604020202020204" pitchFamily="34" charset="0"/>
+              </a:rPr>
+              <a:t>suceso </a:t>
+            </a:r>
+            <a:endParaRPr lang="es-ES" sz="900" dirty="0">
+              <a:solidFill>
+                <a:schemeClr val="tx1"/>
+              </a:solidFill>
+              <a:latin typeface="Arial" panose="020B0604020202020204" pitchFamily="34" charset="0"/>
+              <a:cs typeface="Arial" panose="020B0604020202020204" pitchFamily="34" charset="0"/>
+            </a:endParaRPr>
           </a:p>
         </p:txBody>
       </p:sp>
@@ -5442,7 +5149,7 @@
         </p:nvSpPr>
         <p:spPr>
           <a:xfrm>
-            <a:off x="3242487" y="6411668"/>
+            <a:off x="3242487" y="6277193"/>
             <a:ext cx="1120084" cy="230832"/>
           </a:xfrm>
           <a:prstGeom prst="rect">
@@ -5462,8 +5169,19 @@
                 <a:latin typeface="Arial" panose="020B0604020202020204" pitchFamily="34" charset="0"/>
                 <a:cs typeface="Arial" panose="020B0604020202020204" pitchFamily="34" charset="0"/>
               </a:rPr>
-              <a:t>se caracteriza por     </a:t>
-            </a:r>
+              <a:t>s</a:t>
+            </a:r>
+            <a:r>
+              <a:rPr lang="es-ES" sz="900" dirty="0" smtClean="0">
+                <a:latin typeface="Arial" panose="020B0604020202020204" pitchFamily="34" charset="0"/>
+                <a:cs typeface="Arial" panose="020B0604020202020204" pitchFamily="34" charset="0"/>
+              </a:rPr>
+              <a:t>e caracteriza por     </a:t>
+            </a:r>
+            <a:endParaRPr lang="es-ES" sz="900" dirty="0">
+              <a:latin typeface="Arial" panose="020B0604020202020204" pitchFamily="34" charset="0"/>
+              <a:cs typeface="Arial" panose="020B0604020202020204" pitchFamily="34" charset="0"/>
+            </a:endParaRPr>
           </a:p>
         </p:txBody>
       </p:sp>
@@ -5478,8 +5196,8 @@
         </p:nvCxnSpPr>
         <p:spPr>
           <a:xfrm rot="5400000" flipH="1" flipV="1">
-            <a:off x="3747822" y="6355599"/>
-            <a:ext cx="110777" cy="1362"/>
+            <a:off x="3714608" y="6187910"/>
+            <a:ext cx="177204" cy="1362"/>
           </a:xfrm>
           <a:prstGeom prst="bentConnector3">
             <a:avLst>
@@ -5515,8 +5233,8 @@
         </p:nvSpPr>
         <p:spPr>
           <a:xfrm>
-            <a:off x="213287" y="6828746"/>
-            <a:ext cx="1118927" cy="932372"/>
+            <a:off x="213287" y="6658411"/>
+            <a:ext cx="1118927" cy="353519"/>
           </a:xfrm>
           <a:prstGeom prst="rect">
             <a:avLst/>
@@ -5550,7 +5268,7 @@
           <a:p>
             <a:pPr algn="ctr"/>
             <a:r>
-              <a:rPr lang="es-ES" sz="900" dirty="0">
+              <a:rPr lang="es-ES" sz="900" dirty="0" smtClean="0">
                 <a:solidFill>
                   <a:schemeClr val="tx1"/>
                 </a:solidFill>
@@ -5560,7 +5278,7 @@
               <a:t>ser subconjunto espacio </a:t>
             </a:r>
             <a:r>
-              <a:rPr lang="es-ES" sz="900" dirty="0" err="1">
+              <a:rPr lang="es-ES" sz="900" dirty="0" err="1" smtClean="0">
                 <a:solidFill>
                   <a:schemeClr val="tx1"/>
                 </a:solidFill>
@@ -5570,7 +5288,7 @@
               <a:t>muestral</a:t>
             </a:r>
             <a:r>
-              <a:rPr lang="es-ES" sz="900" dirty="0">
+              <a:rPr lang="es-ES" sz="900" dirty="0" smtClean="0">
                 <a:solidFill>
                   <a:schemeClr val="tx1"/>
                 </a:solidFill>
@@ -5579,6 +5297,13 @@
               </a:rPr>
               <a:t>  </a:t>
             </a:r>
+            <a:endParaRPr lang="es-ES" sz="900" dirty="0">
+              <a:solidFill>
+                <a:schemeClr val="tx1"/>
+              </a:solidFill>
+              <a:latin typeface="Arial" panose="020B0604020202020204" pitchFamily="34" charset="0"/>
+              <a:cs typeface="Arial" panose="020B0604020202020204" pitchFamily="34" charset="0"/>
+            </a:endParaRPr>
           </a:p>
         </p:txBody>
       </p:sp>
@@ -5587,12 +5312,13 @@
           <p:cNvPr id="250" name="Conector angular 249"/>
           <p:cNvCxnSpPr>
             <a:stCxn id="249" idx="0"/>
+            <a:endCxn id="246" idx="2"/>
           </p:cNvCxnSpPr>
           <p:nvPr/>
         </p:nvCxnSpPr>
         <p:spPr>
           <a:xfrm rot="5400000" flipH="1" flipV="1">
-            <a:off x="2212447" y="5238664"/>
+            <a:off x="2212447" y="5068329"/>
             <a:ext cx="150386" cy="3029778"/>
           </a:xfrm>
           <a:prstGeom prst="bentConnector3">
@@ -5629,7 +5355,7 @@
         </p:nvSpPr>
         <p:spPr>
           <a:xfrm>
-            <a:off x="1601101" y="6835226"/>
+            <a:off x="1601101" y="6664891"/>
             <a:ext cx="1118927" cy="932384"/>
           </a:xfrm>
           <a:prstGeom prst="rect">
@@ -5671,8 +5397,25 @@
                 <a:latin typeface="Arial" panose="020B0604020202020204" pitchFamily="34" charset="0"/>
                 <a:cs typeface="Arial" panose="020B0604020202020204" pitchFamily="34" charset="0"/>
               </a:rPr>
-              <a:t>ser simples, compuestos, seguros, imposibles  compatibles , incompatible   </a:t>
-            </a:r>
+              <a:t>s</a:t>
+            </a:r>
+            <a:r>
+              <a:rPr lang="es-ES" sz="900" dirty="0" smtClean="0">
+                <a:solidFill>
+                  <a:schemeClr val="tx1"/>
+                </a:solidFill>
+                <a:latin typeface="Arial" panose="020B0604020202020204" pitchFamily="34" charset="0"/>
+                <a:cs typeface="Arial" panose="020B0604020202020204" pitchFamily="34" charset="0"/>
+              </a:rPr>
+              <a:t>er simples, compuestos, seguros, imposibles  compatibles , incompatible   </a:t>
+            </a:r>
+            <a:endParaRPr lang="es-ES" sz="900" dirty="0">
+              <a:solidFill>
+                <a:schemeClr val="tx1"/>
+              </a:solidFill>
+              <a:latin typeface="Arial" panose="020B0604020202020204" pitchFamily="34" charset="0"/>
+              <a:cs typeface="Arial" panose="020B0604020202020204" pitchFamily="34" charset="0"/>
+            </a:endParaRPr>
           </a:p>
         </p:txBody>
       </p:sp>
@@ -5681,12 +5424,13 @@
           <p:cNvPr id="253" name="Conector angular 252"/>
           <p:cNvCxnSpPr>
             <a:stCxn id="252" idx="0"/>
+            <a:endCxn id="246" idx="2"/>
           </p:cNvCxnSpPr>
           <p:nvPr/>
         </p:nvCxnSpPr>
         <p:spPr>
           <a:xfrm rot="5400000" flipH="1" flipV="1">
-            <a:off x="2903114" y="5935811"/>
+            <a:off x="2903114" y="5765476"/>
             <a:ext cx="156866" cy="1641964"/>
           </a:xfrm>
           <a:prstGeom prst="bentConnector3">
@@ -5723,7 +5467,7 @@
         </p:nvSpPr>
         <p:spPr>
           <a:xfrm>
-            <a:off x="2881922" y="6831978"/>
+            <a:off x="2881922" y="6661643"/>
             <a:ext cx="1118927" cy="932384"/>
           </a:xfrm>
           <a:prstGeom prst="rect">
@@ -5758,7 +5502,7 @@
           <a:p>
             <a:pPr algn="ctr"/>
             <a:r>
-              <a:rPr lang="es-ES" sz="900" dirty="0">
+              <a:rPr lang="es-ES" sz="900" dirty="0" smtClean="0">
                 <a:solidFill>
                   <a:schemeClr val="tx1"/>
                 </a:solidFill>
@@ -5767,6 +5511,13 @@
               </a:rPr>
               <a:t>definir   operaciones como: unión, intersección, diferencia, contrario  </a:t>
             </a:r>
+            <a:endParaRPr lang="es-ES" sz="900" dirty="0">
+              <a:solidFill>
+                <a:schemeClr val="tx1"/>
+              </a:solidFill>
+              <a:latin typeface="Arial" panose="020B0604020202020204" pitchFamily="34" charset="0"/>
+              <a:cs typeface="Arial" panose="020B0604020202020204" pitchFamily="34" charset="0"/>
+            </a:endParaRPr>
           </a:p>
         </p:txBody>
       </p:sp>
@@ -5775,12 +5526,13 @@
           <p:cNvPr id="260" name="Conector angular 259"/>
           <p:cNvCxnSpPr>
             <a:stCxn id="259" idx="0"/>
+            <a:endCxn id="246" idx="2"/>
           </p:cNvCxnSpPr>
           <p:nvPr/>
         </p:nvCxnSpPr>
         <p:spPr>
           <a:xfrm rot="5400000" flipH="1" flipV="1">
-            <a:off x="3545148" y="6574598"/>
+            <a:off x="3545148" y="6404263"/>
             <a:ext cx="153618" cy="361143"/>
           </a:xfrm>
           <a:prstGeom prst="bentConnector3">
@@ -5817,7 +5569,7 @@
         </p:nvSpPr>
         <p:spPr>
           <a:xfrm>
-            <a:off x="4153003" y="6828734"/>
+            <a:off x="4153003" y="6658399"/>
             <a:ext cx="1118927" cy="932384"/>
           </a:xfrm>
           <a:prstGeom prst="rect">
@@ -5859,8 +5611,25 @@
                 <a:latin typeface="Arial" panose="020B0604020202020204" pitchFamily="34" charset="0"/>
                 <a:cs typeface="Arial" panose="020B0604020202020204" pitchFamily="34" charset="0"/>
               </a:rPr>
-              <a:t>tener frecuencia absoluta y relativa  </a:t>
-            </a:r>
+              <a:t>t</a:t>
+            </a:r>
+            <a:r>
+              <a:rPr lang="es-ES" sz="900" dirty="0" smtClean="0">
+                <a:solidFill>
+                  <a:schemeClr val="tx1"/>
+                </a:solidFill>
+                <a:latin typeface="Arial" panose="020B0604020202020204" pitchFamily="34" charset="0"/>
+                <a:cs typeface="Arial" panose="020B0604020202020204" pitchFamily="34" charset="0"/>
+              </a:rPr>
+              <a:t>ener frecuencia absoluta y relativa  </a:t>
+            </a:r>
+            <a:endParaRPr lang="es-ES" sz="900" dirty="0">
+              <a:solidFill>
+                <a:schemeClr val="tx1"/>
+              </a:solidFill>
+              <a:latin typeface="Arial" panose="020B0604020202020204" pitchFamily="34" charset="0"/>
+              <a:cs typeface="Arial" panose="020B0604020202020204" pitchFamily="34" charset="0"/>
+            </a:endParaRPr>
           </a:p>
         </p:txBody>
       </p:sp>
@@ -5869,12 +5638,13 @@
           <p:cNvPr id="263" name="Conector angular 262"/>
           <p:cNvCxnSpPr>
             <a:stCxn id="262" idx="0"/>
+            <a:endCxn id="246" idx="2"/>
           </p:cNvCxnSpPr>
           <p:nvPr/>
         </p:nvCxnSpPr>
         <p:spPr>
           <a:xfrm rot="16200000" flipV="1">
-            <a:off x="4182311" y="6298578"/>
+            <a:off x="4182311" y="6128243"/>
             <a:ext cx="150374" cy="909938"/>
           </a:xfrm>
           <a:prstGeom prst="bentConnector3">
@@ -5911,7 +5681,7 @@
         </p:nvSpPr>
         <p:spPr>
           <a:xfrm>
-            <a:off x="5385178" y="6835214"/>
+            <a:off x="5385178" y="6664879"/>
             <a:ext cx="1118927" cy="932384"/>
           </a:xfrm>
           <a:prstGeom prst="rect">
@@ -5953,8 +5723,25 @@
                 <a:latin typeface="Arial" panose="020B0604020202020204" pitchFamily="34" charset="0"/>
                 <a:cs typeface="Arial" panose="020B0604020202020204" pitchFamily="34" charset="0"/>
               </a:rPr>
-              <a:t>se puede encontrar la probabilidad   </a:t>
-            </a:r>
+              <a:t>se puede encontrar la probabilidad </a:t>
+            </a:r>
+            <a:r>
+              <a:rPr lang="es-ES" sz="900" dirty="0" smtClean="0">
+                <a:solidFill>
+                  <a:schemeClr val="tx1"/>
+                </a:solidFill>
+                <a:latin typeface="Arial" panose="020B0604020202020204" pitchFamily="34" charset="0"/>
+                <a:cs typeface="Arial" panose="020B0604020202020204" pitchFamily="34" charset="0"/>
+              </a:rPr>
+              <a:t>  </a:t>
+            </a:r>
+            <a:endParaRPr lang="es-ES" sz="900" dirty="0">
+              <a:solidFill>
+                <a:schemeClr val="tx1"/>
+              </a:solidFill>
+              <a:latin typeface="Arial" panose="020B0604020202020204" pitchFamily="34" charset="0"/>
+              <a:cs typeface="Arial" panose="020B0604020202020204" pitchFamily="34" charset="0"/>
+            </a:endParaRPr>
           </a:p>
         </p:txBody>
       </p:sp>
@@ -5963,12 +5750,13 @@
           <p:cNvPr id="277" name="Conector angular 276"/>
           <p:cNvCxnSpPr>
             <a:stCxn id="276" idx="0"/>
+            <a:endCxn id="246" idx="2"/>
           </p:cNvCxnSpPr>
           <p:nvPr/>
         </p:nvCxnSpPr>
         <p:spPr>
           <a:xfrm rot="16200000" flipV="1">
-            <a:off x="4795159" y="5685730"/>
+            <a:off x="4795159" y="5515395"/>
             <a:ext cx="156854" cy="2142113"/>
           </a:xfrm>
           <a:prstGeom prst="bentConnector3">
@@ -6047,8 +5835,25 @@
                 <a:latin typeface="Arial" panose="020B0604020202020204" pitchFamily="34" charset="0"/>
                 <a:cs typeface="Arial" panose="020B0604020202020204" pitchFamily="34" charset="0"/>
               </a:rPr>
-              <a:t> se definen  propiedades de la probabilidad   </a:t>
-            </a:r>
+              <a:t> </a:t>
+            </a:r>
+            <a:r>
+              <a:rPr lang="es-ES" sz="900" dirty="0" smtClean="0">
+                <a:solidFill>
+                  <a:schemeClr val="tx1"/>
+                </a:solidFill>
+                <a:latin typeface="Arial" panose="020B0604020202020204" pitchFamily="34" charset="0"/>
+                <a:cs typeface="Arial" panose="020B0604020202020204" pitchFamily="34" charset="0"/>
+              </a:rPr>
+              <a:t>se definen  propiedades de la probabilidad   </a:t>
+            </a:r>
+            <a:endParaRPr lang="es-ES" sz="900" dirty="0">
+              <a:solidFill>
+                <a:schemeClr val="tx1"/>
+              </a:solidFill>
+              <a:latin typeface="Arial" panose="020B0604020202020204" pitchFamily="34" charset="0"/>
+              <a:cs typeface="Arial" panose="020B0604020202020204" pitchFamily="34" charset="0"/>
+            </a:endParaRPr>
           </a:p>
         </p:txBody>
       </p:sp>
@@ -6142,8 +5947,25 @@
                 <a:latin typeface="Arial" panose="020B0604020202020204" pitchFamily="34" charset="0"/>
                 <a:cs typeface="Arial" panose="020B0604020202020204" pitchFamily="34" charset="0"/>
               </a:rPr>
-              <a:t>ser simple   </a:t>
-            </a:r>
+              <a:t>s</a:t>
+            </a:r>
+            <a:r>
+              <a:rPr lang="es-ES" sz="900" dirty="0" smtClean="0">
+                <a:solidFill>
+                  <a:schemeClr val="tx1"/>
+                </a:solidFill>
+                <a:latin typeface="Arial" panose="020B0604020202020204" pitchFamily="34" charset="0"/>
+                <a:cs typeface="Arial" panose="020B0604020202020204" pitchFamily="34" charset="0"/>
+              </a:rPr>
+              <a:t>er simple   </a:t>
+            </a:r>
+            <a:endParaRPr lang="es-ES" sz="900" dirty="0">
+              <a:solidFill>
+                <a:schemeClr val="tx1"/>
+              </a:solidFill>
+              <a:latin typeface="Arial" panose="020B0604020202020204" pitchFamily="34" charset="0"/>
+              <a:cs typeface="Arial" panose="020B0604020202020204" pitchFamily="34" charset="0"/>
+            </a:endParaRPr>
           </a:p>
         </p:txBody>
       </p:sp>
@@ -6155,7 +5977,7 @@
         </p:nvSpPr>
         <p:spPr>
           <a:xfrm>
-            <a:off x="7693345" y="3844470"/>
+            <a:off x="7083741" y="3844470"/>
             <a:ext cx="1167091" cy="494314"/>
           </a:xfrm>
           <a:prstGeom prst="rect">
@@ -6197,8 +6019,25 @@
                 <a:latin typeface="Arial" panose="020B0604020202020204" pitchFamily="34" charset="0"/>
                 <a:cs typeface="Arial" panose="020B0604020202020204" pitchFamily="34" charset="0"/>
               </a:rPr>
-              <a:t>ser compuesto    </a:t>
-            </a:r>
+              <a:t>s</a:t>
+            </a:r>
+            <a:r>
+              <a:rPr lang="es-ES" sz="900" dirty="0" smtClean="0">
+                <a:solidFill>
+                  <a:schemeClr val="tx1"/>
+                </a:solidFill>
+                <a:latin typeface="Arial" panose="020B0604020202020204" pitchFamily="34" charset="0"/>
+                <a:cs typeface="Arial" panose="020B0604020202020204" pitchFamily="34" charset="0"/>
+              </a:rPr>
+              <a:t>er compuesto    </a:t>
+            </a:r>
+            <a:endParaRPr lang="es-ES" sz="900" dirty="0">
+              <a:solidFill>
+                <a:schemeClr val="tx1"/>
+              </a:solidFill>
+              <a:latin typeface="Arial" panose="020B0604020202020204" pitchFamily="34" charset="0"/>
+              <a:cs typeface="Arial" panose="020B0604020202020204" pitchFamily="34" charset="0"/>
+            </a:endParaRPr>
           </a:p>
         </p:txBody>
       </p:sp>
@@ -6213,8 +6052,8 @@
         </p:nvCxnSpPr>
         <p:spPr>
           <a:xfrm rot="16200000" flipH="1">
-            <a:off x="4806918" y="2341743"/>
-            <a:ext cx="139686" cy="2871609"/>
+            <a:off x="5651264" y="3186088"/>
+            <a:ext cx="242131" cy="1080473"/>
           </a:xfrm>
           <a:prstGeom prst="bentConnector3">
             <a:avLst>
@@ -6253,8 +6092,8 @@
         </p:nvCxnSpPr>
         <p:spPr>
           <a:xfrm rot="16200000" flipH="1">
-            <a:off x="5790542" y="1358120"/>
-            <a:ext cx="136765" cy="4835934"/>
+            <a:off x="6330085" y="2507268"/>
+            <a:ext cx="239210" cy="2435194"/>
           </a:xfrm>
           <a:prstGeom prst="bentConnector3">
             <a:avLst>
@@ -6290,7 +6129,7 @@
         </p:nvSpPr>
         <p:spPr>
           <a:xfrm>
-            <a:off x="7725779" y="4456578"/>
+            <a:off x="7116175" y="4456578"/>
             <a:ext cx="1117174" cy="369332"/>
           </a:xfrm>
           <a:prstGeom prst="rect">
@@ -6306,12 +6145,16 @@
           <a:p>
             <a:pPr algn="ctr"/>
             <a:r>
-              <a:rPr lang="es-ES" sz="900" dirty="0">
+              <a:rPr lang="es-ES" sz="900" dirty="0" smtClean="0">
                 <a:latin typeface="Arial" panose="020B0604020202020204" pitchFamily="34" charset="0"/>
                 <a:cs typeface="Arial" panose="020B0604020202020204" pitchFamily="34" charset="0"/>
               </a:rPr>
               <a:t>cuando se forma por   </a:t>
             </a:r>
+            <a:endParaRPr lang="es-ES" sz="900" dirty="0">
+              <a:latin typeface="Arial" panose="020B0604020202020204" pitchFamily="34" charset="0"/>
+              <a:cs typeface="Arial" panose="020B0604020202020204" pitchFamily="34" charset="0"/>
+            </a:endParaRPr>
           </a:p>
         </p:txBody>
       </p:sp>
@@ -6323,7 +6166,7 @@
         </p:nvSpPr>
         <p:spPr>
           <a:xfrm>
-            <a:off x="7728332" y="4905273"/>
+            <a:off x="7118728" y="4905273"/>
             <a:ext cx="1118927" cy="353519"/>
           </a:xfrm>
           <a:prstGeom prst="rect">
@@ -6365,8 +6208,25 @@
                 <a:latin typeface="Arial" panose="020B0604020202020204" pitchFamily="34" charset="0"/>
                 <a:cs typeface="Arial" panose="020B0604020202020204" pitchFamily="34" charset="0"/>
               </a:rPr>
-              <a:t>dos  o mas simples  </a:t>
-            </a:r>
+              <a:t>d</a:t>
+            </a:r>
+            <a:r>
+              <a:rPr lang="es-ES" sz="900" dirty="0" smtClean="0">
+                <a:solidFill>
+                  <a:schemeClr val="tx1"/>
+                </a:solidFill>
+                <a:latin typeface="Arial" panose="020B0604020202020204" pitchFamily="34" charset="0"/>
+                <a:cs typeface="Arial" panose="020B0604020202020204" pitchFamily="34" charset="0"/>
+              </a:rPr>
+              <a:t>os  o mas simples  </a:t>
+            </a:r>
+            <a:endParaRPr lang="es-ES" sz="900" dirty="0">
+              <a:solidFill>
+                <a:schemeClr val="tx1"/>
+              </a:solidFill>
+              <a:latin typeface="Arial" panose="020B0604020202020204" pitchFamily="34" charset="0"/>
+              <a:cs typeface="Arial" panose="020B0604020202020204" pitchFamily="34" charset="0"/>
+            </a:endParaRPr>
           </a:p>
         </p:txBody>
       </p:sp>
@@ -6381,7 +6241,7 @@
         </p:nvCxnSpPr>
         <p:spPr>
           <a:xfrm rot="16200000" flipH="1">
-            <a:off x="8221731" y="4393943"/>
+            <a:off x="7612127" y="4393943"/>
             <a:ext cx="117794" cy="7475"/>
           </a:xfrm>
           <a:prstGeom prst="bentConnector3">
@@ -6421,7 +6281,7 @@
         </p:nvCxnSpPr>
         <p:spPr>
           <a:xfrm rot="16200000" flipH="1">
-            <a:off x="8246400" y="4863876"/>
+            <a:off x="7636796" y="4863876"/>
             <a:ext cx="79363" cy="3430"/>
           </a:xfrm>
           <a:prstGeom prst="bentConnector3">
@@ -6474,12 +6334,30 @@
           <a:p>
             <a:pPr algn="ctr"/>
             <a:r>
-              <a:rPr lang="es-ES" sz="900" dirty="0">
+              <a:rPr lang="es-ES" sz="900" dirty="0" smtClean="0">
                 <a:latin typeface="Arial" panose="020B0604020202020204" pitchFamily="34" charset="0"/>
                 <a:cs typeface="Arial" panose="020B0604020202020204" pitchFamily="34" charset="0"/>
               </a:rPr>
-              <a:t>cuando se  </a:t>
-            </a:r>
+              <a:t>c</a:t>
+            </a:r>
+            <a:r>
+              <a:rPr lang="es-ES" sz="900" smtClean="0">
+                <a:latin typeface="Arial" panose="020B0604020202020204" pitchFamily="34" charset="0"/>
+                <a:cs typeface="Arial" panose="020B0604020202020204" pitchFamily="34" charset="0"/>
+              </a:rPr>
+              <a:t>uando </a:t>
+            </a:r>
+            <a:r>
+              <a:rPr lang="es-ES" sz="900" dirty="0" smtClean="0">
+                <a:latin typeface="Arial" panose="020B0604020202020204" pitchFamily="34" charset="0"/>
+                <a:cs typeface="Arial" panose="020B0604020202020204" pitchFamily="34" charset="0"/>
+              </a:rPr>
+              <a:t>se  </a:t>
+            </a:r>
+            <a:endParaRPr lang="es-ES" sz="900" dirty="0">
+              <a:latin typeface="Arial" panose="020B0604020202020204" pitchFamily="34" charset="0"/>
+              <a:cs typeface="Arial" panose="020B0604020202020204" pitchFamily="34" charset="0"/>
+            </a:endParaRPr>
           </a:p>
         </p:txBody>
       </p:sp>
@@ -6533,8 +6411,25 @@
                 <a:latin typeface="Arial" panose="020B0604020202020204" pitchFamily="34" charset="0"/>
                 <a:cs typeface="Arial" panose="020B0604020202020204" pitchFamily="34" charset="0"/>
               </a:rPr>
-              <a:t>ejecuta solo uno  </a:t>
-            </a:r>
+              <a:t>e</a:t>
+            </a:r>
+            <a:r>
+              <a:rPr lang="es-ES" sz="900" dirty="0" smtClean="0">
+                <a:solidFill>
+                  <a:schemeClr val="tx1"/>
+                </a:solidFill>
+                <a:latin typeface="Arial" panose="020B0604020202020204" pitchFamily="34" charset="0"/>
+                <a:cs typeface="Arial" panose="020B0604020202020204" pitchFamily="34" charset="0"/>
+              </a:rPr>
+              <a:t>jecuta solo uno  </a:t>
+            </a:r>
+            <a:endParaRPr lang="es-ES" sz="900" dirty="0">
+              <a:solidFill>
+                <a:schemeClr val="tx1"/>
+              </a:solidFill>
+              <a:latin typeface="Arial" panose="020B0604020202020204" pitchFamily="34" charset="0"/>
+              <a:cs typeface="Arial" panose="020B0604020202020204" pitchFamily="34" charset="0"/>
+            </a:endParaRPr>
           </a:p>
         </p:txBody>
       </p:sp>
@@ -6642,12 +6537,16 @@
           <a:p>
             <a:pPr algn="ctr"/>
             <a:r>
-              <a:rPr lang="es-ES" sz="900" dirty="0">
+              <a:rPr lang="es-ES" sz="900" dirty="0" smtClean="0">
                 <a:latin typeface="Arial" panose="020B0604020202020204" pitchFamily="34" charset="0"/>
                 <a:cs typeface="Arial" panose="020B0604020202020204" pitchFamily="34" charset="0"/>
               </a:rPr>
               <a:t>ejemplo   </a:t>
             </a:r>
+            <a:endParaRPr lang="es-ES" sz="900" dirty="0">
+              <a:latin typeface="Arial" panose="020B0604020202020204" pitchFamily="34" charset="0"/>
+              <a:cs typeface="Arial" panose="020B0604020202020204" pitchFamily="34" charset="0"/>
+            </a:endParaRPr>
           </a:p>
         </p:txBody>
       </p:sp>
@@ -6659,8 +6558,8 @@
         </p:nvSpPr>
         <p:spPr>
           <a:xfrm>
-            <a:off x="5755509" y="5760888"/>
-            <a:ext cx="1118927" cy="540003"/>
+            <a:off x="5755509" y="5780015"/>
+            <a:ext cx="1118927" cy="531862"/>
           </a:xfrm>
           <a:prstGeom prst="rect">
             <a:avLst/>
@@ -6701,8 +6600,25 @@
                 <a:latin typeface="Arial" panose="020B0604020202020204" pitchFamily="34" charset="0"/>
                 <a:cs typeface="Arial" panose="020B0604020202020204" pitchFamily="34" charset="0"/>
               </a:rPr>
-              <a:t> lanzar una moneda   </a:t>
-            </a:r>
+              <a:t> </a:t>
+            </a:r>
+            <a:r>
+              <a:rPr lang="es-ES" sz="900" dirty="0" smtClean="0">
+                <a:solidFill>
+                  <a:schemeClr val="tx1"/>
+                </a:solidFill>
+                <a:latin typeface="Arial" panose="020B0604020202020204" pitchFamily="34" charset="0"/>
+                <a:cs typeface="Arial" panose="020B0604020202020204" pitchFamily="34" charset="0"/>
+              </a:rPr>
+              <a:t>lanzar una moneda   </a:t>
+            </a:r>
+            <a:endParaRPr lang="es-ES" sz="900" dirty="0">
+              <a:solidFill>
+                <a:schemeClr val="tx1"/>
+              </a:solidFill>
+              <a:latin typeface="Arial" panose="020B0604020202020204" pitchFamily="34" charset="0"/>
+              <a:cs typeface="Arial" panose="020B0604020202020204" pitchFamily="34" charset="0"/>
+            </a:endParaRPr>
           </a:p>
         </p:txBody>
       </p:sp>
@@ -6757,8 +6673,8 @@
         </p:nvCxnSpPr>
         <p:spPr>
           <a:xfrm rot="5400000">
-            <a:off x="6248167" y="5690223"/>
-            <a:ext cx="137471" cy="3858"/>
+            <a:off x="6238603" y="5699787"/>
+            <a:ext cx="156598" cy="3858"/>
           </a:xfrm>
           <a:prstGeom prst="bentConnector3">
             <a:avLst>
@@ -6794,7 +6710,7 @@
         </p:nvSpPr>
         <p:spPr>
           <a:xfrm>
-            <a:off x="7724995" y="5374040"/>
+            <a:off x="7115391" y="5418865"/>
             <a:ext cx="1120084" cy="230832"/>
           </a:xfrm>
           <a:prstGeom prst="rect">
@@ -6810,12 +6726,16 @@
           <a:p>
             <a:pPr algn="ctr"/>
             <a:r>
-              <a:rPr lang="es-ES" sz="900" dirty="0">
+              <a:rPr lang="es-ES" sz="900" dirty="0" smtClean="0">
                 <a:latin typeface="Arial" panose="020B0604020202020204" pitchFamily="34" charset="0"/>
                 <a:cs typeface="Arial" panose="020B0604020202020204" pitchFamily="34" charset="0"/>
               </a:rPr>
               <a:t>donde    </a:t>
             </a:r>
+            <a:endParaRPr lang="es-ES" sz="900" dirty="0">
+              <a:latin typeface="Arial" panose="020B0604020202020204" pitchFamily="34" charset="0"/>
+              <a:cs typeface="Arial" panose="020B0604020202020204" pitchFamily="34" charset="0"/>
+            </a:endParaRPr>
           </a:p>
         </p:txBody>
       </p:sp>
@@ -6862,7 +6782,7 @@
           <a:p>
             <a:pPr algn="ctr"/>
             <a:r>
-              <a:rPr lang="es-ES" sz="900" dirty="0">
+              <a:rPr lang="es-ES" sz="900" dirty="0" smtClean="0">
                 <a:solidFill>
                   <a:schemeClr val="tx1"/>
                 </a:solidFill>
@@ -6871,6 +6791,13 @@
               </a:rPr>
               <a:t>ejemplo lanzar una moneda y posteriormente  lanzar un dado    </a:t>
             </a:r>
+            <a:endParaRPr lang="es-ES" sz="900" dirty="0">
+              <a:solidFill>
+                <a:schemeClr val="tx1"/>
+              </a:solidFill>
+              <a:latin typeface="Arial" panose="020B0604020202020204" pitchFamily="34" charset="0"/>
+              <a:cs typeface="Arial" panose="020B0604020202020204" pitchFamily="34" charset="0"/>
+            </a:endParaRPr>
           </a:p>
         </p:txBody>
       </p:sp>
@@ -6884,9 +6811,9 @@
           <p:nvPr/>
         </p:nvCxnSpPr>
         <p:spPr>
-          <a:xfrm rot="5400000">
-            <a:off x="7891226" y="5394601"/>
-            <a:ext cx="183541" cy="604083"/>
+          <a:xfrm rot="16200000" flipH="1">
+            <a:off x="7608835" y="5716294"/>
+            <a:ext cx="138716" cy="5521"/>
           </a:xfrm>
           <a:prstGeom prst="bentConnector3">
             <a:avLst>
@@ -6925,8 +6852,8 @@
         </p:nvCxnSpPr>
         <p:spPr>
           <a:xfrm rot="5400000">
-            <a:off x="8228793" y="5315037"/>
-            <a:ext cx="115248" cy="2759"/>
+            <a:off x="7596777" y="5337449"/>
+            <a:ext cx="160073" cy="2759"/>
           </a:xfrm>
           <a:prstGeom prst="bentConnector3">
             <a:avLst>
@@ -6959,13 +6886,14 @@
           <p:cNvPr id="83" name="Conector angular 276"/>
           <p:cNvCxnSpPr>
             <a:stCxn id="85" idx="0"/>
+            <a:endCxn id="246" idx="2"/>
           </p:cNvCxnSpPr>
           <p:nvPr/>
         </p:nvCxnSpPr>
         <p:spPr>
           <a:xfrm rot="16200000" flipV="1">
-            <a:off x="5468097" y="5012792"/>
-            <a:ext cx="152070" cy="3483206"/>
+            <a:off x="5468097" y="4842458"/>
+            <a:ext cx="152071" cy="3483206"/>
           </a:xfrm>
           <a:prstGeom prst="bentConnector3">
             <a:avLst>
@@ -7001,8 +6929,8 @@
         </p:nvSpPr>
         <p:spPr>
           <a:xfrm>
-            <a:off x="6726271" y="6830430"/>
-            <a:ext cx="1118927" cy="930687"/>
+            <a:off x="6726271" y="6660096"/>
+            <a:ext cx="1118927" cy="445554"/>
           </a:xfrm>
           <a:prstGeom prst="rect">
             <a:avLst/>
@@ -7036,7 +6964,7 @@
           <a:p>
             <a:pPr algn="ctr"/>
             <a:r>
-              <a:rPr lang="es-ES" sz="900" dirty="0">
+              <a:rPr lang="es-ES" sz="900" dirty="0" smtClean="0">
                 <a:solidFill>
                   <a:schemeClr val="tx1"/>
                 </a:solidFill>
@@ -7045,6 +6973,13 @@
               </a:rPr>
               <a:t>pueden ser dependientes  o independientes  </a:t>
             </a:r>
+            <a:endParaRPr lang="es-ES" sz="900" dirty="0">
+              <a:solidFill>
+                <a:schemeClr val="tx1"/>
+              </a:solidFill>
+              <a:latin typeface="Arial" panose="020B0604020202020204" pitchFamily="34" charset="0"/>
+              <a:cs typeface="Arial" panose="020B0604020202020204" pitchFamily="34" charset="0"/>
+            </a:endParaRPr>
           </a:p>
         </p:txBody>
       </p:sp>
@@ -7059,8 +6994,8 @@
         </p:nvCxnSpPr>
         <p:spPr>
           <a:xfrm rot="16200000" flipH="1">
-            <a:off x="8505587" y="5384321"/>
-            <a:ext cx="174016" cy="615117"/>
+            <a:off x="8223198" y="5101931"/>
+            <a:ext cx="129191" cy="1224721"/>
           </a:xfrm>
           <a:prstGeom prst="bentConnector3">
             <a:avLst>
@@ -7131,15 +7066,22 @@
           <a:p>
             <a:pPr algn="ctr"/>
             <a:r>
-              <a:rPr lang="es-ES" sz="900" dirty="0">
+              <a:rPr lang="es-ES" sz="900" dirty="0" smtClean="0">
                 <a:solidFill>
                   <a:schemeClr val="tx1"/>
                 </a:solidFill>
                 <a:latin typeface="Arial" panose="020B0604020202020204" pitchFamily="34" charset="0"/>
                 <a:cs typeface="Arial" panose="020B0604020202020204" pitchFamily="34" charset="0"/>
               </a:rPr>
-              <a:t>el diagrama de árbol     </a:t>
-            </a:r>
+              <a:t>El diagrama de árbol     </a:t>
+            </a:r>
+            <a:endParaRPr lang="es-ES" sz="900" dirty="0">
+              <a:solidFill>
+                <a:schemeClr val="tx1"/>
+              </a:solidFill>
+              <a:latin typeface="Arial" panose="020B0604020202020204" pitchFamily="34" charset="0"/>
+              <a:cs typeface="Arial" panose="020B0604020202020204" pitchFamily="34" charset="0"/>
+            </a:endParaRPr>
           </a:p>
         </p:txBody>
       </p:sp>
@@ -7167,12 +7109,16 @@
           <a:p>
             <a:pPr algn="ctr"/>
             <a:r>
-              <a:rPr lang="es-ES" sz="900" dirty="0">
+              <a:rPr lang="es-ES" sz="900" dirty="0" smtClean="0">
                 <a:latin typeface="Arial" panose="020B0604020202020204" pitchFamily="34" charset="0"/>
                 <a:cs typeface="Arial" panose="020B0604020202020204" pitchFamily="34" charset="0"/>
               </a:rPr>
               <a:t>es una     </a:t>
             </a:r>
+            <a:endParaRPr lang="es-ES" sz="900" dirty="0">
+              <a:latin typeface="Arial" panose="020B0604020202020204" pitchFamily="34" charset="0"/>
+              <a:cs typeface="Arial" panose="020B0604020202020204" pitchFamily="34" charset="0"/>
+            </a:endParaRPr>
           </a:p>
         </p:txBody>
       </p:sp>
@@ -7219,7 +7165,7 @@
           <a:p>
             <a:pPr algn="ctr"/>
             <a:r>
-              <a:rPr lang="es-ES" sz="900" dirty="0">
+              <a:rPr lang="es-ES" sz="900" dirty="0" smtClean="0">
                 <a:solidFill>
                   <a:schemeClr val="tx1"/>
                 </a:solidFill>
@@ -7228,6 +7174,13 @@
               </a:rPr>
               <a:t>técnica  para encontrar posibles resultados   </a:t>
             </a:r>
+            <a:endParaRPr lang="es-ES" sz="900" dirty="0">
+              <a:solidFill>
+                <a:schemeClr val="tx1"/>
+              </a:solidFill>
+              <a:latin typeface="Arial" panose="020B0604020202020204" pitchFamily="34" charset="0"/>
+              <a:cs typeface="Arial" panose="020B0604020202020204" pitchFamily="34" charset="0"/>
+            </a:endParaRPr>
           </a:p>
         </p:txBody>
       </p:sp>
@@ -7295,6 +7248,70 @@
               <a:schemeClr val="tx1"/>
             </a:solidFill>
           </a:ln>
+        </p:spPr>
+        <p:style>
+          <a:lnRef idx="1">
+            <a:schemeClr val="accent1"/>
+          </a:lnRef>
+          <a:fillRef idx="0">
+            <a:schemeClr val="accent1"/>
+          </a:fillRef>
+          <a:effectRef idx="0">
+            <a:schemeClr val="accent1"/>
+          </a:effectRef>
+          <a:fontRef idx="minor">
+            <a:schemeClr val="tx1"/>
+          </a:fontRef>
+        </p:style>
+      </p:cxnSp>
+      <p:cxnSp>
+        <p:nvCxnSpPr>
+          <p:cNvPr id="17" name="Conector recto 16"/>
+          <p:cNvCxnSpPr>
+            <a:stCxn id="44" idx="2"/>
+          </p:cNvCxnSpPr>
+          <p:nvPr/>
+        </p:nvCxnSpPr>
+        <p:spPr>
+          <a:xfrm flipH="1">
+            <a:off x="5271522" y="1916551"/>
+            <a:ext cx="1" cy="325204"/>
+          </a:xfrm>
+          <a:prstGeom prst="line">
+            <a:avLst/>
+          </a:prstGeom>
+        </p:spPr>
+        <p:style>
+          <a:lnRef idx="1">
+            <a:schemeClr val="accent1"/>
+          </a:lnRef>
+          <a:fillRef idx="0">
+            <a:schemeClr val="accent1"/>
+          </a:fillRef>
+          <a:effectRef idx="0">
+            <a:schemeClr val="accent1"/>
+          </a:effectRef>
+          <a:fontRef idx="minor">
+            <a:schemeClr val="tx1"/>
+          </a:fontRef>
+        </p:style>
+      </p:cxnSp>
+      <p:cxnSp>
+        <p:nvCxnSpPr>
+          <p:cNvPr id="26" name="Conector recto 25"/>
+          <p:cNvCxnSpPr>
+            <a:stCxn id="127" idx="2"/>
+          </p:cNvCxnSpPr>
+          <p:nvPr/>
+        </p:nvCxnSpPr>
+        <p:spPr>
+          <a:xfrm flipH="1">
+            <a:off x="5189815" y="3605260"/>
+            <a:ext cx="42278" cy="111966"/>
+          </a:xfrm>
+          <a:prstGeom prst="line">
+            <a:avLst/>
+          </a:prstGeom>
         </p:spPr>
         <p:style>
           <a:lnRef idx="1">
@@ -7321,6 +7338,13 @@
   <p:clrMapOvr>
     <a:masterClrMapping/>
   </p:clrMapOvr>
+  <p:timing>
+    <p:tnLst>
+      <p:par>
+        <p:cTn id="1" dur="indefinite" restart="never" nodeType="tmRoot"/>
+      </p:par>
+    </p:tnLst>
+  </p:timing>
 </p:sld>
 </file>
 
